--- a/Examination of Domestic Economic Impact of the US-China Trade War by Analyzing Stock Market Fluctuations with Unsupervised Machine Learning.pptx
+++ b/Examination of Domestic Economic Impact of the US-China Trade War by Analyzing Stock Market Fluctuations with Unsupervised Machine Learning.pptx
@@ -5,53 +5,50 @@
     <p:sldMasterId id="2147483659" r:id="rId1"/>
   </p:sldMasterIdLst>
   <p:notesMasterIdLst>
-    <p:notesMasterId r:id="rId22"/>
+    <p:notesMasterId r:id="rId19"/>
   </p:notesMasterIdLst>
   <p:sldIdLst>
     <p:sldId id="256" r:id="rId2"/>
-    <p:sldId id="261" r:id="rId3"/>
-    <p:sldId id="262" r:id="rId4"/>
-    <p:sldId id="259" r:id="rId5"/>
-    <p:sldId id="260" r:id="rId6"/>
-    <p:sldId id="257" r:id="rId7"/>
-    <p:sldId id="258" r:id="rId8"/>
-    <p:sldId id="263" r:id="rId9"/>
-    <p:sldId id="264" r:id="rId10"/>
-    <p:sldId id="265" r:id="rId11"/>
-    <p:sldId id="270" r:id="rId12"/>
-    <p:sldId id="272" r:id="rId13"/>
-    <p:sldId id="273" r:id="rId14"/>
-    <p:sldId id="274" r:id="rId15"/>
-    <p:sldId id="266" r:id="rId16"/>
-    <p:sldId id="267" r:id="rId17"/>
-    <p:sldId id="268" r:id="rId18"/>
-    <p:sldId id="269" r:id="rId19"/>
-    <p:sldId id="275" r:id="rId20"/>
-    <p:sldId id="276" r:id="rId21"/>
+    <p:sldId id="259" r:id="rId3"/>
+    <p:sldId id="257" r:id="rId4"/>
+    <p:sldId id="258" r:id="rId5"/>
+    <p:sldId id="263" r:id="rId6"/>
+    <p:sldId id="264" r:id="rId7"/>
+    <p:sldId id="265" r:id="rId8"/>
+    <p:sldId id="270" r:id="rId9"/>
+    <p:sldId id="272" r:id="rId10"/>
+    <p:sldId id="273" r:id="rId11"/>
+    <p:sldId id="274" r:id="rId12"/>
+    <p:sldId id="266" r:id="rId13"/>
+    <p:sldId id="267" r:id="rId14"/>
+    <p:sldId id="268" r:id="rId15"/>
+    <p:sldId id="269" r:id="rId16"/>
+    <p:sldId id="275" r:id="rId17"/>
+    <p:sldId id="276" r:id="rId18"/>
   </p:sldIdLst>
   <p:sldSz cx="9144000" cy="5143500" type="screen16x9"/>
   <p:notesSz cx="6858000" cy="9144000"/>
   <p:embeddedFontLst>
     <p:embeddedFont>
       <p:font typeface="Calibri" panose="020F0502020204030204" pitchFamily="34" charset="0"/>
-      <p:regular r:id="rId23"/>
-      <p:bold r:id="rId24"/>
-      <p:italic r:id="rId25"/>
-      <p:boldItalic r:id="rId26"/>
+      <p:regular r:id="rId20"/>
+      <p:bold r:id="rId21"/>
+      <p:italic r:id="rId22"/>
+      <p:boldItalic r:id="rId23"/>
     </p:embeddedFont>
     <p:embeddedFont>
       <p:font typeface="Lato" panose="020B0604020202020204" charset="0"/>
-      <p:regular r:id="rId27"/>
-      <p:bold r:id="rId28"/>
-      <p:italic r:id="rId29"/>
-      <p:boldItalic r:id="rId30"/>
+      <p:regular r:id="rId24"/>
+      <p:bold r:id="rId25"/>
+      <p:italic r:id="rId26"/>
+      <p:boldItalic r:id="rId27"/>
     </p:embeddedFont>
     <p:embeddedFont>
       <p:font typeface="Raleway" panose="020B0604020202020204" charset="0"/>
-      <p:regular r:id="rId31"/>
-      <p:bold r:id="rId32"/>
-      <p:italic r:id="rId33"/>
-      <p:boldItalic r:id="rId34"/>
+      <p:regular r:id="rId28"/>
+      <p:bold r:id="rId29"/>
+      <p:italic r:id="rId30"/>
+      <p:boldItalic r:id="rId31"/>
     </p:embeddedFont>
   </p:embeddedFontLst>
   <p:defaultTextStyle>
@@ -10419,498 +10416,6 @@
           <p:cNvPr id="2" name="Title 1">
             <a:extLst>
               <a:ext uri="{FF2B5EF4-FFF2-40B4-BE49-F238E27FC236}">
-                <a16:creationId xmlns:a16="http://schemas.microsoft.com/office/drawing/2014/main" id="{A2373D7E-181B-49EE-A5DA-300CFD2B90BB}"/>
-              </a:ext>
-            </a:extLst>
-          </p:cNvPr>
-          <p:cNvSpPr>
-            <a:spLocks noGrp="1"/>
-          </p:cNvSpPr>
-          <p:nvPr>
-            <p:ph type="title"/>
-          </p:nvPr>
-        </p:nvSpPr>
-        <p:spPr>
-          <a:xfrm>
-            <a:off x="506085" y="93943"/>
-            <a:ext cx="7688400" cy="1518600"/>
-          </a:xfrm>
-        </p:spPr>
-        <p:txBody>
-          <a:bodyPr/>
-          <a:lstStyle/>
-          <a:p>
-            <a:r>
-              <a:rPr lang="en-US" sz="2000" dirty="0"/>
-              <a:t>Relationship between the price fluctuation of each cluster and the number of stocks of each cluster</a:t>
-            </a:r>
-          </a:p>
-        </p:txBody>
-      </p:sp>
-      <p:pic>
-        <p:nvPicPr>
-          <p:cNvPr id="3" name="Picture 2">
-            <a:extLst>
-              <a:ext uri="{FF2B5EF4-FFF2-40B4-BE49-F238E27FC236}">
-                <a16:creationId xmlns:a16="http://schemas.microsoft.com/office/drawing/2014/main" id="{17BD36A1-04AF-4BC1-ACC8-83E9FAB24F85}"/>
-              </a:ext>
-            </a:extLst>
-          </p:cNvPr>
-          <p:cNvPicPr>
-            <a:picLocks noChangeAspect="1"/>
-          </p:cNvPicPr>
-          <p:nvPr/>
-        </p:nvPicPr>
-        <p:blipFill>
-          <a:blip r:embed="rId2"/>
-          <a:stretch>
-            <a:fillRect/>
-          </a:stretch>
-        </p:blipFill>
-        <p:spPr>
-          <a:xfrm>
-            <a:off x="785944" y="1057469"/>
-            <a:ext cx="2864675" cy="3846365"/>
-          </a:xfrm>
-          <a:prstGeom prst="rect">
-            <a:avLst/>
-          </a:prstGeom>
-        </p:spPr>
-      </p:pic>
-      <p:sp>
-        <p:nvSpPr>
-          <p:cNvPr id="4" name="TextBox 3">
-            <a:extLst>
-              <a:ext uri="{FF2B5EF4-FFF2-40B4-BE49-F238E27FC236}">
-                <a16:creationId xmlns:a16="http://schemas.microsoft.com/office/drawing/2014/main" id="{B4D247F8-FC1D-4DF7-94F0-0D6622943EFC}"/>
-              </a:ext>
-            </a:extLst>
-          </p:cNvPr>
-          <p:cNvSpPr txBox="1"/>
-          <p:nvPr/>
-        </p:nvSpPr>
-        <p:spPr>
-          <a:xfrm>
-            <a:off x="4350285" y="1144745"/>
-            <a:ext cx="4200402" cy="1169551"/>
-          </a:xfrm>
-          <a:prstGeom prst="rect">
-            <a:avLst/>
-          </a:prstGeom>
-          <a:noFill/>
-        </p:spPr>
-        <p:txBody>
-          <a:bodyPr wrap="square" rtlCol="0">
-            <a:spAutoFit/>
-          </a:bodyPr>
-          <a:lstStyle/>
-          <a:p>
-            <a:r>
-              <a:rPr lang="en-US" dirty="0">
-                <a:solidFill>
-                  <a:schemeClr val="bg1"/>
-                </a:solidFill>
-              </a:rPr>
-              <a:t>When the U.S. firstly planned to counter unfair trade from China on June 28, 2016, more stock prices were increasing. There are more clusters of rising stocks. This pattern indicates that people had the confidence for</a:t>
-            </a:r>
-            <a:r>
-              <a:rPr lang="zh-CN" altLang="en-US" dirty="0">
-                <a:solidFill>
-                  <a:schemeClr val="bg1"/>
-                </a:solidFill>
-              </a:rPr>
-              <a:t> </a:t>
-            </a:r>
-            <a:r>
-              <a:rPr lang="en-US" altLang="zh-CN" dirty="0">
-                <a:solidFill>
-                  <a:schemeClr val="bg1"/>
-                </a:solidFill>
-              </a:rPr>
-              <a:t>US</a:t>
-            </a:r>
-            <a:r>
-              <a:rPr lang="zh-CN" altLang="en-US" dirty="0">
-                <a:solidFill>
-                  <a:schemeClr val="bg1"/>
-                </a:solidFill>
-              </a:rPr>
-              <a:t> </a:t>
-            </a:r>
-            <a:r>
-              <a:rPr lang="en-US" dirty="0">
-                <a:solidFill>
-                  <a:schemeClr val="bg1"/>
-                </a:solidFill>
-              </a:rPr>
-              <a:t>winning the Trade War. </a:t>
-            </a:r>
-          </a:p>
-        </p:txBody>
-      </p:sp>
-      <p:sp>
-        <p:nvSpPr>
-          <p:cNvPr id="5" name="TextBox 4">
-            <a:extLst>
-              <a:ext uri="{FF2B5EF4-FFF2-40B4-BE49-F238E27FC236}">
-                <a16:creationId xmlns:a16="http://schemas.microsoft.com/office/drawing/2014/main" id="{906026C9-7578-4E0D-A183-50C566CFCDA4}"/>
-              </a:ext>
-            </a:extLst>
-          </p:cNvPr>
-          <p:cNvSpPr txBox="1"/>
-          <p:nvPr/>
-        </p:nvSpPr>
-        <p:spPr>
-          <a:xfrm>
-            <a:off x="4295675" y="3227294"/>
-            <a:ext cx="4309621" cy="1384995"/>
-          </a:xfrm>
-          <a:prstGeom prst="rect">
-            <a:avLst/>
-          </a:prstGeom>
-          <a:noFill/>
-        </p:spPr>
-        <p:txBody>
-          <a:bodyPr wrap="square" rtlCol="0">
-            <a:spAutoFit/>
-          </a:bodyPr>
-          <a:lstStyle/>
-          <a:p>
-            <a:r>
-              <a:rPr lang="en-US" dirty="0">
-                <a:solidFill>
-                  <a:schemeClr val="bg1"/>
-                </a:solidFill>
-              </a:rPr>
-              <a:t>When China retaliated the first time on April 2, 2018, more stock prices were decreasing, showing that people were optimistic about China and Chinese manufacturers. There are more clusters of decreasing stocks. The pattern is that the more the cluster decreased, the more stocks in the cluster.</a:t>
-            </a:r>
-          </a:p>
-        </p:txBody>
-      </p:sp>
-    </p:spTree>
-    <p:extLst>
-      <p:ext uri="{BB962C8B-B14F-4D97-AF65-F5344CB8AC3E}">
-        <p14:creationId xmlns:p14="http://schemas.microsoft.com/office/powerpoint/2010/main" val="4025382183"/>
-      </p:ext>
-    </p:extLst>
-  </p:cSld>
-  <p:clrMapOvr>
-    <a:masterClrMapping/>
-  </p:clrMapOvr>
-</p:sld>
-</file>
-
-<file path=ppt/slides/slide11.xml><?xml version="1.0" encoding="utf-8"?>
-<p:sld xmlns:a="http://schemas.openxmlformats.org/drawingml/2006/main" xmlns:r="http://schemas.openxmlformats.org/officeDocument/2006/relationships" xmlns:p="http://schemas.openxmlformats.org/presentationml/2006/main">
-  <p:cSld>
-    <p:spTree>
-      <p:nvGrpSpPr>
-        <p:cNvPr id="1" name=""/>
-        <p:cNvGrpSpPr/>
-        <p:nvPr/>
-      </p:nvGrpSpPr>
-      <p:grpSpPr>
-        <a:xfrm>
-          <a:off x="0" y="0"/>
-          <a:ext cx="0" cy="0"/>
-          <a:chOff x="0" y="0"/>
-          <a:chExt cx="0" cy="0"/>
-        </a:xfrm>
-      </p:grpSpPr>
-      <p:sp>
-        <p:nvSpPr>
-          <p:cNvPr id="2" name="Title 1">
-            <a:extLst>
-              <a:ext uri="{FF2B5EF4-FFF2-40B4-BE49-F238E27FC236}">
-                <a16:creationId xmlns:a16="http://schemas.microsoft.com/office/drawing/2014/main" id="{2C9D0B24-EFC2-4E11-8D95-047EB8A55680}"/>
-              </a:ext>
-            </a:extLst>
-          </p:cNvPr>
-          <p:cNvSpPr>
-            <a:spLocks noGrp="1"/>
-          </p:cNvSpPr>
-          <p:nvPr>
-            <p:ph type="title"/>
-          </p:nvPr>
-        </p:nvSpPr>
-        <p:spPr>
-          <a:xfrm>
-            <a:off x="554638" y="381156"/>
-            <a:ext cx="7688400" cy="1071126"/>
-          </a:xfrm>
-        </p:spPr>
-        <p:txBody>
-          <a:bodyPr/>
-          <a:lstStyle/>
-          <a:p>
-            <a:r>
-              <a:rPr lang="en-US" sz="1800" dirty="0"/>
-              <a:t>Analyzing the three most positively influenced clusters when the U.S. decided to slap trade war against China on June 28, 2016</a:t>
-            </a:r>
-          </a:p>
-        </p:txBody>
-      </p:sp>
-      <p:pic>
-        <p:nvPicPr>
-          <p:cNvPr id="3" name="Picture 2">
-            <a:extLst>
-              <a:ext uri="{FF2B5EF4-FFF2-40B4-BE49-F238E27FC236}">
-                <a16:creationId xmlns:a16="http://schemas.microsoft.com/office/drawing/2014/main" id="{2A3F454E-2126-4502-82DB-30B00BFA1F4A}"/>
-              </a:ext>
-            </a:extLst>
-          </p:cNvPr>
-          <p:cNvPicPr>
-            <a:picLocks noChangeAspect="1"/>
-          </p:cNvPicPr>
-          <p:nvPr/>
-        </p:nvPicPr>
-        <p:blipFill>
-          <a:blip r:embed="rId2"/>
-          <a:stretch>
-            <a:fillRect/>
-          </a:stretch>
-        </p:blipFill>
-        <p:spPr>
-          <a:xfrm>
-            <a:off x="2483245" y="1452282"/>
-            <a:ext cx="3639627" cy="2438611"/>
-          </a:xfrm>
-          <a:prstGeom prst="rect">
-            <a:avLst/>
-          </a:prstGeom>
-        </p:spPr>
-      </p:pic>
-    </p:spTree>
-    <p:extLst>
-      <p:ext uri="{BB962C8B-B14F-4D97-AF65-F5344CB8AC3E}">
-        <p14:creationId xmlns:p14="http://schemas.microsoft.com/office/powerpoint/2010/main" val="3489746659"/>
-      </p:ext>
-    </p:extLst>
-  </p:cSld>
-  <p:clrMapOvr>
-    <a:masterClrMapping/>
-  </p:clrMapOvr>
-</p:sld>
-</file>
-
-<file path=ppt/slides/slide12.xml><?xml version="1.0" encoding="utf-8"?>
-<p:sld xmlns:a="http://schemas.openxmlformats.org/drawingml/2006/main" xmlns:r="http://schemas.openxmlformats.org/officeDocument/2006/relationships" xmlns:p="http://schemas.openxmlformats.org/presentationml/2006/main">
-  <p:cSld>
-    <p:spTree>
-      <p:nvGrpSpPr>
-        <p:cNvPr id="1" name=""/>
-        <p:cNvGrpSpPr/>
-        <p:nvPr/>
-      </p:nvGrpSpPr>
-      <p:grpSpPr>
-        <a:xfrm>
-          <a:off x="0" y="0"/>
-          <a:ext cx="0" cy="0"/>
-          <a:chOff x="0" y="0"/>
-          <a:chExt cx="0" cy="0"/>
-        </a:xfrm>
-      </p:grpSpPr>
-      <p:sp>
-        <p:nvSpPr>
-          <p:cNvPr id="2" name="Title 1">
-            <a:extLst>
-              <a:ext uri="{FF2B5EF4-FFF2-40B4-BE49-F238E27FC236}">
-                <a16:creationId xmlns:a16="http://schemas.microsoft.com/office/drawing/2014/main" id="{F4DA8CC6-8D40-4690-A162-0BD13F347D82}"/>
-              </a:ext>
-            </a:extLst>
-          </p:cNvPr>
-          <p:cNvSpPr>
-            <a:spLocks noGrp="1"/>
-          </p:cNvSpPr>
-          <p:nvPr>
-            <p:ph type="title"/>
-          </p:nvPr>
-        </p:nvSpPr>
-        <p:spPr>
-          <a:xfrm>
-            <a:off x="662214" y="287027"/>
-            <a:ext cx="7688400" cy="849249"/>
-          </a:xfrm>
-        </p:spPr>
-        <p:txBody>
-          <a:bodyPr/>
-          <a:lstStyle/>
-          <a:p>
-            <a:r>
-              <a:rPr lang="en-US" dirty="0"/>
-              <a:t>1</a:t>
-            </a:r>
-            <a:r>
-              <a:rPr lang="en-US" baseline="30000" dirty="0"/>
-              <a:t>st</a:t>
-            </a:r>
-            <a:r>
-              <a:rPr lang="en-US" dirty="0"/>
-              <a:t> cluster</a:t>
-            </a:r>
-          </a:p>
-        </p:txBody>
-      </p:sp>
-      <p:sp>
-        <p:nvSpPr>
-          <p:cNvPr id="4" name="TextBox 3">
-            <a:extLst>
-              <a:ext uri="{FF2B5EF4-FFF2-40B4-BE49-F238E27FC236}">
-                <a16:creationId xmlns:a16="http://schemas.microsoft.com/office/drawing/2014/main" id="{42244D65-D82C-4A15-8841-205412FD819D}"/>
-              </a:ext>
-            </a:extLst>
-          </p:cNvPr>
-          <p:cNvSpPr txBox="1"/>
-          <p:nvPr/>
-        </p:nvSpPr>
-        <p:spPr>
-          <a:xfrm>
-            <a:off x="5244353" y="1902759"/>
-            <a:ext cx="3576918" cy="1169551"/>
-          </a:xfrm>
-          <a:prstGeom prst="rect">
-            <a:avLst/>
-          </a:prstGeom>
-          <a:noFill/>
-        </p:spPr>
-        <p:txBody>
-          <a:bodyPr wrap="square" rtlCol="0">
-            <a:spAutoFit/>
-          </a:bodyPr>
-          <a:lstStyle/>
-          <a:p>
-            <a:r>
-              <a:rPr lang="en-US" dirty="0">
-                <a:solidFill>
-                  <a:schemeClr val="bg1"/>
-                </a:solidFill>
-              </a:rPr>
-              <a:t>The top four industries :</a:t>
-            </a:r>
-          </a:p>
-          <a:p>
-            <a:pPr marL="285750" indent="-285750">
-              <a:buFont typeface="Arial" panose="020B0604020202020204" pitchFamily="34" charset="0"/>
-              <a:buChar char="•"/>
-            </a:pPr>
-            <a:r>
-              <a:rPr lang="en-US" dirty="0">
-                <a:solidFill>
-                  <a:schemeClr val="bg1"/>
-                </a:solidFill>
-              </a:rPr>
-              <a:t>major pharmaceuticals (58) </a:t>
-            </a:r>
-          </a:p>
-          <a:p>
-            <a:pPr marL="285750" indent="-285750">
-              <a:buFont typeface="Arial" panose="020B0604020202020204" pitchFamily="34" charset="0"/>
-              <a:buChar char="•"/>
-            </a:pPr>
-            <a:r>
-              <a:rPr lang="en-US" dirty="0">
-                <a:solidFill>
-                  <a:schemeClr val="bg1"/>
-                </a:solidFill>
-              </a:rPr>
-              <a:t>major banks (38)</a:t>
-            </a:r>
-          </a:p>
-          <a:p>
-            <a:pPr marL="285750" indent="-285750">
-              <a:buFont typeface="Arial" panose="020B0604020202020204" pitchFamily="34" charset="0"/>
-              <a:buChar char="•"/>
-            </a:pPr>
-            <a:r>
-              <a:rPr lang="en-US" dirty="0">
-                <a:solidFill>
-                  <a:schemeClr val="bg1"/>
-                </a:solidFill>
-              </a:rPr>
-              <a:t>Real estate investment (29)</a:t>
-            </a:r>
-          </a:p>
-          <a:p>
-            <a:pPr marL="285750" indent="-285750">
-              <a:buFont typeface="Arial" panose="020B0604020202020204" pitchFamily="34" charset="0"/>
-              <a:buChar char="•"/>
-            </a:pPr>
-            <a:r>
-              <a:rPr lang="en-US" dirty="0">
-                <a:solidFill>
-                  <a:schemeClr val="bg1"/>
-                </a:solidFill>
-              </a:rPr>
-              <a:t>oil &amp; gas (23)</a:t>
-            </a:r>
-          </a:p>
-        </p:txBody>
-      </p:sp>
-      <p:pic>
-        <p:nvPicPr>
-          <p:cNvPr id="5" name="Picture 4">
-            <a:extLst>
-              <a:ext uri="{FF2B5EF4-FFF2-40B4-BE49-F238E27FC236}">
-                <a16:creationId xmlns:a16="http://schemas.microsoft.com/office/drawing/2014/main" id="{84B70490-5192-4B74-9054-C6DDACBBF6DF}"/>
-              </a:ext>
-            </a:extLst>
-          </p:cNvPr>
-          <p:cNvPicPr>
-            <a:picLocks noChangeAspect="1"/>
-          </p:cNvPicPr>
-          <p:nvPr/>
-        </p:nvPicPr>
-        <p:blipFill>
-          <a:blip r:embed="rId2"/>
-          <a:stretch>
-            <a:fillRect/>
-          </a:stretch>
-        </p:blipFill>
-        <p:spPr>
-          <a:xfrm>
-            <a:off x="282390" y="1357742"/>
-            <a:ext cx="4787152" cy="3498731"/>
-          </a:xfrm>
-          <a:prstGeom prst="rect">
-            <a:avLst/>
-          </a:prstGeom>
-        </p:spPr>
-      </p:pic>
-    </p:spTree>
-    <p:extLst>
-      <p:ext uri="{BB962C8B-B14F-4D97-AF65-F5344CB8AC3E}">
-        <p14:creationId xmlns:p14="http://schemas.microsoft.com/office/powerpoint/2010/main" val="4014298962"/>
-      </p:ext>
-    </p:extLst>
-  </p:cSld>
-  <p:clrMapOvr>
-    <a:masterClrMapping/>
-  </p:clrMapOvr>
-</p:sld>
-</file>
-
-<file path=ppt/slides/slide13.xml><?xml version="1.0" encoding="utf-8"?>
-<p:sld xmlns:a="http://schemas.openxmlformats.org/drawingml/2006/main" xmlns:r="http://schemas.openxmlformats.org/officeDocument/2006/relationships" xmlns:p="http://schemas.openxmlformats.org/presentationml/2006/main">
-  <p:cSld>
-    <p:spTree>
-      <p:nvGrpSpPr>
-        <p:cNvPr id="1" name=""/>
-        <p:cNvGrpSpPr/>
-        <p:nvPr/>
-      </p:nvGrpSpPr>
-      <p:grpSpPr>
-        <a:xfrm>
-          <a:off x="0" y="0"/>
-          <a:ext cx="0" cy="0"/>
-          <a:chOff x="0" y="0"/>
-          <a:chExt cx="0" cy="0"/>
-        </a:xfrm>
-      </p:grpSpPr>
-      <p:sp>
-        <p:nvSpPr>
-          <p:cNvPr id="2" name="Title 1">
-            <a:extLst>
-              <a:ext uri="{FF2B5EF4-FFF2-40B4-BE49-F238E27FC236}">
                 <a16:creationId xmlns:a16="http://schemas.microsoft.com/office/drawing/2014/main" id="{6869FDC9-72DA-4CF8-9C9B-29DA58710C32}"/>
               </a:ext>
             </a:extLst>
@@ -11085,7 +10590,7 @@
 </p:sld>
 </file>
 
-<file path=ppt/slides/slide14.xml><?xml version="1.0" encoding="utf-8"?>
+<file path=ppt/slides/slide11.xml><?xml version="1.0" encoding="utf-8"?>
 <p:sld xmlns:a="http://schemas.openxmlformats.org/drawingml/2006/main" xmlns:r="http://schemas.openxmlformats.org/officeDocument/2006/relationships" xmlns:p="http://schemas.openxmlformats.org/presentationml/2006/main">
   <p:cSld>
     <p:spTree>
@@ -11281,7 +10786,7 @@
 </p:sld>
 </file>
 
-<file path=ppt/slides/slide15.xml><?xml version="1.0" encoding="utf-8"?>
+<file path=ppt/slides/slide12.xml><?xml version="1.0" encoding="utf-8"?>
 <p:sld xmlns:a="http://schemas.openxmlformats.org/drawingml/2006/main" xmlns:r="http://schemas.openxmlformats.org/officeDocument/2006/relationships" xmlns:p="http://schemas.openxmlformats.org/presentationml/2006/main">
   <p:cSld>
     <p:spTree>
@@ -11374,7 +10879,7 @@
 </p:sld>
 </file>
 
-<file path=ppt/slides/slide16.xml><?xml version="1.0" encoding="utf-8"?>
+<file path=ppt/slides/slide13.xml><?xml version="1.0" encoding="utf-8"?>
 <p:sld xmlns:a="http://schemas.openxmlformats.org/drawingml/2006/main" xmlns:r="http://schemas.openxmlformats.org/officeDocument/2006/relationships" xmlns:p="http://schemas.openxmlformats.org/presentationml/2006/main">
   <p:cSld>
     <p:spTree>
@@ -11570,7 +11075,7 @@
 </p:sld>
 </file>
 
-<file path=ppt/slides/slide17.xml><?xml version="1.0" encoding="utf-8"?>
+<file path=ppt/slides/slide14.xml><?xml version="1.0" encoding="utf-8"?>
 <p:sld xmlns:a="http://schemas.openxmlformats.org/drawingml/2006/main" xmlns:r="http://schemas.openxmlformats.org/officeDocument/2006/relationships" xmlns:p="http://schemas.openxmlformats.org/presentationml/2006/main">
   <p:cSld>
     <p:spTree>
@@ -11766,7 +11271,7 @@
 </p:sld>
 </file>
 
-<file path=ppt/slides/slide18.xml><?xml version="1.0" encoding="utf-8"?>
+<file path=ppt/slides/slide15.xml><?xml version="1.0" encoding="utf-8"?>
 <p:sld xmlns:a="http://schemas.openxmlformats.org/drawingml/2006/main" xmlns:r="http://schemas.openxmlformats.org/officeDocument/2006/relationships" xmlns:p="http://schemas.openxmlformats.org/presentationml/2006/main">
   <p:cSld>
     <p:spTree>
@@ -11962,7 +11467,7 @@
 </p:sld>
 </file>
 
-<file path=ppt/slides/slide19.xml><?xml version="1.0" encoding="utf-8"?>
+<file path=ppt/slides/slide16.xml><?xml version="1.0" encoding="utf-8"?>
 <p:sld xmlns:a="http://schemas.openxmlformats.org/drawingml/2006/main" xmlns:r="http://schemas.openxmlformats.org/officeDocument/2006/relationships" xmlns:p="http://schemas.openxmlformats.org/presentationml/2006/main">
   <p:cSld>
     <p:spTree>
@@ -12340,62 +11845,7 @@
 </p:sld>
 </file>
 
-<file path=ppt/slides/slide2.xml><?xml version="1.0" encoding="utf-8"?>
-<p:sld xmlns:a="http://schemas.openxmlformats.org/drawingml/2006/main" xmlns:r="http://schemas.openxmlformats.org/officeDocument/2006/relationships" xmlns:p="http://schemas.openxmlformats.org/presentationml/2006/main">
-  <p:cSld>
-    <p:spTree>
-      <p:nvGrpSpPr>
-        <p:cNvPr id="1" name=""/>
-        <p:cNvGrpSpPr/>
-        <p:nvPr/>
-      </p:nvGrpSpPr>
-      <p:grpSpPr>
-        <a:xfrm>
-          <a:off x="0" y="0"/>
-          <a:ext cx="0" cy="0"/>
-          <a:chOff x="0" y="0"/>
-          <a:chExt cx="0" cy="0"/>
-        </a:xfrm>
-      </p:grpSpPr>
-      <p:sp>
-        <p:nvSpPr>
-          <p:cNvPr id="2" name="Title 1">
-            <a:extLst>
-              <a:ext uri="{FF2B5EF4-FFF2-40B4-BE49-F238E27FC236}">
-                <a16:creationId xmlns:a16="http://schemas.microsoft.com/office/drawing/2014/main" id="{7EAC8A17-052D-43B1-989F-1F6E871C1B0D}"/>
-              </a:ext>
-            </a:extLst>
-          </p:cNvPr>
-          <p:cNvSpPr>
-            <a:spLocks noGrp="1"/>
-          </p:cNvSpPr>
-          <p:nvPr>
-            <p:ph type="title"/>
-          </p:nvPr>
-        </p:nvSpPr>
-        <p:spPr/>
-        <p:txBody>
-          <a:bodyPr/>
-          <a:lstStyle/>
-          <a:p>
-            <a:endParaRPr lang="en-US"/>
-          </a:p>
-        </p:txBody>
-      </p:sp>
-    </p:spTree>
-    <p:extLst>
-      <p:ext uri="{BB962C8B-B14F-4D97-AF65-F5344CB8AC3E}">
-        <p14:creationId xmlns:p14="http://schemas.microsoft.com/office/powerpoint/2010/main" val="40088665"/>
-      </p:ext>
-    </p:extLst>
-  </p:cSld>
-  <p:clrMapOvr>
-    <a:masterClrMapping/>
-  </p:clrMapOvr>
-</p:sld>
-</file>
-
-<file path=ppt/slides/slide20.xml><?xml version="1.0" encoding="utf-8"?>
+<file path=ppt/slides/slide17.xml><?xml version="1.0" encoding="utf-8"?>
 <p:sld xmlns:a="http://schemas.openxmlformats.org/drawingml/2006/main" xmlns:r="http://schemas.openxmlformats.org/officeDocument/2006/relationships" xmlns:p="http://schemas.openxmlformats.org/presentationml/2006/main">
   <p:cSld>
     <p:spTree>
@@ -12568,87 +12018,7 @@
 </p:sld>
 </file>
 
-<file path=ppt/slides/slide3.xml><?xml version="1.0" encoding="utf-8"?>
-<p:sld xmlns:a="http://schemas.openxmlformats.org/drawingml/2006/main" xmlns:r="http://schemas.openxmlformats.org/officeDocument/2006/relationships" xmlns:p="http://schemas.openxmlformats.org/presentationml/2006/main">
-  <p:cSld>
-    <p:spTree>
-      <p:nvGrpSpPr>
-        <p:cNvPr id="1" name=""/>
-        <p:cNvGrpSpPr/>
-        <p:nvPr/>
-      </p:nvGrpSpPr>
-      <p:grpSpPr>
-        <a:xfrm>
-          <a:off x="0" y="0"/>
-          <a:ext cx="0" cy="0"/>
-          <a:chOff x="0" y="0"/>
-          <a:chExt cx="0" cy="0"/>
-        </a:xfrm>
-      </p:grpSpPr>
-      <p:sp>
-        <p:nvSpPr>
-          <p:cNvPr id="2" name="Title 1">
-            <a:extLst>
-              <a:ext uri="{FF2B5EF4-FFF2-40B4-BE49-F238E27FC236}">
-                <a16:creationId xmlns:a16="http://schemas.microsoft.com/office/drawing/2014/main" id="{C414FC7E-9975-4349-87FD-3E9EAD30DA45}"/>
-              </a:ext>
-            </a:extLst>
-          </p:cNvPr>
-          <p:cNvSpPr>
-            <a:spLocks noGrp="1"/>
-          </p:cNvSpPr>
-          <p:nvPr>
-            <p:ph type="title"/>
-          </p:nvPr>
-        </p:nvSpPr>
-        <p:spPr/>
-        <p:txBody>
-          <a:bodyPr/>
-          <a:lstStyle/>
-          <a:p>
-            <a:endParaRPr lang="en-US" dirty="0"/>
-          </a:p>
-        </p:txBody>
-      </p:sp>
-      <p:sp>
-        <p:nvSpPr>
-          <p:cNvPr id="3" name="Text Placeholder 2">
-            <a:extLst>
-              <a:ext uri="{FF2B5EF4-FFF2-40B4-BE49-F238E27FC236}">
-                <a16:creationId xmlns:a16="http://schemas.microsoft.com/office/drawing/2014/main" id="{49542258-6272-4D56-B9B0-8F374FFB8DE5}"/>
-              </a:ext>
-            </a:extLst>
-          </p:cNvPr>
-          <p:cNvSpPr>
-            <a:spLocks noGrp="1"/>
-          </p:cNvSpPr>
-          <p:nvPr>
-            <p:ph type="body" idx="1"/>
-          </p:nvPr>
-        </p:nvSpPr>
-        <p:spPr/>
-        <p:txBody>
-          <a:bodyPr/>
-          <a:lstStyle/>
-          <a:p>
-            <a:endParaRPr lang="en-US"/>
-          </a:p>
-        </p:txBody>
-      </p:sp>
-    </p:spTree>
-    <p:extLst>
-      <p:ext uri="{BB962C8B-B14F-4D97-AF65-F5344CB8AC3E}">
-        <p14:creationId xmlns:p14="http://schemas.microsoft.com/office/powerpoint/2010/main" val="1363995413"/>
-      </p:ext>
-    </p:extLst>
-  </p:cSld>
-  <p:clrMapOvr>
-    <a:masterClrMapping/>
-  </p:clrMapOvr>
-</p:sld>
-</file>
-
-<file path=ppt/slides/slide4.xml><?xml version="1.0" encoding="utf-8"?>
+<file path=ppt/slides/slide2.xml><?xml version="1.0" encoding="utf-8"?>
 <p:sld xmlns:a="http://schemas.openxmlformats.org/drawingml/2006/main" xmlns:r="http://schemas.openxmlformats.org/officeDocument/2006/relationships" xmlns:p="http://schemas.openxmlformats.org/presentationml/2006/main">
   <p:cSld>
     <p:spTree>
@@ -13217,87 +12587,7 @@
 </p:sld>
 </file>
 
-<file path=ppt/slides/slide5.xml><?xml version="1.0" encoding="utf-8"?>
-<p:sld xmlns:a="http://schemas.openxmlformats.org/drawingml/2006/main" xmlns:r="http://schemas.openxmlformats.org/officeDocument/2006/relationships" xmlns:p="http://schemas.openxmlformats.org/presentationml/2006/main">
-  <p:cSld>
-    <p:spTree>
-      <p:nvGrpSpPr>
-        <p:cNvPr id="1" name=""/>
-        <p:cNvGrpSpPr/>
-        <p:nvPr/>
-      </p:nvGrpSpPr>
-      <p:grpSpPr>
-        <a:xfrm>
-          <a:off x="0" y="0"/>
-          <a:ext cx="0" cy="0"/>
-          <a:chOff x="0" y="0"/>
-          <a:chExt cx="0" cy="0"/>
-        </a:xfrm>
-      </p:grpSpPr>
-      <p:sp>
-        <p:nvSpPr>
-          <p:cNvPr id="2" name="Title 1">
-            <a:extLst>
-              <a:ext uri="{FF2B5EF4-FFF2-40B4-BE49-F238E27FC236}">
-                <a16:creationId xmlns:a16="http://schemas.microsoft.com/office/drawing/2014/main" id="{2C961AC7-533D-4C4A-96D9-5891C194C05C}"/>
-              </a:ext>
-            </a:extLst>
-          </p:cNvPr>
-          <p:cNvSpPr>
-            <a:spLocks noGrp="1"/>
-          </p:cNvSpPr>
-          <p:nvPr>
-            <p:ph type="title"/>
-          </p:nvPr>
-        </p:nvSpPr>
-        <p:spPr/>
-        <p:txBody>
-          <a:bodyPr/>
-          <a:lstStyle/>
-          <a:p>
-            <a:endParaRPr lang="en-US"/>
-          </a:p>
-        </p:txBody>
-      </p:sp>
-      <p:sp>
-        <p:nvSpPr>
-          <p:cNvPr id="3" name="Text Placeholder 2">
-            <a:extLst>
-              <a:ext uri="{FF2B5EF4-FFF2-40B4-BE49-F238E27FC236}">
-                <a16:creationId xmlns:a16="http://schemas.microsoft.com/office/drawing/2014/main" id="{F18F7070-7F42-49FA-9AF3-3A9044AB8534}"/>
-              </a:ext>
-            </a:extLst>
-          </p:cNvPr>
-          <p:cNvSpPr>
-            <a:spLocks noGrp="1"/>
-          </p:cNvSpPr>
-          <p:nvPr>
-            <p:ph type="body" idx="1"/>
-          </p:nvPr>
-        </p:nvSpPr>
-        <p:spPr/>
-        <p:txBody>
-          <a:bodyPr numCol="2"/>
-          <a:lstStyle/>
-          <a:p>
-            <a:endParaRPr lang="en-US" dirty="0"/>
-          </a:p>
-        </p:txBody>
-      </p:sp>
-    </p:spTree>
-    <p:extLst>
-      <p:ext uri="{BB962C8B-B14F-4D97-AF65-F5344CB8AC3E}">
-        <p14:creationId xmlns:p14="http://schemas.microsoft.com/office/powerpoint/2010/main" val="4247114923"/>
-      </p:ext>
-    </p:extLst>
-  </p:cSld>
-  <p:clrMapOvr>
-    <a:masterClrMapping/>
-  </p:clrMapOvr>
-</p:sld>
-</file>
-
-<file path=ppt/slides/slide6.xml><?xml version="1.0" encoding="utf-8"?>
+<file path=ppt/slides/slide3.xml><?xml version="1.0" encoding="utf-8"?>
 <p:sld xmlns:a="http://schemas.openxmlformats.org/drawingml/2006/main" xmlns:r="http://schemas.openxmlformats.org/officeDocument/2006/relationships" xmlns:p="http://schemas.openxmlformats.org/presentationml/2006/main">
   <p:cSld>
     <p:spTree>
@@ -13384,7 +12674,7 @@
 </p:sld>
 </file>
 
-<file path=ppt/slides/slide7.xml><?xml version="1.0" encoding="utf-8"?>
+<file path=ppt/slides/slide4.xml><?xml version="1.0" encoding="utf-8"?>
 <p:sld xmlns:a="http://schemas.openxmlformats.org/drawingml/2006/main" xmlns:r="http://schemas.openxmlformats.org/officeDocument/2006/relationships" xmlns:p="http://schemas.openxmlformats.org/presentationml/2006/main">
   <p:cSld>
     <p:spTree>
@@ -13500,7 +12790,7 @@
               <a:buChar char="●"/>
             </a:pPr>
             <a:r>
-              <a:rPr lang="en-US" sz="1300" b="0" i="0" u="none" strike="noStrike" cap="none" dirty="0">
+              <a:rPr lang="en-US" sz="1800" b="0" i="0" u="none" strike="noStrike" cap="none" dirty="0">
                 <a:solidFill>
                   <a:schemeClr val="lt1"/>
                 </a:solidFill>
@@ -13526,7 +12816,7 @@
               <a:buSzPts val="1300"/>
             </a:pPr>
             <a:r>
-              <a:rPr lang="en-US" sz="1300" dirty="0">
+              <a:rPr lang="en-US" sz="1800" dirty="0">
                 <a:solidFill>
                   <a:schemeClr val="lt1"/>
                 </a:solidFill>
@@ -13554,7 +12844,7 @@
               <a:buChar char="●"/>
             </a:pPr>
             <a:r>
-              <a:rPr lang="en-US" sz="1300" b="0" i="0" u="none" strike="noStrike" cap="none" dirty="0">
+              <a:rPr lang="en-US" sz="1800" b="0" i="0" u="none" strike="noStrike" cap="none" dirty="0">
                 <a:solidFill>
                   <a:schemeClr val="lt1"/>
                 </a:solidFill>
@@ -13566,7 +12856,7 @@
               <a:t>Sorted out stocks </a:t>
             </a:r>
             <a:r>
-              <a:rPr lang="en-US" sz="1300" dirty="0">
+              <a:rPr lang="en-US" sz="1800" dirty="0">
                 <a:solidFill>
                   <a:schemeClr val="lt1"/>
                 </a:solidFill>
@@ -13577,7 +12867,7 @@
               </a:rPr>
               <a:t>registered before June 28, 2016 and closed after October 7, 2019 </a:t>
             </a:r>
-            <a:endParaRPr lang="en-US" sz="1300" b="0" i="0" u="none" strike="noStrike" cap="none" dirty="0">
+            <a:endParaRPr lang="en-US" sz="1800" b="0" i="0" u="none" strike="noStrike" cap="none" dirty="0">
               <a:solidFill>
                 <a:schemeClr val="lt1"/>
               </a:solidFill>
@@ -13602,7 +12892,7 @@
               <a:buFont typeface="Lato"/>
               <a:buChar char="●"/>
             </a:pPr>
-            <a:endParaRPr lang="en-US" sz="1300" b="0" i="0" u="none" strike="noStrike" cap="none" dirty="0">
+            <a:endParaRPr lang="en-US" sz="1800" b="0" i="0" u="none" strike="noStrike" cap="none" dirty="0">
               <a:solidFill>
                 <a:schemeClr val="lt1"/>
               </a:solidFill>
@@ -13627,7 +12917,7 @@
               <a:buFont typeface="Lato"/>
               <a:buChar char="●"/>
             </a:pPr>
-            <a:endParaRPr lang="en-US" sz="1300" b="0" i="0" u="none" strike="noStrike" cap="none" dirty="0">
+            <a:endParaRPr lang="en-US" sz="1800" b="0" i="0" u="none" strike="noStrike" cap="none" dirty="0">
               <a:solidFill>
                 <a:schemeClr val="lt1"/>
               </a:solidFill>
@@ -13652,7 +12942,7 @@
               <a:buFont typeface="Lato"/>
               <a:buChar char="●"/>
             </a:pPr>
-            <a:endParaRPr lang="en-US" sz="1300" b="0" i="0" u="none" strike="noStrike" cap="none" dirty="0">
+            <a:endParaRPr lang="en-US" sz="1800" b="0" i="0" u="none" strike="noStrike" cap="none" dirty="0">
               <a:solidFill>
                 <a:schemeClr val="lt1"/>
               </a:solidFill>
@@ -13697,7 +12987,7 @@
 </p:sld>
 </file>
 
-<file path=ppt/slides/slide8.xml><?xml version="1.0" encoding="utf-8"?>
+<file path=ppt/slides/slide5.xml><?xml version="1.0" encoding="utf-8"?>
 <p:sld xmlns:a="http://schemas.openxmlformats.org/drawingml/2006/main" xmlns:r="http://schemas.openxmlformats.org/officeDocument/2006/relationships" xmlns:p="http://schemas.openxmlformats.org/presentationml/2006/main">
   <p:cSld>
     <p:spTree>
@@ -13873,7 +13163,7 @@
 </p:sld>
 </file>
 
-<file path=ppt/slides/slide9.xml><?xml version="1.0" encoding="utf-8"?>
+<file path=ppt/slides/slide6.xml><?xml version="1.0" encoding="utf-8"?>
 <p:sld xmlns:a="http://schemas.openxmlformats.org/drawingml/2006/main" xmlns:r="http://schemas.openxmlformats.org/officeDocument/2006/relationships" xmlns:p="http://schemas.openxmlformats.org/presentationml/2006/main">
   <p:cSld>
     <p:spTree>
@@ -13956,6 +13246,9 @@
           <a:bodyPr/>
           <a:lstStyle/>
           <a:p>
+            <a:pPr marL="146050" indent="0">
+              <a:buNone/>
+            </a:pPr>
             <a:r>
               <a:rPr lang="en-US" dirty="0"/>
               <a:t>The clustering result is similar to the industry classification of the stock market</a:t>
@@ -18165,6 +17458,498 @@
 </p:sld>
 </file>
 
+<file path=ppt/slides/slide7.xml><?xml version="1.0" encoding="utf-8"?>
+<p:sld xmlns:a="http://schemas.openxmlformats.org/drawingml/2006/main" xmlns:r="http://schemas.openxmlformats.org/officeDocument/2006/relationships" xmlns:p="http://schemas.openxmlformats.org/presentationml/2006/main">
+  <p:cSld>
+    <p:spTree>
+      <p:nvGrpSpPr>
+        <p:cNvPr id="1" name=""/>
+        <p:cNvGrpSpPr/>
+        <p:nvPr/>
+      </p:nvGrpSpPr>
+      <p:grpSpPr>
+        <a:xfrm>
+          <a:off x="0" y="0"/>
+          <a:ext cx="0" cy="0"/>
+          <a:chOff x="0" y="0"/>
+          <a:chExt cx="0" cy="0"/>
+        </a:xfrm>
+      </p:grpSpPr>
+      <p:sp>
+        <p:nvSpPr>
+          <p:cNvPr id="2" name="Title 1">
+            <a:extLst>
+              <a:ext uri="{FF2B5EF4-FFF2-40B4-BE49-F238E27FC236}">
+                <a16:creationId xmlns:a16="http://schemas.microsoft.com/office/drawing/2014/main" id="{A2373D7E-181B-49EE-A5DA-300CFD2B90BB}"/>
+              </a:ext>
+            </a:extLst>
+          </p:cNvPr>
+          <p:cNvSpPr>
+            <a:spLocks noGrp="1"/>
+          </p:cNvSpPr>
+          <p:nvPr>
+            <p:ph type="title"/>
+          </p:nvPr>
+        </p:nvSpPr>
+        <p:spPr>
+          <a:xfrm>
+            <a:off x="506085" y="93943"/>
+            <a:ext cx="7688400" cy="1518600"/>
+          </a:xfrm>
+        </p:spPr>
+        <p:txBody>
+          <a:bodyPr/>
+          <a:lstStyle/>
+          <a:p>
+            <a:r>
+              <a:rPr lang="en-US" sz="2000" dirty="0"/>
+              <a:t>Relationship between the price fluctuation of each cluster and the number of stocks of each cluster</a:t>
+            </a:r>
+          </a:p>
+        </p:txBody>
+      </p:sp>
+      <p:pic>
+        <p:nvPicPr>
+          <p:cNvPr id="3" name="Picture 2">
+            <a:extLst>
+              <a:ext uri="{FF2B5EF4-FFF2-40B4-BE49-F238E27FC236}">
+                <a16:creationId xmlns:a16="http://schemas.microsoft.com/office/drawing/2014/main" id="{17BD36A1-04AF-4BC1-ACC8-83E9FAB24F85}"/>
+              </a:ext>
+            </a:extLst>
+          </p:cNvPr>
+          <p:cNvPicPr>
+            <a:picLocks noChangeAspect="1"/>
+          </p:cNvPicPr>
+          <p:nvPr/>
+        </p:nvPicPr>
+        <p:blipFill>
+          <a:blip r:embed="rId2"/>
+          <a:stretch>
+            <a:fillRect/>
+          </a:stretch>
+        </p:blipFill>
+        <p:spPr>
+          <a:xfrm>
+            <a:off x="785944" y="1057469"/>
+            <a:ext cx="2864675" cy="3846365"/>
+          </a:xfrm>
+          <a:prstGeom prst="rect">
+            <a:avLst/>
+          </a:prstGeom>
+        </p:spPr>
+      </p:pic>
+      <p:sp>
+        <p:nvSpPr>
+          <p:cNvPr id="4" name="TextBox 3">
+            <a:extLst>
+              <a:ext uri="{FF2B5EF4-FFF2-40B4-BE49-F238E27FC236}">
+                <a16:creationId xmlns:a16="http://schemas.microsoft.com/office/drawing/2014/main" id="{B4D247F8-FC1D-4DF7-94F0-0D6622943EFC}"/>
+              </a:ext>
+            </a:extLst>
+          </p:cNvPr>
+          <p:cNvSpPr txBox="1"/>
+          <p:nvPr/>
+        </p:nvSpPr>
+        <p:spPr>
+          <a:xfrm>
+            <a:off x="4350285" y="1144745"/>
+            <a:ext cx="4200402" cy="1169551"/>
+          </a:xfrm>
+          <a:prstGeom prst="rect">
+            <a:avLst/>
+          </a:prstGeom>
+          <a:noFill/>
+        </p:spPr>
+        <p:txBody>
+          <a:bodyPr wrap="square" rtlCol="0">
+            <a:spAutoFit/>
+          </a:bodyPr>
+          <a:lstStyle/>
+          <a:p>
+            <a:r>
+              <a:rPr lang="en-US" dirty="0">
+                <a:solidFill>
+                  <a:schemeClr val="bg1"/>
+                </a:solidFill>
+              </a:rPr>
+              <a:t>When the U.S. firstly planned to counter unfair trade from China on June 28, 2016, more stock prices were increasing. There are more clusters of rising stocks. This pattern indicates that people had the confidence for</a:t>
+            </a:r>
+            <a:r>
+              <a:rPr lang="zh-CN" altLang="en-US" dirty="0">
+                <a:solidFill>
+                  <a:schemeClr val="bg1"/>
+                </a:solidFill>
+              </a:rPr>
+              <a:t> </a:t>
+            </a:r>
+            <a:r>
+              <a:rPr lang="en-US" altLang="zh-CN" dirty="0">
+                <a:solidFill>
+                  <a:schemeClr val="bg1"/>
+                </a:solidFill>
+              </a:rPr>
+              <a:t>US</a:t>
+            </a:r>
+            <a:r>
+              <a:rPr lang="zh-CN" altLang="en-US" dirty="0">
+                <a:solidFill>
+                  <a:schemeClr val="bg1"/>
+                </a:solidFill>
+              </a:rPr>
+              <a:t> </a:t>
+            </a:r>
+            <a:r>
+              <a:rPr lang="en-US" dirty="0">
+                <a:solidFill>
+                  <a:schemeClr val="bg1"/>
+                </a:solidFill>
+              </a:rPr>
+              <a:t>winning the Trade War. </a:t>
+            </a:r>
+          </a:p>
+        </p:txBody>
+      </p:sp>
+      <p:sp>
+        <p:nvSpPr>
+          <p:cNvPr id="5" name="TextBox 4">
+            <a:extLst>
+              <a:ext uri="{FF2B5EF4-FFF2-40B4-BE49-F238E27FC236}">
+                <a16:creationId xmlns:a16="http://schemas.microsoft.com/office/drawing/2014/main" id="{906026C9-7578-4E0D-A183-50C566CFCDA4}"/>
+              </a:ext>
+            </a:extLst>
+          </p:cNvPr>
+          <p:cNvSpPr txBox="1"/>
+          <p:nvPr/>
+        </p:nvSpPr>
+        <p:spPr>
+          <a:xfrm>
+            <a:off x="4295675" y="3227294"/>
+            <a:ext cx="4309621" cy="1384995"/>
+          </a:xfrm>
+          <a:prstGeom prst="rect">
+            <a:avLst/>
+          </a:prstGeom>
+          <a:noFill/>
+        </p:spPr>
+        <p:txBody>
+          <a:bodyPr wrap="square" rtlCol="0">
+            <a:spAutoFit/>
+          </a:bodyPr>
+          <a:lstStyle/>
+          <a:p>
+            <a:r>
+              <a:rPr lang="en-US" dirty="0">
+                <a:solidFill>
+                  <a:schemeClr val="bg1"/>
+                </a:solidFill>
+              </a:rPr>
+              <a:t>When China retaliated the first time on April 2, 2018, more stock prices were decreasing, showing that people were optimistic about China and Chinese manufacturers. There are more clusters of decreasing stocks. The pattern is that the more the cluster decreased, the more stocks in the cluster.</a:t>
+            </a:r>
+          </a:p>
+        </p:txBody>
+      </p:sp>
+    </p:spTree>
+    <p:extLst>
+      <p:ext uri="{BB962C8B-B14F-4D97-AF65-F5344CB8AC3E}">
+        <p14:creationId xmlns:p14="http://schemas.microsoft.com/office/powerpoint/2010/main" val="4025382183"/>
+      </p:ext>
+    </p:extLst>
+  </p:cSld>
+  <p:clrMapOvr>
+    <a:masterClrMapping/>
+  </p:clrMapOvr>
+</p:sld>
+</file>
+
+<file path=ppt/slides/slide8.xml><?xml version="1.0" encoding="utf-8"?>
+<p:sld xmlns:a="http://schemas.openxmlformats.org/drawingml/2006/main" xmlns:r="http://schemas.openxmlformats.org/officeDocument/2006/relationships" xmlns:p="http://schemas.openxmlformats.org/presentationml/2006/main">
+  <p:cSld>
+    <p:spTree>
+      <p:nvGrpSpPr>
+        <p:cNvPr id="1" name=""/>
+        <p:cNvGrpSpPr/>
+        <p:nvPr/>
+      </p:nvGrpSpPr>
+      <p:grpSpPr>
+        <a:xfrm>
+          <a:off x="0" y="0"/>
+          <a:ext cx="0" cy="0"/>
+          <a:chOff x="0" y="0"/>
+          <a:chExt cx="0" cy="0"/>
+        </a:xfrm>
+      </p:grpSpPr>
+      <p:sp>
+        <p:nvSpPr>
+          <p:cNvPr id="2" name="Title 1">
+            <a:extLst>
+              <a:ext uri="{FF2B5EF4-FFF2-40B4-BE49-F238E27FC236}">
+                <a16:creationId xmlns:a16="http://schemas.microsoft.com/office/drawing/2014/main" id="{2C9D0B24-EFC2-4E11-8D95-047EB8A55680}"/>
+              </a:ext>
+            </a:extLst>
+          </p:cNvPr>
+          <p:cNvSpPr>
+            <a:spLocks noGrp="1"/>
+          </p:cNvSpPr>
+          <p:nvPr>
+            <p:ph type="title"/>
+          </p:nvPr>
+        </p:nvSpPr>
+        <p:spPr>
+          <a:xfrm>
+            <a:off x="554638" y="381156"/>
+            <a:ext cx="7688400" cy="1071126"/>
+          </a:xfrm>
+        </p:spPr>
+        <p:txBody>
+          <a:bodyPr/>
+          <a:lstStyle/>
+          <a:p>
+            <a:r>
+              <a:rPr lang="en-US" sz="1800" dirty="0"/>
+              <a:t>Analyzing the three most positively influenced clusters when the U.S. decided to slap trade war against China on June 28, 2016</a:t>
+            </a:r>
+          </a:p>
+        </p:txBody>
+      </p:sp>
+      <p:pic>
+        <p:nvPicPr>
+          <p:cNvPr id="3" name="Picture 2">
+            <a:extLst>
+              <a:ext uri="{FF2B5EF4-FFF2-40B4-BE49-F238E27FC236}">
+                <a16:creationId xmlns:a16="http://schemas.microsoft.com/office/drawing/2014/main" id="{2A3F454E-2126-4502-82DB-30B00BFA1F4A}"/>
+              </a:ext>
+            </a:extLst>
+          </p:cNvPr>
+          <p:cNvPicPr>
+            <a:picLocks noChangeAspect="1"/>
+          </p:cNvPicPr>
+          <p:nvPr/>
+        </p:nvPicPr>
+        <p:blipFill>
+          <a:blip r:embed="rId2"/>
+          <a:stretch>
+            <a:fillRect/>
+          </a:stretch>
+        </p:blipFill>
+        <p:spPr>
+          <a:xfrm>
+            <a:off x="2483245" y="1452282"/>
+            <a:ext cx="3639627" cy="2438611"/>
+          </a:xfrm>
+          <a:prstGeom prst="rect">
+            <a:avLst/>
+          </a:prstGeom>
+        </p:spPr>
+      </p:pic>
+    </p:spTree>
+    <p:extLst>
+      <p:ext uri="{BB962C8B-B14F-4D97-AF65-F5344CB8AC3E}">
+        <p14:creationId xmlns:p14="http://schemas.microsoft.com/office/powerpoint/2010/main" val="3489746659"/>
+      </p:ext>
+    </p:extLst>
+  </p:cSld>
+  <p:clrMapOvr>
+    <a:masterClrMapping/>
+  </p:clrMapOvr>
+</p:sld>
+</file>
+
+<file path=ppt/slides/slide9.xml><?xml version="1.0" encoding="utf-8"?>
+<p:sld xmlns:a="http://schemas.openxmlformats.org/drawingml/2006/main" xmlns:r="http://schemas.openxmlformats.org/officeDocument/2006/relationships" xmlns:p="http://schemas.openxmlformats.org/presentationml/2006/main">
+  <p:cSld>
+    <p:spTree>
+      <p:nvGrpSpPr>
+        <p:cNvPr id="1" name=""/>
+        <p:cNvGrpSpPr/>
+        <p:nvPr/>
+      </p:nvGrpSpPr>
+      <p:grpSpPr>
+        <a:xfrm>
+          <a:off x="0" y="0"/>
+          <a:ext cx="0" cy="0"/>
+          <a:chOff x="0" y="0"/>
+          <a:chExt cx="0" cy="0"/>
+        </a:xfrm>
+      </p:grpSpPr>
+      <p:sp>
+        <p:nvSpPr>
+          <p:cNvPr id="2" name="Title 1">
+            <a:extLst>
+              <a:ext uri="{FF2B5EF4-FFF2-40B4-BE49-F238E27FC236}">
+                <a16:creationId xmlns:a16="http://schemas.microsoft.com/office/drawing/2014/main" id="{F4DA8CC6-8D40-4690-A162-0BD13F347D82}"/>
+              </a:ext>
+            </a:extLst>
+          </p:cNvPr>
+          <p:cNvSpPr>
+            <a:spLocks noGrp="1"/>
+          </p:cNvSpPr>
+          <p:nvPr>
+            <p:ph type="title"/>
+          </p:nvPr>
+        </p:nvSpPr>
+        <p:spPr>
+          <a:xfrm>
+            <a:off x="662214" y="287027"/>
+            <a:ext cx="7688400" cy="849249"/>
+          </a:xfrm>
+        </p:spPr>
+        <p:txBody>
+          <a:bodyPr/>
+          <a:lstStyle/>
+          <a:p>
+            <a:r>
+              <a:rPr lang="en-US" dirty="0"/>
+              <a:t>1</a:t>
+            </a:r>
+            <a:r>
+              <a:rPr lang="en-US" baseline="30000" dirty="0"/>
+              <a:t>st</a:t>
+            </a:r>
+            <a:r>
+              <a:rPr lang="en-US" dirty="0"/>
+              <a:t> cluster</a:t>
+            </a:r>
+          </a:p>
+        </p:txBody>
+      </p:sp>
+      <p:sp>
+        <p:nvSpPr>
+          <p:cNvPr id="4" name="TextBox 3">
+            <a:extLst>
+              <a:ext uri="{FF2B5EF4-FFF2-40B4-BE49-F238E27FC236}">
+                <a16:creationId xmlns:a16="http://schemas.microsoft.com/office/drawing/2014/main" id="{42244D65-D82C-4A15-8841-205412FD819D}"/>
+              </a:ext>
+            </a:extLst>
+          </p:cNvPr>
+          <p:cNvSpPr txBox="1"/>
+          <p:nvPr/>
+        </p:nvSpPr>
+        <p:spPr>
+          <a:xfrm>
+            <a:off x="5244353" y="1902759"/>
+            <a:ext cx="3576918" cy="1169551"/>
+          </a:xfrm>
+          <a:prstGeom prst="rect">
+            <a:avLst/>
+          </a:prstGeom>
+          <a:noFill/>
+        </p:spPr>
+        <p:txBody>
+          <a:bodyPr wrap="square" rtlCol="0">
+            <a:spAutoFit/>
+          </a:bodyPr>
+          <a:lstStyle/>
+          <a:p>
+            <a:r>
+              <a:rPr lang="en-US" dirty="0">
+                <a:solidFill>
+                  <a:schemeClr val="bg1"/>
+                </a:solidFill>
+              </a:rPr>
+              <a:t>The top four industries :</a:t>
+            </a:r>
+          </a:p>
+          <a:p>
+            <a:pPr marL="285750" indent="-285750">
+              <a:buFont typeface="Arial" panose="020B0604020202020204" pitchFamily="34" charset="0"/>
+              <a:buChar char="•"/>
+            </a:pPr>
+            <a:r>
+              <a:rPr lang="en-US" dirty="0">
+                <a:solidFill>
+                  <a:schemeClr val="bg1"/>
+                </a:solidFill>
+              </a:rPr>
+              <a:t>major pharmaceuticals (58) </a:t>
+            </a:r>
+          </a:p>
+          <a:p>
+            <a:pPr marL="285750" indent="-285750">
+              <a:buFont typeface="Arial" panose="020B0604020202020204" pitchFamily="34" charset="0"/>
+              <a:buChar char="•"/>
+            </a:pPr>
+            <a:r>
+              <a:rPr lang="en-US" dirty="0">
+                <a:solidFill>
+                  <a:schemeClr val="bg1"/>
+                </a:solidFill>
+              </a:rPr>
+              <a:t>major banks (38)</a:t>
+            </a:r>
+          </a:p>
+          <a:p>
+            <a:pPr marL="285750" indent="-285750">
+              <a:buFont typeface="Arial" panose="020B0604020202020204" pitchFamily="34" charset="0"/>
+              <a:buChar char="•"/>
+            </a:pPr>
+            <a:r>
+              <a:rPr lang="en-US" dirty="0">
+                <a:solidFill>
+                  <a:schemeClr val="bg1"/>
+                </a:solidFill>
+              </a:rPr>
+              <a:t>Real estate investment (29)</a:t>
+            </a:r>
+          </a:p>
+          <a:p>
+            <a:pPr marL="285750" indent="-285750">
+              <a:buFont typeface="Arial" panose="020B0604020202020204" pitchFamily="34" charset="0"/>
+              <a:buChar char="•"/>
+            </a:pPr>
+            <a:r>
+              <a:rPr lang="en-US" dirty="0">
+                <a:solidFill>
+                  <a:schemeClr val="bg1"/>
+                </a:solidFill>
+              </a:rPr>
+              <a:t>oil &amp; gas (23)</a:t>
+            </a:r>
+          </a:p>
+        </p:txBody>
+      </p:sp>
+      <p:pic>
+        <p:nvPicPr>
+          <p:cNvPr id="5" name="Picture 4">
+            <a:extLst>
+              <a:ext uri="{FF2B5EF4-FFF2-40B4-BE49-F238E27FC236}">
+                <a16:creationId xmlns:a16="http://schemas.microsoft.com/office/drawing/2014/main" id="{84B70490-5192-4B74-9054-C6DDACBBF6DF}"/>
+              </a:ext>
+            </a:extLst>
+          </p:cNvPr>
+          <p:cNvPicPr>
+            <a:picLocks noChangeAspect="1"/>
+          </p:cNvPicPr>
+          <p:nvPr/>
+        </p:nvPicPr>
+        <p:blipFill>
+          <a:blip r:embed="rId2"/>
+          <a:stretch>
+            <a:fillRect/>
+          </a:stretch>
+        </p:blipFill>
+        <p:spPr>
+          <a:xfrm>
+            <a:off x="282390" y="1357742"/>
+            <a:ext cx="4787152" cy="3498731"/>
+          </a:xfrm>
+          <a:prstGeom prst="rect">
+            <a:avLst/>
+          </a:prstGeom>
+        </p:spPr>
+      </p:pic>
+    </p:spTree>
+    <p:extLst>
+      <p:ext uri="{BB962C8B-B14F-4D97-AF65-F5344CB8AC3E}">
+        <p14:creationId xmlns:p14="http://schemas.microsoft.com/office/powerpoint/2010/main" val="4014298962"/>
+      </p:ext>
+    </p:extLst>
+  </p:cSld>
+  <p:clrMapOvr>
+    <a:masterClrMapping/>
+  </p:clrMapOvr>
+</p:sld>
+</file>
+
 <file path=ppt/theme/theme1.xml><?xml version="1.0" encoding="utf-8"?>
 <a:theme xmlns:a="http://schemas.openxmlformats.org/drawingml/2006/main" name="Streamline">
   <a:themeElements>

--- a/Examination of Domestic Economic Impact of the US-China Trade War by Analyzing Stock Market Fluctuations with Unsupervised Machine Learning.pptx
+++ b/Examination of Domestic Economic Impact of the US-China Trade War by Analyzing Stock Market Fluctuations with Unsupervised Machine Learning.pptx
@@ -5,56 +5,57 @@
     <p:sldMasterId id="2147483659" r:id="rId1"/>
   </p:sldMasterIdLst>
   <p:notesMasterIdLst>
-    <p:notesMasterId r:id="rId25"/>
+    <p:notesMasterId r:id="rId26"/>
   </p:notesMasterIdLst>
   <p:sldIdLst>
     <p:sldId id="256" r:id="rId2"/>
     <p:sldId id="279" r:id="rId3"/>
     <p:sldId id="259" r:id="rId4"/>
-    <p:sldId id="257" r:id="rId5"/>
-    <p:sldId id="258" r:id="rId6"/>
-    <p:sldId id="263" r:id="rId7"/>
-    <p:sldId id="281" r:id="rId8"/>
-    <p:sldId id="283" r:id="rId9"/>
-    <p:sldId id="285" r:id="rId10"/>
-    <p:sldId id="287" r:id="rId11"/>
-    <p:sldId id="264" r:id="rId12"/>
-    <p:sldId id="265" r:id="rId13"/>
-    <p:sldId id="270" r:id="rId14"/>
-    <p:sldId id="272" r:id="rId15"/>
-    <p:sldId id="273" r:id="rId16"/>
-    <p:sldId id="274" r:id="rId17"/>
-    <p:sldId id="266" r:id="rId18"/>
-    <p:sldId id="267" r:id="rId19"/>
-    <p:sldId id="268" r:id="rId20"/>
-    <p:sldId id="269" r:id="rId21"/>
-    <p:sldId id="275" r:id="rId22"/>
-    <p:sldId id="276" r:id="rId23"/>
-    <p:sldId id="288" r:id="rId24"/>
+    <p:sldId id="289" r:id="rId5"/>
+    <p:sldId id="257" r:id="rId6"/>
+    <p:sldId id="258" r:id="rId7"/>
+    <p:sldId id="263" r:id="rId8"/>
+    <p:sldId id="281" r:id="rId9"/>
+    <p:sldId id="283" r:id="rId10"/>
+    <p:sldId id="285" r:id="rId11"/>
+    <p:sldId id="287" r:id="rId12"/>
+    <p:sldId id="264" r:id="rId13"/>
+    <p:sldId id="265" r:id="rId14"/>
+    <p:sldId id="270" r:id="rId15"/>
+    <p:sldId id="272" r:id="rId16"/>
+    <p:sldId id="273" r:id="rId17"/>
+    <p:sldId id="274" r:id="rId18"/>
+    <p:sldId id="266" r:id="rId19"/>
+    <p:sldId id="267" r:id="rId20"/>
+    <p:sldId id="268" r:id="rId21"/>
+    <p:sldId id="269" r:id="rId22"/>
+    <p:sldId id="275" r:id="rId23"/>
+    <p:sldId id="276" r:id="rId24"/>
+    <p:sldId id="288" r:id="rId25"/>
   </p:sldIdLst>
   <p:sldSz cx="9144000" cy="5143500" type="screen16x9"/>
   <p:notesSz cx="6858000" cy="9144000"/>
   <p:embeddedFontLst>
     <p:embeddedFont>
       <p:font typeface="Calibri" panose="020F0502020204030204" pitchFamily="34" charset="0"/>
-      <p:regular r:id="rId26"/>
-      <p:bold r:id="rId27"/>
-      <p:italic r:id="rId28"/>
-      <p:boldItalic r:id="rId29"/>
+      <p:regular r:id="rId27"/>
+      <p:bold r:id="rId28"/>
+      <p:italic r:id="rId29"/>
+      <p:boldItalic r:id="rId30"/>
     </p:embeddedFont>
     <p:embeddedFont>
       <p:font typeface="Lato" panose="020B0604020202020204" charset="0"/>
-      <p:regular r:id="rId30"/>
-      <p:bold r:id="rId31"/>
-      <p:italic r:id="rId32"/>
-      <p:boldItalic r:id="rId33"/>
+      <p:regular r:id="rId31"/>
+      <p:bold r:id="rId32"/>
+      <p:italic r:id="rId33"/>
+      <p:boldItalic r:id="rId34"/>
     </p:embeddedFont>
     <p:embeddedFont>
       <p:font typeface="Raleway" panose="020B0604020202020204" charset="0"/>
-      <p:regular r:id="rId34"/>
-      <p:bold r:id="rId35"/>
-      <p:italic r:id="rId36"/>
-      <p:boldItalic r:id="rId37"/>
+      <p:regular r:id="rId35"/>
+      <p:bold r:id="rId36"/>
+      <p:italic r:id="rId37"/>
+      <p:boldItalic r:id="rId38"/>
     </p:embeddedFont>
   </p:embeddedFontLst>
   <p:defaultTextStyle>
@@ -13212,6 +13213,1015 @@
           <a:chExt cx="0" cy="0"/>
         </a:xfrm>
       </p:grpSpPr>
+      <p:cxnSp>
+        <p:nvCxnSpPr>
+          <p:cNvPr id="2" name="Straight Connector 1">
+            <a:extLst>
+              <a:ext uri="{FF2B5EF4-FFF2-40B4-BE49-F238E27FC236}">
+                <a16:creationId xmlns:a16="http://schemas.microsoft.com/office/drawing/2014/main" id="{319904F0-63FC-41A9-A921-EB7EE8478AEE}"/>
+              </a:ext>
+            </a:extLst>
+          </p:cNvPr>
+          <p:cNvCxnSpPr/>
+          <p:nvPr/>
+        </p:nvCxnSpPr>
+        <p:spPr>
+          <a:xfrm flipV="1">
+            <a:off x="40407" y="2496533"/>
+            <a:ext cx="8921303" cy="11532"/>
+          </a:xfrm>
+          <a:prstGeom prst="line">
+            <a:avLst/>
+          </a:prstGeom>
+          <a:ln w="28575">
+            <a:prstDash val="dash"/>
+          </a:ln>
+        </p:spPr>
+        <p:style>
+          <a:lnRef idx="1">
+            <a:schemeClr val="dk1"/>
+          </a:lnRef>
+          <a:fillRef idx="0">
+            <a:schemeClr val="dk1"/>
+          </a:fillRef>
+          <a:effectRef idx="0">
+            <a:schemeClr val="dk1"/>
+          </a:effectRef>
+          <a:fontRef idx="minor">
+            <a:schemeClr val="tx1"/>
+          </a:fontRef>
+        </p:style>
+      </p:cxnSp>
+      <p:pic>
+        <p:nvPicPr>
+          <p:cNvPr id="3074" name="Picture 2">
+            <a:extLst>
+              <a:ext uri="{FF2B5EF4-FFF2-40B4-BE49-F238E27FC236}">
+                <a16:creationId xmlns:a16="http://schemas.microsoft.com/office/drawing/2014/main" id="{4B6F9A24-076A-4721-948F-5784C7D766CD}"/>
+              </a:ext>
+            </a:extLst>
+          </p:cNvPr>
+          <p:cNvPicPr>
+            <a:picLocks noChangeAspect="1" noChangeArrowheads="1"/>
+          </p:cNvPicPr>
+          <p:nvPr/>
+        </p:nvPicPr>
+        <p:blipFill>
+          <a:blip r:embed="rId2">
+            <a:extLst>
+              <a:ext uri="{28A0092B-C50C-407E-A947-70E740481C1C}">
+                <a14:useLocalDpi xmlns:a14="http://schemas.microsoft.com/office/drawing/2010/main" val="0"/>
+              </a:ext>
+            </a:extLst>
+          </a:blip>
+          <a:srcRect/>
+          <a:stretch>
+            <a:fillRect/>
+          </a:stretch>
+        </p:blipFill>
+        <p:spPr bwMode="auto">
+          <a:xfrm>
+            <a:off x="97042" y="39185"/>
+            <a:ext cx="1786197" cy="1234440"/>
+          </a:xfrm>
+          <a:prstGeom prst="rect">
+            <a:avLst/>
+          </a:prstGeom>
+          <a:noFill/>
+          <a:extLst>
+            <a:ext uri="{909E8E84-426E-40DD-AFC4-6F175D3DCCD1}">
+              <a14:hiddenFill xmlns:a14="http://schemas.microsoft.com/office/drawing/2010/main">
+                <a:solidFill>
+                  <a:srgbClr val="FFFFFF"/>
+                </a:solidFill>
+              </a14:hiddenFill>
+            </a:ext>
+          </a:extLst>
+        </p:spPr>
+      </p:pic>
+      <p:pic>
+        <p:nvPicPr>
+          <p:cNvPr id="3076" name="Picture 4">
+            <a:extLst>
+              <a:ext uri="{FF2B5EF4-FFF2-40B4-BE49-F238E27FC236}">
+                <a16:creationId xmlns:a16="http://schemas.microsoft.com/office/drawing/2014/main" id="{C5597E9D-2AD4-4FCE-B261-94291DF85C5E}"/>
+              </a:ext>
+            </a:extLst>
+          </p:cNvPr>
+          <p:cNvPicPr>
+            <a:picLocks noChangeAspect="1" noChangeArrowheads="1"/>
+          </p:cNvPicPr>
+          <p:nvPr/>
+        </p:nvPicPr>
+        <p:blipFill>
+          <a:blip r:embed="rId3">
+            <a:extLst>
+              <a:ext uri="{28A0092B-C50C-407E-A947-70E740481C1C}">
+                <a14:useLocalDpi xmlns:a14="http://schemas.microsoft.com/office/drawing/2010/main" val="0"/>
+              </a:ext>
+            </a:extLst>
+          </a:blip>
+          <a:srcRect/>
+          <a:stretch>
+            <a:fillRect/>
+          </a:stretch>
+        </p:blipFill>
+        <p:spPr bwMode="auto">
+          <a:xfrm>
+            <a:off x="82529" y="1263338"/>
+            <a:ext cx="1696245" cy="1234440"/>
+          </a:xfrm>
+          <a:prstGeom prst="rect">
+            <a:avLst/>
+          </a:prstGeom>
+          <a:noFill/>
+          <a:extLst>
+            <a:ext uri="{909E8E84-426E-40DD-AFC4-6F175D3DCCD1}">
+              <a14:hiddenFill xmlns:a14="http://schemas.microsoft.com/office/drawing/2010/main">
+                <a:solidFill>
+                  <a:srgbClr val="FFFFFF"/>
+                </a:solidFill>
+              </a14:hiddenFill>
+            </a:ext>
+          </a:extLst>
+        </p:spPr>
+      </p:pic>
+      <p:pic>
+        <p:nvPicPr>
+          <p:cNvPr id="3078" name="Picture 6">
+            <a:extLst>
+              <a:ext uri="{FF2B5EF4-FFF2-40B4-BE49-F238E27FC236}">
+                <a16:creationId xmlns:a16="http://schemas.microsoft.com/office/drawing/2014/main" id="{71133079-10BF-4010-9280-50D3D396EB46}"/>
+              </a:ext>
+            </a:extLst>
+          </p:cNvPr>
+          <p:cNvPicPr>
+            <a:picLocks noChangeAspect="1" noChangeArrowheads="1"/>
+          </p:cNvPicPr>
+          <p:nvPr/>
+        </p:nvPicPr>
+        <p:blipFill>
+          <a:blip r:embed="rId4">
+            <a:extLst>
+              <a:ext uri="{28A0092B-C50C-407E-A947-70E740481C1C}">
+                <a14:useLocalDpi xmlns:a14="http://schemas.microsoft.com/office/drawing/2010/main" val="0"/>
+              </a:ext>
+            </a:extLst>
+          </a:blip>
+          <a:srcRect/>
+          <a:stretch>
+            <a:fillRect/>
+          </a:stretch>
+        </p:blipFill>
+        <p:spPr bwMode="auto">
+          <a:xfrm>
+            <a:off x="1907633" y="80822"/>
+            <a:ext cx="1748790" cy="1234440"/>
+          </a:xfrm>
+          <a:prstGeom prst="rect">
+            <a:avLst/>
+          </a:prstGeom>
+          <a:noFill/>
+          <a:extLst>
+            <a:ext uri="{909E8E84-426E-40DD-AFC4-6F175D3DCCD1}">
+              <a14:hiddenFill xmlns:a14="http://schemas.microsoft.com/office/drawing/2010/main">
+                <a:solidFill>
+                  <a:srgbClr val="FFFFFF"/>
+                </a:solidFill>
+              </a14:hiddenFill>
+            </a:ext>
+          </a:extLst>
+        </p:spPr>
+      </p:pic>
+      <p:pic>
+        <p:nvPicPr>
+          <p:cNvPr id="3080" name="Picture 8">
+            <a:extLst>
+              <a:ext uri="{FF2B5EF4-FFF2-40B4-BE49-F238E27FC236}">
+                <a16:creationId xmlns:a16="http://schemas.microsoft.com/office/drawing/2014/main" id="{B9D9867A-9389-42A8-9D43-1D6B54AA6B89}"/>
+              </a:ext>
+            </a:extLst>
+          </p:cNvPr>
+          <p:cNvPicPr>
+            <a:picLocks noChangeAspect="1" noChangeArrowheads="1"/>
+          </p:cNvPicPr>
+          <p:nvPr/>
+        </p:nvPicPr>
+        <p:blipFill>
+          <a:blip r:embed="rId5">
+            <a:extLst>
+              <a:ext uri="{28A0092B-C50C-407E-A947-70E740481C1C}">
+                <a14:useLocalDpi xmlns:a14="http://schemas.microsoft.com/office/drawing/2010/main" val="0"/>
+              </a:ext>
+            </a:extLst>
+          </a:blip>
+          <a:srcRect/>
+          <a:stretch>
+            <a:fillRect/>
+          </a:stretch>
+        </p:blipFill>
+        <p:spPr bwMode="auto">
+          <a:xfrm>
+            <a:off x="1856501" y="1273625"/>
+            <a:ext cx="1696245" cy="1234440"/>
+          </a:xfrm>
+          <a:prstGeom prst="rect">
+            <a:avLst/>
+          </a:prstGeom>
+          <a:noFill/>
+          <a:extLst>
+            <a:ext uri="{909E8E84-426E-40DD-AFC4-6F175D3DCCD1}">
+              <a14:hiddenFill xmlns:a14="http://schemas.microsoft.com/office/drawing/2010/main">
+                <a:solidFill>
+                  <a:srgbClr val="FFFFFF"/>
+                </a:solidFill>
+              </a14:hiddenFill>
+            </a:ext>
+          </a:extLst>
+        </p:spPr>
+      </p:pic>
+      <p:pic>
+        <p:nvPicPr>
+          <p:cNvPr id="3082" name="Picture 10">
+            <a:extLst>
+              <a:ext uri="{FF2B5EF4-FFF2-40B4-BE49-F238E27FC236}">
+                <a16:creationId xmlns:a16="http://schemas.microsoft.com/office/drawing/2014/main" id="{A2EC3276-9B0C-41AF-BD2F-5CFE423A5F24}"/>
+              </a:ext>
+            </a:extLst>
+          </p:cNvPr>
+          <p:cNvPicPr>
+            <a:picLocks noChangeAspect="1" noChangeArrowheads="1"/>
+          </p:cNvPicPr>
+          <p:nvPr/>
+        </p:nvPicPr>
+        <p:blipFill>
+          <a:blip r:embed="rId6">
+            <a:extLst>
+              <a:ext uri="{28A0092B-C50C-407E-A947-70E740481C1C}">
+                <a14:useLocalDpi xmlns:a14="http://schemas.microsoft.com/office/drawing/2010/main" val="0"/>
+              </a:ext>
+            </a:extLst>
+          </a:blip>
+          <a:srcRect/>
+          <a:stretch>
+            <a:fillRect/>
+          </a:stretch>
+        </p:blipFill>
+        <p:spPr bwMode="auto">
+          <a:xfrm>
+            <a:off x="3619532" y="85727"/>
+            <a:ext cx="1786197" cy="1234440"/>
+          </a:xfrm>
+          <a:prstGeom prst="rect">
+            <a:avLst/>
+          </a:prstGeom>
+          <a:noFill/>
+          <a:extLst>
+            <a:ext uri="{909E8E84-426E-40DD-AFC4-6F175D3DCCD1}">
+              <a14:hiddenFill xmlns:a14="http://schemas.microsoft.com/office/drawing/2010/main">
+                <a:solidFill>
+                  <a:srgbClr val="FFFFFF"/>
+                </a:solidFill>
+              </a14:hiddenFill>
+            </a:ext>
+          </a:extLst>
+        </p:spPr>
+      </p:pic>
+      <p:pic>
+        <p:nvPicPr>
+          <p:cNvPr id="3084" name="Picture 12">
+            <a:extLst>
+              <a:ext uri="{FF2B5EF4-FFF2-40B4-BE49-F238E27FC236}">
+                <a16:creationId xmlns:a16="http://schemas.microsoft.com/office/drawing/2014/main" id="{42E95BC4-21E0-4142-9DB0-13E30477C76A}"/>
+              </a:ext>
+            </a:extLst>
+          </p:cNvPr>
+          <p:cNvPicPr>
+            <a:picLocks noChangeAspect="1" noChangeArrowheads="1"/>
+          </p:cNvPicPr>
+          <p:nvPr/>
+        </p:nvPicPr>
+        <p:blipFill>
+          <a:blip r:embed="rId7">
+            <a:extLst>
+              <a:ext uri="{28A0092B-C50C-407E-A947-70E740481C1C}">
+                <a14:useLocalDpi xmlns:a14="http://schemas.microsoft.com/office/drawing/2010/main" val="0"/>
+              </a:ext>
+            </a:extLst>
+          </a:blip>
+          <a:srcRect/>
+          <a:stretch>
+            <a:fillRect/>
+          </a:stretch>
+        </p:blipFill>
+        <p:spPr bwMode="auto">
+          <a:xfrm>
+            <a:off x="3656423" y="1283432"/>
+            <a:ext cx="1696245" cy="1234440"/>
+          </a:xfrm>
+          <a:prstGeom prst="rect">
+            <a:avLst/>
+          </a:prstGeom>
+          <a:noFill/>
+          <a:extLst>
+            <a:ext uri="{909E8E84-426E-40DD-AFC4-6F175D3DCCD1}">
+              <a14:hiddenFill xmlns:a14="http://schemas.microsoft.com/office/drawing/2010/main">
+                <a:solidFill>
+                  <a:srgbClr val="FFFFFF"/>
+                </a:solidFill>
+              </a14:hiddenFill>
+            </a:ext>
+          </a:extLst>
+        </p:spPr>
+      </p:pic>
+      <p:pic>
+        <p:nvPicPr>
+          <p:cNvPr id="3086" name="Picture 14">
+            <a:extLst>
+              <a:ext uri="{FF2B5EF4-FFF2-40B4-BE49-F238E27FC236}">
+                <a16:creationId xmlns:a16="http://schemas.microsoft.com/office/drawing/2014/main" id="{68A684CE-23F5-4F0A-9AD9-02C9A7B8CEC7}"/>
+              </a:ext>
+            </a:extLst>
+          </p:cNvPr>
+          <p:cNvPicPr>
+            <a:picLocks noChangeAspect="1" noChangeArrowheads="1"/>
+          </p:cNvPicPr>
+          <p:nvPr/>
+        </p:nvPicPr>
+        <p:blipFill>
+          <a:blip r:embed="rId8">
+            <a:extLst>
+              <a:ext uri="{28A0092B-C50C-407E-A947-70E740481C1C}">
+                <a14:useLocalDpi xmlns:a14="http://schemas.microsoft.com/office/drawing/2010/main" val="0"/>
+              </a:ext>
+            </a:extLst>
+          </a:blip>
+          <a:srcRect/>
+          <a:stretch>
+            <a:fillRect/>
+          </a:stretch>
+        </p:blipFill>
+        <p:spPr bwMode="auto">
+          <a:xfrm>
+            <a:off x="5368839" y="64907"/>
+            <a:ext cx="1786197" cy="1234440"/>
+          </a:xfrm>
+          <a:prstGeom prst="rect">
+            <a:avLst/>
+          </a:prstGeom>
+          <a:noFill/>
+          <a:extLst>
+            <a:ext uri="{909E8E84-426E-40DD-AFC4-6F175D3DCCD1}">
+              <a14:hiddenFill xmlns:a14="http://schemas.microsoft.com/office/drawing/2010/main">
+                <a:solidFill>
+                  <a:srgbClr val="FFFFFF"/>
+                </a:solidFill>
+              </a14:hiddenFill>
+            </a:ext>
+          </a:extLst>
+        </p:spPr>
+      </p:pic>
+      <p:pic>
+        <p:nvPicPr>
+          <p:cNvPr id="3088" name="Picture 16">
+            <a:extLst>
+              <a:ext uri="{FF2B5EF4-FFF2-40B4-BE49-F238E27FC236}">
+                <a16:creationId xmlns:a16="http://schemas.microsoft.com/office/drawing/2014/main" id="{40BE091E-C78B-4CB4-ADF7-7AF99C429666}"/>
+              </a:ext>
+            </a:extLst>
+          </p:cNvPr>
+          <p:cNvPicPr>
+            <a:picLocks noChangeAspect="1" noChangeArrowheads="1"/>
+          </p:cNvPicPr>
+          <p:nvPr/>
+        </p:nvPicPr>
+        <p:blipFill>
+          <a:blip r:embed="rId9">
+            <a:extLst>
+              <a:ext uri="{28A0092B-C50C-407E-A947-70E740481C1C}">
+                <a14:useLocalDpi xmlns:a14="http://schemas.microsoft.com/office/drawing/2010/main" val="0"/>
+              </a:ext>
+            </a:extLst>
+          </a:blip>
+          <a:srcRect/>
+          <a:stretch>
+            <a:fillRect/>
+          </a:stretch>
+        </p:blipFill>
+        <p:spPr bwMode="auto">
+          <a:xfrm>
+            <a:off x="5437564" y="1270814"/>
+            <a:ext cx="1696245" cy="1234440"/>
+          </a:xfrm>
+          <a:prstGeom prst="rect">
+            <a:avLst/>
+          </a:prstGeom>
+          <a:noFill/>
+          <a:extLst>
+            <a:ext uri="{909E8E84-426E-40DD-AFC4-6F175D3DCCD1}">
+              <a14:hiddenFill xmlns:a14="http://schemas.microsoft.com/office/drawing/2010/main">
+                <a:solidFill>
+                  <a:srgbClr val="FFFFFF"/>
+                </a:solidFill>
+              </a14:hiddenFill>
+            </a:ext>
+          </a:extLst>
+        </p:spPr>
+      </p:pic>
+      <p:pic>
+        <p:nvPicPr>
+          <p:cNvPr id="3090" name="Picture 18">
+            <a:extLst>
+              <a:ext uri="{FF2B5EF4-FFF2-40B4-BE49-F238E27FC236}">
+                <a16:creationId xmlns:a16="http://schemas.microsoft.com/office/drawing/2014/main" id="{65A7F148-E605-4C87-982F-33831406BF5E}"/>
+              </a:ext>
+            </a:extLst>
+          </p:cNvPr>
+          <p:cNvPicPr>
+            <a:picLocks noChangeAspect="1" noChangeArrowheads="1"/>
+          </p:cNvPicPr>
+          <p:nvPr/>
+        </p:nvPicPr>
+        <p:blipFill>
+          <a:blip r:embed="rId10">
+            <a:extLst>
+              <a:ext uri="{28A0092B-C50C-407E-A947-70E740481C1C}">
+                <a14:useLocalDpi xmlns:a14="http://schemas.microsoft.com/office/drawing/2010/main" val="0"/>
+              </a:ext>
+            </a:extLst>
+          </a:blip>
+          <a:srcRect/>
+          <a:stretch>
+            <a:fillRect/>
+          </a:stretch>
+        </p:blipFill>
+        <p:spPr bwMode="auto">
+          <a:xfrm>
+            <a:off x="7128753" y="80822"/>
+            <a:ext cx="1832957" cy="1234440"/>
+          </a:xfrm>
+          <a:prstGeom prst="rect">
+            <a:avLst/>
+          </a:prstGeom>
+          <a:noFill/>
+          <a:extLst>
+            <a:ext uri="{909E8E84-426E-40DD-AFC4-6F175D3DCCD1}">
+              <a14:hiddenFill xmlns:a14="http://schemas.microsoft.com/office/drawing/2010/main">
+                <a:solidFill>
+                  <a:srgbClr val="FFFFFF"/>
+                </a:solidFill>
+              </a14:hiddenFill>
+            </a:ext>
+          </a:extLst>
+        </p:spPr>
+      </p:pic>
+      <p:pic>
+        <p:nvPicPr>
+          <p:cNvPr id="3092" name="Picture 20">
+            <a:extLst>
+              <a:ext uri="{FF2B5EF4-FFF2-40B4-BE49-F238E27FC236}">
+                <a16:creationId xmlns:a16="http://schemas.microsoft.com/office/drawing/2014/main" id="{E9BF0C24-A055-4D0C-8413-F14D839DFA3C}"/>
+              </a:ext>
+            </a:extLst>
+          </p:cNvPr>
+          <p:cNvPicPr>
+            <a:picLocks noChangeAspect="1" noChangeArrowheads="1"/>
+          </p:cNvPicPr>
+          <p:nvPr/>
+        </p:nvPicPr>
+        <p:blipFill>
+          <a:blip r:embed="rId11">
+            <a:extLst>
+              <a:ext uri="{28A0092B-C50C-407E-A947-70E740481C1C}">
+                <a14:useLocalDpi xmlns:a14="http://schemas.microsoft.com/office/drawing/2010/main" val="0"/>
+              </a:ext>
+            </a:extLst>
+          </a:blip>
+          <a:srcRect/>
+          <a:stretch>
+            <a:fillRect/>
+          </a:stretch>
+        </p:blipFill>
+        <p:spPr bwMode="auto">
+          <a:xfrm>
+            <a:off x="14173" y="2571750"/>
+            <a:ext cx="1832957" cy="1234440"/>
+          </a:xfrm>
+          <a:prstGeom prst="rect">
+            <a:avLst/>
+          </a:prstGeom>
+          <a:noFill/>
+          <a:extLst>
+            <a:ext uri="{909E8E84-426E-40DD-AFC4-6F175D3DCCD1}">
+              <a14:hiddenFill xmlns:a14="http://schemas.microsoft.com/office/drawing/2010/main">
+                <a:solidFill>
+                  <a:srgbClr val="FFFFFF"/>
+                </a:solidFill>
+              </a14:hiddenFill>
+            </a:ext>
+          </a:extLst>
+        </p:spPr>
+      </p:pic>
+      <p:pic>
+        <p:nvPicPr>
+          <p:cNvPr id="3094" name="Picture 22">
+            <a:extLst>
+              <a:ext uri="{FF2B5EF4-FFF2-40B4-BE49-F238E27FC236}">
+                <a16:creationId xmlns:a16="http://schemas.microsoft.com/office/drawing/2014/main" id="{935040F8-516F-4093-AE17-E59C92578E03}"/>
+              </a:ext>
+            </a:extLst>
+          </p:cNvPr>
+          <p:cNvPicPr>
+            <a:picLocks noChangeAspect="1" noChangeArrowheads="1"/>
+          </p:cNvPicPr>
+          <p:nvPr/>
+        </p:nvPicPr>
+        <p:blipFill>
+          <a:blip r:embed="rId12">
+            <a:extLst>
+              <a:ext uri="{28A0092B-C50C-407E-A947-70E740481C1C}">
+                <a14:useLocalDpi xmlns:a14="http://schemas.microsoft.com/office/drawing/2010/main" val="0"/>
+              </a:ext>
+            </a:extLst>
+          </a:blip>
+          <a:srcRect/>
+          <a:stretch>
+            <a:fillRect/>
+          </a:stretch>
+        </p:blipFill>
+        <p:spPr bwMode="auto">
+          <a:xfrm>
+            <a:off x="7218705" y="1299347"/>
+            <a:ext cx="1696245" cy="1234440"/>
+          </a:xfrm>
+          <a:prstGeom prst="rect">
+            <a:avLst/>
+          </a:prstGeom>
+          <a:noFill/>
+          <a:extLst>
+            <a:ext uri="{909E8E84-426E-40DD-AFC4-6F175D3DCCD1}">
+              <a14:hiddenFill xmlns:a14="http://schemas.microsoft.com/office/drawing/2010/main">
+                <a:solidFill>
+                  <a:srgbClr val="FFFFFF"/>
+                </a:solidFill>
+              </a14:hiddenFill>
+            </a:ext>
+          </a:extLst>
+        </p:spPr>
+      </p:pic>
+      <p:pic>
+        <p:nvPicPr>
+          <p:cNvPr id="3096" name="Picture 24">
+            <a:extLst>
+              <a:ext uri="{FF2B5EF4-FFF2-40B4-BE49-F238E27FC236}">
+                <a16:creationId xmlns:a16="http://schemas.microsoft.com/office/drawing/2014/main" id="{F5CF228B-FC8D-4B62-8591-D4FAA6D0F897}"/>
+              </a:ext>
+            </a:extLst>
+          </p:cNvPr>
+          <p:cNvPicPr>
+            <a:picLocks noChangeAspect="1" noChangeArrowheads="1"/>
+          </p:cNvPicPr>
+          <p:nvPr/>
+        </p:nvPicPr>
+        <p:blipFill>
+          <a:blip r:embed="rId13">
+            <a:extLst>
+              <a:ext uri="{28A0092B-C50C-407E-A947-70E740481C1C}">
+                <a14:useLocalDpi xmlns:a14="http://schemas.microsoft.com/office/drawing/2010/main" val="0"/>
+              </a:ext>
+            </a:extLst>
+          </a:blip>
+          <a:srcRect/>
+          <a:stretch>
+            <a:fillRect/>
+          </a:stretch>
+        </p:blipFill>
+        <p:spPr bwMode="auto">
+          <a:xfrm>
+            <a:off x="82529" y="3835208"/>
+            <a:ext cx="1696245" cy="1234440"/>
+          </a:xfrm>
+          <a:prstGeom prst="rect">
+            <a:avLst/>
+          </a:prstGeom>
+          <a:noFill/>
+          <a:extLst>
+            <a:ext uri="{909E8E84-426E-40DD-AFC4-6F175D3DCCD1}">
+              <a14:hiddenFill xmlns:a14="http://schemas.microsoft.com/office/drawing/2010/main">
+                <a:solidFill>
+                  <a:srgbClr val="FFFFFF"/>
+                </a:solidFill>
+              </a14:hiddenFill>
+            </a:ext>
+          </a:extLst>
+        </p:spPr>
+      </p:pic>
+      <p:pic>
+        <p:nvPicPr>
+          <p:cNvPr id="3098" name="Picture 26">
+            <a:extLst>
+              <a:ext uri="{FF2B5EF4-FFF2-40B4-BE49-F238E27FC236}">
+                <a16:creationId xmlns:a16="http://schemas.microsoft.com/office/drawing/2014/main" id="{E3001424-AC67-4855-B061-804EB600457D}"/>
+              </a:ext>
+            </a:extLst>
+          </p:cNvPr>
+          <p:cNvPicPr>
+            <a:picLocks noChangeAspect="1" noChangeArrowheads="1"/>
+          </p:cNvPicPr>
+          <p:nvPr/>
+        </p:nvPicPr>
+        <p:blipFill>
+          <a:blip r:embed="rId14">
+            <a:extLst>
+              <a:ext uri="{28A0092B-C50C-407E-A947-70E740481C1C}">
+                <a14:useLocalDpi xmlns:a14="http://schemas.microsoft.com/office/drawing/2010/main" val="0"/>
+              </a:ext>
+            </a:extLst>
+          </a:blip>
+          <a:srcRect/>
+          <a:stretch>
+            <a:fillRect/>
+          </a:stretch>
+        </p:blipFill>
+        <p:spPr bwMode="auto">
+          <a:xfrm>
+            <a:off x="1792863" y="2580931"/>
+            <a:ext cx="1832957" cy="1234440"/>
+          </a:xfrm>
+          <a:prstGeom prst="rect">
+            <a:avLst/>
+          </a:prstGeom>
+          <a:noFill/>
+          <a:extLst>
+            <a:ext uri="{909E8E84-426E-40DD-AFC4-6F175D3DCCD1}">
+              <a14:hiddenFill xmlns:a14="http://schemas.microsoft.com/office/drawing/2010/main">
+                <a:solidFill>
+                  <a:srgbClr val="FFFFFF"/>
+                </a:solidFill>
+              </a14:hiddenFill>
+            </a:ext>
+          </a:extLst>
+        </p:spPr>
+      </p:pic>
+      <p:pic>
+        <p:nvPicPr>
+          <p:cNvPr id="3100" name="Picture 28">
+            <a:extLst>
+              <a:ext uri="{FF2B5EF4-FFF2-40B4-BE49-F238E27FC236}">
+                <a16:creationId xmlns:a16="http://schemas.microsoft.com/office/drawing/2014/main" id="{406AA581-AD5E-4E0A-800A-AE85A9205700}"/>
+              </a:ext>
+            </a:extLst>
+          </p:cNvPr>
+          <p:cNvPicPr>
+            <a:picLocks noChangeAspect="1" noChangeArrowheads="1"/>
+          </p:cNvPicPr>
+          <p:nvPr/>
+        </p:nvPicPr>
+        <p:blipFill>
+          <a:blip r:embed="rId15">
+            <a:extLst>
+              <a:ext uri="{28A0092B-C50C-407E-A947-70E740481C1C}">
+                <a14:useLocalDpi xmlns:a14="http://schemas.microsoft.com/office/drawing/2010/main" val="0"/>
+              </a:ext>
+            </a:extLst>
+          </a:blip>
+          <a:srcRect/>
+          <a:stretch>
+            <a:fillRect/>
+          </a:stretch>
+        </p:blipFill>
+        <p:spPr bwMode="auto">
+          <a:xfrm>
+            <a:off x="1885529" y="3851743"/>
+            <a:ext cx="1696245" cy="1234440"/>
+          </a:xfrm>
+          <a:prstGeom prst="rect">
+            <a:avLst/>
+          </a:prstGeom>
+          <a:noFill/>
+          <a:extLst>
+            <a:ext uri="{909E8E84-426E-40DD-AFC4-6F175D3DCCD1}">
+              <a14:hiddenFill xmlns:a14="http://schemas.microsoft.com/office/drawing/2010/main">
+                <a:solidFill>
+                  <a:srgbClr val="FFFFFF"/>
+                </a:solidFill>
+              </a14:hiddenFill>
+            </a:ext>
+          </a:extLst>
+        </p:spPr>
+      </p:pic>
+      <p:pic>
+        <p:nvPicPr>
+          <p:cNvPr id="3102" name="Picture 30">
+            <a:extLst>
+              <a:ext uri="{FF2B5EF4-FFF2-40B4-BE49-F238E27FC236}">
+                <a16:creationId xmlns:a16="http://schemas.microsoft.com/office/drawing/2014/main" id="{C1310306-E2E9-48EF-B36F-F4FA9082E601}"/>
+              </a:ext>
+            </a:extLst>
+          </p:cNvPr>
+          <p:cNvPicPr>
+            <a:picLocks noChangeAspect="1" noChangeArrowheads="1"/>
+          </p:cNvPicPr>
+          <p:nvPr/>
+        </p:nvPicPr>
+        <p:blipFill>
+          <a:blip r:embed="rId16">
+            <a:extLst>
+              <a:ext uri="{28A0092B-C50C-407E-A947-70E740481C1C}">
+                <a14:useLocalDpi xmlns:a14="http://schemas.microsoft.com/office/drawing/2010/main" val="0"/>
+              </a:ext>
+            </a:extLst>
+          </a:blip>
+          <a:srcRect/>
+          <a:stretch>
+            <a:fillRect/>
+          </a:stretch>
+        </p:blipFill>
+        <p:spPr bwMode="auto">
+          <a:xfrm>
+            <a:off x="3655522" y="2604047"/>
+            <a:ext cx="1832957" cy="1234440"/>
+          </a:xfrm>
+          <a:prstGeom prst="rect">
+            <a:avLst/>
+          </a:prstGeom>
+          <a:noFill/>
+          <a:extLst>
+            <a:ext uri="{909E8E84-426E-40DD-AFC4-6F175D3DCCD1}">
+              <a14:hiddenFill xmlns:a14="http://schemas.microsoft.com/office/drawing/2010/main">
+                <a:solidFill>
+                  <a:srgbClr val="FFFFFF"/>
+                </a:solidFill>
+              </a14:hiddenFill>
+            </a:ext>
+          </a:extLst>
+        </p:spPr>
+      </p:pic>
+      <p:pic>
+        <p:nvPicPr>
+          <p:cNvPr id="3104" name="Picture 32">
+            <a:extLst>
+              <a:ext uri="{FF2B5EF4-FFF2-40B4-BE49-F238E27FC236}">
+                <a16:creationId xmlns:a16="http://schemas.microsoft.com/office/drawing/2014/main" id="{206386FF-86FA-4915-B6EF-60F3CD85EA0C}"/>
+              </a:ext>
+            </a:extLst>
+          </p:cNvPr>
+          <p:cNvPicPr>
+            <a:picLocks noChangeAspect="1" noChangeArrowheads="1"/>
+          </p:cNvPicPr>
+          <p:nvPr/>
+        </p:nvPicPr>
+        <p:blipFill>
+          <a:blip r:embed="rId17">
+            <a:extLst>
+              <a:ext uri="{28A0092B-C50C-407E-A947-70E740481C1C}">
+                <a14:useLocalDpi xmlns:a14="http://schemas.microsoft.com/office/drawing/2010/main" val="0"/>
+              </a:ext>
+            </a:extLst>
+          </a:blip>
+          <a:srcRect/>
+          <a:stretch>
+            <a:fillRect/>
+          </a:stretch>
+        </p:blipFill>
+        <p:spPr bwMode="auto">
+          <a:xfrm>
+            <a:off x="3661460" y="3834345"/>
+            <a:ext cx="1696245" cy="1234440"/>
+          </a:xfrm>
+          <a:prstGeom prst="rect">
+            <a:avLst/>
+          </a:prstGeom>
+          <a:noFill/>
+          <a:extLst>
+            <a:ext uri="{909E8E84-426E-40DD-AFC4-6F175D3DCCD1}">
+              <a14:hiddenFill xmlns:a14="http://schemas.microsoft.com/office/drawing/2010/main">
+                <a:solidFill>
+                  <a:srgbClr val="FFFFFF"/>
+                </a:solidFill>
+              </a14:hiddenFill>
+            </a:ext>
+          </a:extLst>
+        </p:spPr>
+      </p:pic>
+      <p:pic>
+        <p:nvPicPr>
+          <p:cNvPr id="3106" name="Picture 34">
+            <a:extLst>
+              <a:ext uri="{FF2B5EF4-FFF2-40B4-BE49-F238E27FC236}">
+                <a16:creationId xmlns:a16="http://schemas.microsoft.com/office/drawing/2014/main" id="{25F7EE51-B0D1-4D32-BEC6-E04D4D4417E5}"/>
+              </a:ext>
+            </a:extLst>
+          </p:cNvPr>
+          <p:cNvPicPr>
+            <a:picLocks noChangeAspect="1" noChangeArrowheads="1"/>
+          </p:cNvPicPr>
+          <p:nvPr/>
+        </p:nvPicPr>
+        <p:blipFill>
+          <a:blip r:embed="rId18">
+            <a:extLst>
+              <a:ext uri="{28A0092B-C50C-407E-A947-70E740481C1C}">
+                <a14:useLocalDpi xmlns:a14="http://schemas.microsoft.com/office/drawing/2010/main" val="0"/>
+              </a:ext>
+            </a:extLst>
+          </a:blip>
+          <a:srcRect/>
+          <a:stretch>
+            <a:fillRect/>
+          </a:stretch>
+        </p:blipFill>
+        <p:spPr bwMode="auto">
+          <a:xfrm>
+            <a:off x="5447956" y="2609957"/>
+            <a:ext cx="1832957" cy="1234440"/>
+          </a:xfrm>
+          <a:prstGeom prst="rect">
+            <a:avLst/>
+          </a:prstGeom>
+          <a:noFill/>
+          <a:extLst>
+            <a:ext uri="{909E8E84-426E-40DD-AFC4-6F175D3DCCD1}">
+              <a14:hiddenFill xmlns:a14="http://schemas.microsoft.com/office/drawing/2010/main">
+                <a:solidFill>
+                  <a:srgbClr val="FFFFFF"/>
+                </a:solidFill>
+              </a14:hiddenFill>
+            </a:ext>
+          </a:extLst>
+        </p:spPr>
+      </p:pic>
+      <p:pic>
+        <p:nvPicPr>
+          <p:cNvPr id="3108" name="Picture 36">
+            <a:extLst>
+              <a:ext uri="{FF2B5EF4-FFF2-40B4-BE49-F238E27FC236}">
+                <a16:creationId xmlns:a16="http://schemas.microsoft.com/office/drawing/2014/main" id="{34083A4C-9039-422E-AE06-900B20D57498}"/>
+              </a:ext>
+            </a:extLst>
+          </p:cNvPr>
+          <p:cNvPicPr>
+            <a:picLocks noChangeAspect="1" noChangeArrowheads="1"/>
+          </p:cNvPicPr>
+          <p:nvPr/>
+        </p:nvPicPr>
+        <p:blipFill>
+          <a:blip r:embed="rId19">
+            <a:extLst>
+              <a:ext uri="{28A0092B-C50C-407E-A947-70E740481C1C}">
+                <a14:useLocalDpi xmlns:a14="http://schemas.microsoft.com/office/drawing/2010/main" val="0"/>
+              </a:ext>
+            </a:extLst>
+          </a:blip>
+          <a:srcRect/>
+          <a:stretch>
+            <a:fillRect/>
+          </a:stretch>
+        </p:blipFill>
+        <p:spPr bwMode="auto">
+          <a:xfrm>
+            <a:off x="5527147" y="3845608"/>
+            <a:ext cx="1696245" cy="1234440"/>
+          </a:xfrm>
+          <a:prstGeom prst="rect">
+            <a:avLst/>
+          </a:prstGeom>
+          <a:noFill/>
+          <a:extLst>
+            <a:ext uri="{909E8E84-426E-40DD-AFC4-6F175D3DCCD1}">
+              <a14:hiddenFill xmlns:a14="http://schemas.microsoft.com/office/drawing/2010/main">
+                <a:solidFill>
+                  <a:srgbClr val="FFFFFF"/>
+                </a:solidFill>
+              </a14:hiddenFill>
+            </a:ext>
+          </a:extLst>
+        </p:spPr>
+      </p:pic>
+      <p:pic>
+        <p:nvPicPr>
+          <p:cNvPr id="3110" name="Picture 38">
+            <a:extLst>
+              <a:ext uri="{FF2B5EF4-FFF2-40B4-BE49-F238E27FC236}">
+                <a16:creationId xmlns:a16="http://schemas.microsoft.com/office/drawing/2014/main" id="{B58BF91F-CB4C-4CF0-B0F3-841D4E858761}"/>
+              </a:ext>
+            </a:extLst>
+          </p:cNvPr>
+          <p:cNvPicPr>
+            <a:picLocks noChangeAspect="1" noChangeArrowheads="1"/>
+          </p:cNvPicPr>
+          <p:nvPr/>
+        </p:nvPicPr>
+        <p:blipFill>
+          <a:blip r:embed="rId20">
+            <a:extLst>
+              <a:ext uri="{28A0092B-C50C-407E-A947-70E740481C1C}">
+                <a14:useLocalDpi xmlns:a14="http://schemas.microsoft.com/office/drawing/2010/main" val="0"/>
+              </a:ext>
+            </a:extLst>
+          </a:blip>
+          <a:srcRect/>
+          <a:stretch>
+            <a:fillRect/>
+          </a:stretch>
+        </p:blipFill>
+        <p:spPr bwMode="auto">
+          <a:xfrm>
+            <a:off x="7155036" y="2612767"/>
+            <a:ext cx="1832957" cy="1234440"/>
+          </a:xfrm>
+          <a:prstGeom prst="rect">
+            <a:avLst/>
+          </a:prstGeom>
+          <a:noFill/>
+          <a:extLst>
+            <a:ext uri="{909E8E84-426E-40DD-AFC4-6F175D3DCCD1}">
+              <a14:hiddenFill xmlns:a14="http://schemas.microsoft.com/office/drawing/2010/main">
+                <a:solidFill>
+                  <a:srgbClr val="FFFFFF"/>
+                </a:solidFill>
+              </a14:hiddenFill>
+            </a:ext>
+          </a:extLst>
+        </p:spPr>
+      </p:pic>
+      <p:pic>
+        <p:nvPicPr>
+          <p:cNvPr id="3112" name="Picture 40">
+            <a:extLst>
+              <a:ext uri="{FF2B5EF4-FFF2-40B4-BE49-F238E27FC236}">
+                <a16:creationId xmlns:a16="http://schemas.microsoft.com/office/drawing/2014/main" id="{8C082CDD-9E66-4937-94EA-39358097907B}"/>
+              </a:ext>
+            </a:extLst>
+          </p:cNvPr>
+          <p:cNvPicPr>
+            <a:picLocks noChangeAspect="1" noChangeArrowheads="1"/>
+          </p:cNvPicPr>
+          <p:nvPr/>
+        </p:nvPicPr>
+        <p:blipFill>
+          <a:blip r:embed="rId21">
+            <a:extLst>
+              <a:ext uri="{28A0092B-C50C-407E-A947-70E740481C1C}">
+                <a14:useLocalDpi xmlns:a14="http://schemas.microsoft.com/office/drawing/2010/main" val="0"/>
+              </a:ext>
+            </a:extLst>
+          </a:blip>
+          <a:srcRect/>
+          <a:stretch>
+            <a:fillRect/>
+          </a:stretch>
+        </p:blipFill>
+        <p:spPr bwMode="auto">
+          <a:xfrm>
+            <a:off x="7291748" y="3845608"/>
+            <a:ext cx="1696245" cy="1234440"/>
+          </a:xfrm>
+          <a:prstGeom prst="rect">
+            <a:avLst/>
+          </a:prstGeom>
+          <a:noFill/>
+          <a:extLst>
+            <a:ext uri="{909E8E84-426E-40DD-AFC4-6F175D3DCCD1}">
+              <a14:hiddenFill xmlns:a14="http://schemas.microsoft.com/office/drawing/2010/main">
+                <a:solidFill>
+                  <a:srgbClr val="FFFFFF"/>
+                </a:solidFill>
+              </a14:hiddenFill>
+            </a:ext>
+          </a:extLst>
+        </p:spPr>
+      </p:pic>
+    </p:spTree>
+    <p:extLst>
+      <p:ext uri="{BB962C8B-B14F-4D97-AF65-F5344CB8AC3E}">
+        <p14:creationId xmlns:p14="http://schemas.microsoft.com/office/powerpoint/2010/main" val="381281365"/>
+      </p:ext>
+    </p:extLst>
+  </p:cSld>
+  <p:clrMapOvr>
+    <a:masterClrMapping/>
+  </p:clrMapOvr>
+</p:sld>
+</file>
+
+<file path=ppt/slides/slide11.xml><?xml version="1.0" encoding="utf-8"?>
+<p:sld xmlns:a="http://schemas.openxmlformats.org/drawingml/2006/main" xmlns:r="http://schemas.openxmlformats.org/officeDocument/2006/relationships" xmlns:p="http://schemas.openxmlformats.org/presentationml/2006/main">
+  <p:cSld>
+    <p:spTree>
+      <p:nvGrpSpPr>
+        <p:cNvPr id="1" name=""/>
+        <p:cNvGrpSpPr/>
+        <p:nvPr/>
+      </p:nvGrpSpPr>
+      <p:grpSpPr>
+        <a:xfrm>
+          <a:off x="0" y="0"/>
+          <a:ext cx="0" cy="0"/>
+          <a:chOff x="0" y="0"/>
+          <a:chExt cx="0" cy="0"/>
+        </a:xfrm>
+      </p:grpSpPr>
       <p:pic>
         <p:nvPicPr>
           <p:cNvPr id="4098" name="Picture 2">
@@ -13319,7 +14329,7 @@
 </p:sld>
 </file>
 
-<file path=ppt/slides/slide11.xml><?xml version="1.0" encoding="utf-8"?>
+<file path=ppt/slides/slide12.xml><?xml version="1.0" encoding="utf-8"?>
 <p:sld xmlns:a="http://schemas.openxmlformats.org/drawingml/2006/main" xmlns:r="http://schemas.openxmlformats.org/officeDocument/2006/relationships" xmlns:p="http://schemas.openxmlformats.org/presentationml/2006/main">
   <p:cSld>
     <p:spTree>
@@ -17621,7 +18631,7 @@
 </p:sld>
 </file>
 
-<file path=ppt/slides/slide12.xml><?xml version="1.0" encoding="utf-8"?>
+<file path=ppt/slides/slide13.xml><?xml version="1.0" encoding="utf-8"?>
 <p:sld xmlns:a="http://schemas.openxmlformats.org/drawingml/2006/main" xmlns:r="http://schemas.openxmlformats.org/officeDocument/2006/relationships" xmlns:p="http://schemas.openxmlformats.org/presentationml/2006/main">
   <p:cSld>
     <p:spTree>
@@ -17844,7 +18854,7 @@
 </p:sld>
 </file>
 
-<file path=ppt/slides/slide13.xml><?xml version="1.0" encoding="utf-8"?>
+<file path=ppt/slides/slide14.xml><?xml version="1.0" encoding="utf-8"?>
 <p:sld xmlns:a="http://schemas.openxmlformats.org/drawingml/2006/main" xmlns:r="http://schemas.openxmlformats.org/officeDocument/2006/relationships" xmlns:p="http://schemas.openxmlformats.org/presentationml/2006/main">
   <p:cSld>
     <p:spTree>
@@ -17937,7 +18947,7 @@
 </p:sld>
 </file>
 
-<file path=ppt/slides/slide14.xml><?xml version="1.0" encoding="utf-8"?>
+<file path=ppt/slides/slide15.xml><?xml version="1.0" encoding="utf-8"?>
 <p:sld xmlns:a="http://schemas.openxmlformats.org/drawingml/2006/main" xmlns:r="http://schemas.openxmlformats.org/officeDocument/2006/relationships" xmlns:p="http://schemas.openxmlformats.org/presentationml/2006/main">
   <p:cSld>
     <p:spTree>
@@ -18133,7 +19143,7 @@
 </p:sld>
 </file>
 
-<file path=ppt/slides/slide15.xml><?xml version="1.0" encoding="utf-8"?>
+<file path=ppt/slides/slide16.xml><?xml version="1.0" encoding="utf-8"?>
 <p:sld xmlns:a="http://schemas.openxmlformats.org/drawingml/2006/main" xmlns:r="http://schemas.openxmlformats.org/officeDocument/2006/relationships" xmlns:p="http://schemas.openxmlformats.org/presentationml/2006/main">
   <p:cSld>
     <p:spTree>
@@ -18329,7 +19339,7 @@
 </p:sld>
 </file>
 
-<file path=ppt/slides/slide16.xml><?xml version="1.0" encoding="utf-8"?>
+<file path=ppt/slides/slide17.xml><?xml version="1.0" encoding="utf-8"?>
 <p:sld xmlns:a="http://schemas.openxmlformats.org/drawingml/2006/main" xmlns:r="http://schemas.openxmlformats.org/officeDocument/2006/relationships" xmlns:p="http://schemas.openxmlformats.org/presentationml/2006/main">
   <p:cSld>
     <p:spTree>
@@ -18525,7 +19535,7 @@
 </p:sld>
 </file>
 
-<file path=ppt/slides/slide17.xml><?xml version="1.0" encoding="utf-8"?>
+<file path=ppt/slides/slide18.xml><?xml version="1.0" encoding="utf-8"?>
 <p:sld xmlns:a="http://schemas.openxmlformats.org/drawingml/2006/main" xmlns:r="http://schemas.openxmlformats.org/officeDocument/2006/relationships" xmlns:p="http://schemas.openxmlformats.org/presentationml/2006/main">
   <p:cSld>
     <p:spTree>
@@ -18618,7 +19628,7 @@
 </p:sld>
 </file>
 
-<file path=ppt/slides/slide18.xml><?xml version="1.0" encoding="utf-8"?>
+<file path=ppt/slides/slide19.xml><?xml version="1.0" encoding="utf-8"?>
 <p:sld xmlns:a="http://schemas.openxmlformats.org/drawingml/2006/main" xmlns:r="http://schemas.openxmlformats.org/officeDocument/2006/relationships" xmlns:p="http://schemas.openxmlformats.org/presentationml/2006/main">
   <p:cSld>
     <p:spTree>
@@ -18805,202 +19815,6 @@
     <p:extLst>
       <p:ext uri="{BB962C8B-B14F-4D97-AF65-F5344CB8AC3E}">
         <p14:creationId xmlns:p14="http://schemas.microsoft.com/office/powerpoint/2010/main" val="293802730"/>
-      </p:ext>
-    </p:extLst>
-  </p:cSld>
-  <p:clrMapOvr>
-    <a:masterClrMapping/>
-  </p:clrMapOvr>
-</p:sld>
-</file>
-
-<file path=ppt/slides/slide19.xml><?xml version="1.0" encoding="utf-8"?>
-<p:sld xmlns:a="http://schemas.openxmlformats.org/drawingml/2006/main" xmlns:r="http://schemas.openxmlformats.org/officeDocument/2006/relationships" xmlns:p="http://schemas.openxmlformats.org/presentationml/2006/main">
-  <p:cSld>
-    <p:spTree>
-      <p:nvGrpSpPr>
-        <p:cNvPr id="1" name=""/>
-        <p:cNvGrpSpPr/>
-        <p:nvPr/>
-      </p:nvGrpSpPr>
-      <p:grpSpPr>
-        <a:xfrm>
-          <a:off x="0" y="0"/>
-          <a:ext cx="0" cy="0"/>
-          <a:chOff x="0" y="0"/>
-          <a:chExt cx="0" cy="0"/>
-        </a:xfrm>
-      </p:grpSpPr>
-      <p:sp>
-        <p:nvSpPr>
-          <p:cNvPr id="2" name="Title 1">
-            <a:extLst>
-              <a:ext uri="{FF2B5EF4-FFF2-40B4-BE49-F238E27FC236}">
-                <a16:creationId xmlns:a16="http://schemas.microsoft.com/office/drawing/2014/main" id="{6869FDC9-72DA-4CF8-9C9B-29DA58710C32}"/>
-              </a:ext>
-            </a:extLst>
-          </p:cNvPr>
-          <p:cNvSpPr>
-            <a:spLocks noGrp="1"/>
-          </p:cNvSpPr>
-          <p:nvPr>
-            <p:ph type="title"/>
-          </p:nvPr>
-        </p:nvSpPr>
-        <p:spPr>
-          <a:xfrm>
-            <a:off x="480679" y="239962"/>
-            <a:ext cx="7688400" cy="1518600"/>
-          </a:xfrm>
-        </p:spPr>
-        <p:txBody>
-          <a:bodyPr/>
-          <a:lstStyle/>
-          <a:p>
-            <a:r>
-              <a:rPr lang="en-US" dirty="0"/>
-              <a:t>2</a:t>
-            </a:r>
-            <a:r>
-              <a:rPr lang="en-US" baseline="30000" dirty="0"/>
-              <a:t>nd</a:t>
-            </a:r>
-            <a:r>
-              <a:rPr lang="en-US" dirty="0"/>
-              <a:t> cluster</a:t>
-            </a:r>
-          </a:p>
-        </p:txBody>
-      </p:sp>
-      <p:pic>
-        <p:nvPicPr>
-          <p:cNvPr id="3" name="Picture 2">
-            <a:extLst>
-              <a:ext uri="{FF2B5EF4-FFF2-40B4-BE49-F238E27FC236}">
-                <a16:creationId xmlns:a16="http://schemas.microsoft.com/office/drawing/2014/main" id="{436A5B81-9BDE-4F65-8111-B8DD07AD5138}"/>
-              </a:ext>
-            </a:extLst>
-          </p:cNvPr>
-          <p:cNvPicPr>
-            <a:picLocks noChangeAspect="1"/>
-          </p:cNvPicPr>
-          <p:nvPr/>
-        </p:nvPicPr>
-        <p:blipFill>
-          <a:blip r:embed="rId2"/>
-          <a:stretch>
-            <a:fillRect/>
-          </a:stretch>
-        </p:blipFill>
-        <p:spPr>
-          <a:xfrm>
-            <a:off x="776489" y="1655330"/>
-            <a:ext cx="4070437" cy="2627558"/>
-          </a:xfrm>
-          <a:prstGeom prst="rect">
-            <a:avLst/>
-          </a:prstGeom>
-        </p:spPr>
-      </p:pic>
-      <p:sp>
-        <p:nvSpPr>
-          <p:cNvPr id="4" name="TextBox 3">
-            <a:extLst>
-              <a:ext uri="{FF2B5EF4-FFF2-40B4-BE49-F238E27FC236}">
-                <a16:creationId xmlns:a16="http://schemas.microsoft.com/office/drawing/2014/main" id="{3FE3E365-070F-40E3-975B-F6F71E6E7D5A}"/>
-              </a:ext>
-            </a:extLst>
-          </p:cNvPr>
-          <p:cNvSpPr txBox="1"/>
-          <p:nvPr/>
-        </p:nvSpPr>
-        <p:spPr>
-          <a:xfrm>
-            <a:off x="5325035" y="1943100"/>
-            <a:ext cx="2877671" cy="1169551"/>
-          </a:xfrm>
-          <a:prstGeom prst="rect">
-            <a:avLst/>
-          </a:prstGeom>
-          <a:noFill/>
-        </p:spPr>
-        <p:txBody>
-          <a:bodyPr wrap="square" rtlCol="0">
-            <a:spAutoFit/>
-          </a:bodyPr>
-          <a:lstStyle/>
-          <a:p>
-            <a:r>
-              <a:rPr lang="en-US" dirty="0">
-                <a:solidFill>
-                  <a:schemeClr val="bg1"/>
-                </a:solidFill>
-              </a:rPr>
-              <a:t>The top four industries: </a:t>
-            </a:r>
-          </a:p>
-          <a:p>
-            <a:pPr marL="285750" indent="-285750">
-              <a:buFont typeface="Arial" panose="020B0604020202020204" pitchFamily="34" charset="0"/>
-              <a:buChar char="•"/>
-            </a:pPr>
-            <a:r>
-              <a:rPr lang="en-US" dirty="0">
-                <a:solidFill>
-                  <a:schemeClr val="bg1"/>
-                </a:solidFill>
-              </a:rPr>
-              <a:t>Major Pharmaceutical (56)</a:t>
-            </a:r>
-          </a:p>
-          <a:p>
-            <a:pPr marL="285750" indent="-285750">
-              <a:buFont typeface="Arial" panose="020B0604020202020204" pitchFamily="34" charset="0"/>
-              <a:buChar char="•"/>
-            </a:pPr>
-            <a:r>
-              <a:rPr lang="en-US" dirty="0">
-                <a:solidFill>
-                  <a:schemeClr val="bg1"/>
-                </a:solidFill>
-              </a:rPr>
-              <a:t>Semiconductor (25)</a:t>
-            </a:r>
-          </a:p>
-          <a:p>
-            <a:pPr marL="285750" indent="-285750">
-              <a:buFont typeface="Arial" panose="020B0604020202020204" pitchFamily="34" charset="0"/>
-              <a:buChar char="•"/>
-            </a:pPr>
-            <a:r>
-              <a:rPr lang="en-US" dirty="0">
-                <a:solidFill>
-                  <a:schemeClr val="bg1"/>
-                </a:solidFill>
-              </a:rPr>
-              <a:t>Industrial Machinery (18)</a:t>
-            </a:r>
-          </a:p>
-          <a:p>
-            <a:pPr marL="285750" indent="-285750">
-              <a:buFont typeface="Arial" panose="020B0604020202020204" pitchFamily="34" charset="0"/>
-              <a:buChar char="•"/>
-            </a:pPr>
-            <a:r>
-              <a:rPr lang="en-US" dirty="0">
-                <a:solidFill>
-                  <a:schemeClr val="bg1"/>
-                </a:solidFill>
-              </a:rPr>
-              <a:t>Metal Fabrication (16)</a:t>
-            </a:r>
-          </a:p>
-        </p:txBody>
-      </p:sp>
-    </p:spTree>
-    <p:extLst>
-      <p:ext uri="{BB962C8B-B14F-4D97-AF65-F5344CB8AC3E}">
-        <p14:creationId xmlns:p14="http://schemas.microsoft.com/office/powerpoint/2010/main" val="262144222"/>
       </p:ext>
     </p:extLst>
   </p:cSld>
@@ -19207,6 +20021,202 @@
           <p:cNvPr id="2" name="Title 1">
             <a:extLst>
               <a:ext uri="{FF2B5EF4-FFF2-40B4-BE49-F238E27FC236}">
+                <a16:creationId xmlns:a16="http://schemas.microsoft.com/office/drawing/2014/main" id="{6869FDC9-72DA-4CF8-9C9B-29DA58710C32}"/>
+              </a:ext>
+            </a:extLst>
+          </p:cNvPr>
+          <p:cNvSpPr>
+            <a:spLocks noGrp="1"/>
+          </p:cNvSpPr>
+          <p:nvPr>
+            <p:ph type="title"/>
+          </p:nvPr>
+        </p:nvSpPr>
+        <p:spPr>
+          <a:xfrm>
+            <a:off x="480679" y="239962"/>
+            <a:ext cx="7688400" cy="1518600"/>
+          </a:xfrm>
+        </p:spPr>
+        <p:txBody>
+          <a:bodyPr/>
+          <a:lstStyle/>
+          <a:p>
+            <a:r>
+              <a:rPr lang="en-US" dirty="0"/>
+              <a:t>2</a:t>
+            </a:r>
+            <a:r>
+              <a:rPr lang="en-US" baseline="30000" dirty="0"/>
+              <a:t>nd</a:t>
+            </a:r>
+            <a:r>
+              <a:rPr lang="en-US" dirty="0"/>
+              <a:t> cluster</a:t>
+            </a:r>
+          </a:p>
+        </p:txBody>
+      </p:sp>
+      <p:pic>
+        <p:nvPicPr>
+          <p:cNvPr id="3" name="Picture 2">
+            <a:extLst>
+              <a:ext uri="{FF2B5EF4-FFF2-40B4-BE49-F238E27FC236}">
+                <a16:creationId xmlns:a16="http://schemas.microsoft.com/office/drawing/2014/main" id="{436A5B81-9BDE-4F65-8111-B8DD07AD5138}"/>
+              </a:ext>
+            </a:extLst>
+          </p:cNvPr>
+          <p:cNvPicPr>
+            <a:picLocks noChangeAspect="1"/>
+          </p:cNvPicPr>
+          <p:nvPr/>
+        </p:nvPicPr>
+        <p:blipFill>
+          <a:blip r:embed="rId2"/>
+          <a:stretch>
+            <a:fillRect/>
+          </a:stretch>
+        </p:blipFill>
+        <p:spPr>
+          <a:xfrm>
+            <a:off x="776489" y="1655330"/>
+            <a:ext cx="4070437" cy="2627558"/>
+          </a:xfrm>
+          <a:prstGeom prst="rect">
+            <a:avLst/>
+          </a:prstGeom>
+        </p:spPr>
+      </p:pic>
+      <p:sp>
+        <p:nvSpPr>
+          <p:cNvPr id="4" name="TextBox 3">
+            <a:extLst>
+              <a:ext uri="{FF2B5EF4-FFF2-40B4-BE49-F238E27FC236}">
+                <a16:creationId xmlns:a16="http://schemas.microsoft.com/office/drawing/2014/main" id="{3FE3E365-070F-40E3-975B-F6F71E6E7D5A}"/>
+              </a:ext>
+            </a:extLst>
+          </p:cNvPr>
+          <p:cNvSpPr txBox="1"/>
+          <p:nvPr/>
+        </p:nvSpPr>
+        <p:spPr>
+          <a:xfrm>
+            <a:off x="5325035" y="1943100"/>
+            <a:ext cx="2877671" cy="1169551"/>
+          </a:xfrm>
+          <a:prstGeom prst="rect">
+            <a:avLst/>
+          </a:prstGeom>
+          <a:noFill/>
+        </p:spPr>
+        <p:txBody>
+          <a:bodyPr wrap="square" rtlCol="0">
+            <a:spAutoFit/>
+          </a:bodyPr>
+          <a:lstStyle/>
+          <a:p>
+            <a:r>
+              <a:rPr lang="en-US" dirty="0">
+                <a:solidFill>
+                  <a:schemeClr val="bg1"/>
+                </a:solidFill>
+              </a:rPr>
+              <a:t>The top four industries: </a:t>
+            </a:r>
+          </a:p>
+          <a:p>
+            <a:pPr marL="285750" indent="-285750">
+              <a:buFont typeface="Arial" panose="020B0604020202020204" pitchFamily="34" charset="0"/>
+              <a:buChar char="•"/>
+            </a:pPr>
+            <a:r>
+              <a:rPr lang="en-US" dirty="0">
+                <a:solidFill>
+                  <a:schemeClr val="bg1"/>
+                </a:solidFill>
+              </a:rPr>
+              <a:t>Major Pharmaceutical (56)</a:t>
+            </a:r>
+          </a:p>
+          <a:p>
+            <a:pPr marL="285750" indent="-285750">
+              <a:buFont typeface="Arial" panose="020B0604020202020204" pitchFamily="34" charset="0"/>
+              <a:buChar char="•"/>
+            </a:pPr>
+            <a:r>
+              <a:rPr lang="en-US" dirty="0">
+                <a:solidFill>
+                  <a:schemeClr val="bg1"/>
+                </a:solidFill>
+              </a:rPr>
+              <a:t>Semiconductor (25)</a:t>
+            </a:r>
+          </a:p>
+          <a:p>
+            <a:pPr marL="285750" indent="-285750">
+              <a:buFont typeface="Arial" panose="020B0604020202020204" pitchFamily="34" charset="0"/>
+              <a:buChar char="•"/>
+            </a:pPr>
+            <a:r>
+              <a:rPr lang="en-US" dirty="0">
+                <a:solidFill>
+                  <a:schemeClr val="bg1"/>
+                </a:solidFill>
+              </a:rPr>
+              <a:t>Industrial Machinery (18)</a:t>
+            </a:r>
+          </a:p>
+          <a:p>
+            <a:pPr marL="285750" indent="-285750">
+              <a:buFont typeface="Arial" panose="020B0604020202020204" pitchFamily="34" charset="0"/>
+              <a:buChar char="•"/>
+            </a:pPr>
+            <a:r>
+              <a:rPr lang="en-US" dirty="0">
+                <a:solidFill>
+                  <a:schemeClr val="bg1"/>
+                </a:solidFill>
+              </a:rPr>
+              <a:t>Metal Fabrication (16)</a:t>
+            </a:r>
+          </a:p>
+        </p:txBody>
+      </p:sp>
+    </p:spTree>
+    <p:extLst>
+      <p:ext uri="{BB962C8B-B14F-4D97-AF65-F5344CB8AC3E}">
+        <p14:creationId xmlns:p14="http://schemas.microsoft.com/office/powerpoint/2010/main" val="262144222"/>
+      </p:ext>
+    </p:extLst>
+  </p:cSld>
+  <p:clrMapOvr>
+    <a:masterClrMapping/>
+  </p:clrMapOvr>
+</p:sld>
+</file>
+
+<file path=ppt/slides/slide21.xml><?xml version="1.0" encoding="utf-8"?>
+<p:sld xmlns:a="http://schemas.openxmlformats.org/drawingml/2006/main" xmlns:r="http://schemas.openxmlformats.org/officeDocument/2006/relationships" xmlns:p="http://schemas.openxmlformats.org/presentationml/2006/main">
+  <p:cSld>
+    <p:spTree>
+      <p:nvGrpSpPr>
+        <p:cNvPr id="1" name=""/>
+        <p:cNvGrpSpPr/>
+        <p:nvPr/>
+      </p:nvGrpSpPr>
+      <p:grpSpPr>
+        <a:xfrm>
+          <a:off x="0" y="0"/>
+          <a:ext cx="0" cy="0"/>
+          <a:chOff x="0" y="0"/>
+          <a:chExt cx="0" cy="0"/>
+        </a:xfrm>
+      </p:grpSpPr>
+      <p:sp>
+        <p:nvSpPr>
+          <p:cNvPr id="2" name="Title 1">
+            <a:extLst>
+              <a:ext uri="{FF2B5EF4-FFF2-40B4-BE49-F238E27FC236}">
                 <a16:creationId xmlns:a16="http://schemas.microsoft.com/office/drawing/2014/main" id="{26F3FAF5-5A67-4E8D-9598-61D7B5A49F12}"/>
               </a:ext>
             </a:extLst>
@@ -19381,7 +20391,7 @@
 </p:sld>
 </file>
 
-<file path=ppt/slides/slide21.xml><?xml version="1.0" encoding="utf-8"?>
+<file path=ppt/slides/slide22.xml><?xml version="1.0" encoding="utf-8"?>
 <p:sld xmlns:a="http://schemas.openxmlformats.org/drawingml/2006/main" xmlns:r="http://schemas.openxmlformats.org/officeDocument/2006/relationships" xmlns:p="http://schemas.openxmlformats.org/presentationml/2006/main">
   <p:cSld>
     <p:spTree>
@@ -19759,7 +20769,7 @@
 </p:sld>
 </file>
 
-<file path=ppt/slides/slide22.xml><?xml version="1.0" encoding="utf-8"?>
+<file path=ppt/slides/slide23.xml><?xml version="1.0" encoding="utf-8"?>
 <p:sld xmlns:a="http://schemas.openxmlformats.org/drawingml/2006/main" xmlns:r="http://schemas.openxmlformats.org/officeDocument/2006/relationships" xmlns:p="http://schemas.openxmlformats.org/presentationml/2006/main">
   <p:cSld>
     <p:spTree>
@@ -19964,7 +20974,7 @@
 </p:sld>
 </file>
 
-<file path=ppt/slides/slide23.xml><?xml version="1.0" encoding="utf-8"?>
+<file path=ppt/slides/slide24.xml><?xml version="1.0" encoding="utf-8"?>
 <p:sld xmlns:a="http://schemas.openxmlformats.org/drawingml/2006/main" xmlns:r="http://schemas.openxmlformats.org/officeDocument/2006/relationships" xmlns:p="http://schemas.openxmlformats.org/presentationml/2006/main">
   <p:cSld>
     <p:spTree>
@@ -20815,6 +21825,212 @@
   <p:cSld>
     <p:spTree>
       <p:nvGrpSpPr>
+        <p:cNvPr id="1" name=""/>
+        <p:cNvGrpSpPr/>
+        <p:nvPr/>
+      </p:nvGrpSpPr>
+      <p:grpSpPr>
+        <a:xfrm>
+          <a:off x="0" y="0"/>
+          <a:ext cx="0" cy="0"/>
+          <a:chOff x="0" y="0"/>
+          <a:chExt cx="0" cy="0"/>
+        </a:xfrm>
+      </p:grpSpPr>
+      <p:sp>
+        <p:nvSpPr>
+          <p:cNvPr id="2" name="Title 1">
+            <a:extLst>
+              <a:ext uri="{FF2B5EF4-FFF2-40B4-BE49-F238E27FC236}">
+                <a16:creationId xmlns:a16="http://schemas.microsoft.com/office/drawing/2014/main" id="{6F3FFF1B-B604-4023-9F93-162D3612C632}"/>
+              </a:ext>
+            </a:extLst>
+          </p:cNvPr>
+          <p:cNvSpPr>
+            <a:spLocks noGrp="1"/>
+          </p:cNvSpPr>
+          <p:nvPr>
+            <p:ph type="title"/>
+          </p:nvPr>
+        </p:nvSpPr>
+        <p:spPr/>
+        <p:txBody>
+          <a:bodyPr/>
+          <a:lstStyle/>
+          <a:p>
+            <a:endParaRPr lang="en-US"/>
+          </a:p>
+        </p:txBody>
+      </p:sp>
+      <p:pic>
+        <p:nvPicPr>
+          <p:cNvPr id="4" name="Picture 3">
+            <a:extLst>
+              <a:ext uri="{FF2B5EF4-FFF2-40B4-BE49-F238E27FC236}">
+                <a16:creationId xmlns:a16="http://schemas.microsoft.com/office/drawing/2014/main" id="{CF61EC3A-6AB8-44ED-B15A-965014B7F7CC}"/>
+              </a:ext>
+            </a:extLst>
+          </p:cNvPr>
+          <p:cNvPicPr>
+            <a:picLocks noChangeAspect="1"/>
+          </p:cNvPicPr>
+          <p:nvPr/>
+        </p:nvPicPr>
+        <p:blipFill>
+          <a:blip r:embed="rId2"/>
+          <a:stretch>
+            <a:fillRect/>
+          </a:stretch>
+        </p:blipFill>
+        <p:spPr>
+          <a:xfrm>
+            <a:off x="0" y="464578"/>
+            <a:ext cx="9144000" cy="4725987"/>
+          </a:xfrm>
+          <a:prstGeom prst="rect">
+            <a:avLst/>
+          </a:prstGeom>
+        </p:spPr>
+      </p:pic>
+      <p:sp>
+        <p:nvSpPr>
+          <p:cNvPr id="5" name="TextBox 4">
+            <a:extLst>
+              <a:ext uri="{FF2B5EF4-FFF2-40B4-BE49-F238E27FC236}">
+                <a16:creationId xmlns:a16="http://schemas.microsoft.com/office/drawing/2014/main" id="{64CC5D2B-CAD3-4234-9FD2-C5701B32A27B}"/>
+              </a:ext>
+            </a:extLst>
+          </p:cNvPr>
+          <p:cNvSpPr txBox="1"/>
+          <p:nvPr/>
+        </p:nvSpPr>
+        <p:spPr>
+          <a:xfrm>
+            <a:off x="4175312" y="1008530"/>
+            <a:ext cx="1674159" cy="1446550"/>
+          </a:xfrm>
+          <a:prstGeom prst="rect">
+            <a:avLst/>
+          </a:prstGeom>
+        </p:spPr>
+        <p:style>
+          <a:lnRef idx="2">
+            <a:schemeClr val="accent3"/>
+          </a:lnRef>
+          <a:fillRef idx="1">
+            <a:schemeClr val="lt1"/>
+          </a:fillRef>
+          <a:effectRef idx="0">
+            <a:schemeClr val="accent3"/>
+          </a:effectRef>
+          <a:fontRef idx="minor">
+            <a:schemeClr val="dk1"/>
+          </a:fontRef>
+        </p:style>
+        <p:txBody>
+          <a:bodyPr wrap="square" rtlCol="0">
+            <a:spAutoFit/>
+          </a:bodyPr>
+          <a:lstStyle/>
+          <a:p>
+            <a:r>
+              <a:rPr lang="en-US" sz="1100" dirty="0">
+                <a:solidFill>
+                  <a:schemeClr val="bg2"/>
+                </a:solidFill>
+              </a:rPr>
+              <a:t>December 1: The planned increases in tariffs were postponed. </a:t>
+            </a:r>
+          </a:p>
+          <a:p>
+            <a:r>
+              <a:rPr lang="en-US" sz="1100" dirty="0">
+                <a:solidFill>
+                  <a:schemeClr val="bg2"/>
+                </a:solidFill>
+              </a:rPr>
+              <a:t>S&amp;P 500 +1.09%</a:t>
+            </a:r>
+          </a:p>
+          <a:p>
+            <a:endParaRPr lang="en-US" sz="1100" dirty="0">
+              <a:solidFill>
+                <a:schemeClr val="bg2"/>
+              </a:solidFill>
+            </a:endParaRPr>
+          </a:p>
+          <a:p>
+            <a:r>
+              <a:rPr lang="en-US" sz="1100" dirty="0">
+                <a:solidFill>
+                  <a:schemeClr val="bg2"/>
+                </a:solidFill>
+              </a:rPr>
+              <a:t>Afterwards, people found new agreement cannot be reach</a:t>
+            </a:r>
+          </a:p>
+        </p:txBody>
+      </p:sp>
+      <p:cxnSp>
+        <p:nvCxnSpPr>
+          <p:cNvPr id="10" name="Straight Arrow Connector 9">
+            <a:extLst>
+              <a:ext uri="{FF2B5EF4-FFF2-40B4-BE49-F238E27FC236}">
+                <a16:creationId xmlns:a16="http://schemas.microsoft.com/office/drawing/2014/main" id="{B53D2F78-5742-45F4-9FA9-1DEB21DF3252}"/>
+              </a:ext>
+            </a:extLst>
+          </p:cNvPr>
+          <p:cNvCxnSpPr>
+            <a:cxnSpLocks/>
+            <a:stCxn id="5" idx="1"/>
+          </p:cNvCxnSpPr>
+          <p:nvPr/>
+        </p:nvCxnSpPr>
+        <p:spPr>
+          <a:xfrm flipH="1">
+            <a:off x="3906372" y="1731805"/>
+            <a:ext cx="268940" cy="122045"/>
+          </a:xfrm>
+          <a:prstGeom prst="straightConnector1">
+            <a:avLst/>
+          </a:prstGeom>
+          <a:ln>
+            <a:tailEnd type="triangle"/>
+          </a:ln>
+        </p:spPr>
+        <p:style>
+          <a:lnRef idx="1">
+            <a:schemeClr val="accent1"/>
+          </a:lnRef>
+          <a:fillRef idx="0">
+            <a:schemeClr val="accent1"/>
+          </a:fillRef>
+          <a:effectRef idx="0">
+            <a:schemeClr val="accent1"/>
+          </a:effectRef>
+          <a:fontRef idx="minor">
+            <a:schemeClr val="tx1"/>
+          </a:fontRef>
+        </p:style>
+      </p:cxnSp>
+    </p:spTree>
+    <p:extLst>
+      <p:ext uri="{BB962C8B-B14F-4D97-AF65-F5344CB8AC3E}">
+        <p14:creationId xmlns:p14="http://schemas.microsoft.com/office/powerpoint/2010/main" val="3930024042"/>
+      </p:ext>
+    </p:extLst>
+  </p:cSld>
+  <p:clrMapOvr>
+    <a:masterClrMapping/>
+  </p:clrMapOvr>
+</p:sld>
+</file>
+
+<file path=ppt/slides/slide5.xml><?xml version="1.0" encoding="utf-8"?>
+<p:sld xmlns:a="http://schemas.openxmlformats.org/drawingml/2006/main" xmlns:r="http://schemas.openxmlformats.org/officeDocument/2006/relationships" xmlns:p="http://schemas.openxmlformats.org/presentationml/2006/main">
+  <p:cSld>
+    <p:spTree>
+      <p:nvGrpSpPr>
         <p:cNvPr id="1" name="Shape 91"/>
         <p:cNvGrpSpPr/>
         <p:nvPr/>
@@ -20903,7 +22119,7 @@
 </p:sld>
 </file>
 
-<file path=ppt/slides/slide5.xml><?xml version="1.0" encoding="utf-8"?>
+<file path=ppt/slides/slide6.xml><?xml version="1.0" encoding="utf-8"?>
 <p:sld xmlns:a="http://schemas.openxmlformats.org/drawingml/2006/main" xmlns:r="http://schemas.openxmlformats.org/officeDocument/2006/relationships" xmlns:p="http://schemas.openxmlformats.org/presentationml/2006/main">
   <p:cSld>
     <p:spTree>
@@ -21006,7 +22222,7 @@
 </p:sld>
 </file>
 
-<file path=ppt/slides/slide6.xml><?xml version="1.0" encoding="utf-8"?>
+<file path=ppt/slides/slide7.xml><?xml version="1.0" encoding="utf-8"?>
 <p:sld xmlns:a="http://schemas.openxmlformats.org/drawingml/2006/main" xmlns:r="http://schemas.openxmlformats.org/officeDocument/2006/relationships" xmlns:p="http://schemas.openxmlformats.org/presentationml/2006/main">
   <p:cSld>
     <p:spTree>
@@ -21288,7 +22504,7 @@
 </p:sld>
 </file>
 
-<file path=ppt/slides/slide7.xml><?xml version="1.0" encoding="utf-8"?>
+<file path=ppt/slides/slide8.xml><?xml version="1.0" encoding="utf-8"?>
 <p:sld xmlns:a="http://schemas.openxmlformats.org/drawingml/2006/main" xmlns:r="http://schemas.openxmlformats.org/officeDocument/2006/relationships" xmlns:p="http://schemas.openxmlformats.org/presentationml/2006/main">
   <p:cSld>
     <p:spTree>
@@ -22297,7 +23513,7 @@
 </p:sld>
 </file>
 
-<file path=ppt/slides/slide8.xml><?xml version="1.0" encoding="utf-8"?>
+<file path=ppt/slides/slide9.xml><?xml version="1.0" encoding="utf-8"?>
 <p:sld xmlns:a="http://schemas.openxmlformats.org/drawingml/2006/main" xmlns:r="http://schemas.openxmlformats.org/officeDocument/2006/relationships" xmlns:p="http://schemas.openxmlformats.org/presentationml/2006/main">
   <p:cSld>
     <p:spTree>
@@ -23297,1015 +24513,6 @@
     <p:extLst>
       <p:ext uri="{BB962C8B-B14F-4D97-AF65-F5344CB8AC3E}">
         <p14:creationId xmlns:p14="http://schemas.microsoft.com/office/powerpoint/2010/main" val="3216621033"/>
-      </p:ext>
-    </p:extLst>
-  </p:cSld>
-  <p:clrMapOvr>
-    <a:masterClrMapping/>
-  </p:clrMapOvr>
-</p:sld>
-</file>
-
-<file path=ppt/slides/slide9.xml><?xml version="1.0" encoding="utf-8"?>
-<p:sld xmlns:a="http://schemas.openxmlformats.org/drawingml/2006/main" xmlns:r="http://schemas.openxmlformats.org/officeDocument/2006/relationships" xmlns:p="http://schemas.openxmlformats.org/presentationml/2006/main">
-  <p:cSld>
-    <p:spTree>
-      <p:nvGrpSpPr>
-        <p:cNvPr id="1" name=""/>
-        <p:cNvGrpSpPr/>
-        <p:nvPr/>
-      </p:nvGrpSpPr>
-      <p:grpSpPr>
-        <a:xfrm>
-          <a:off x="0" y="0"/>
-          <a:ext cx="0" cy="0"/>
-          <a:chOff x="0" y="0"/>
-          <a:chExt cx="0" cy="0"/>
-        </a:xfrm>
-      </p:grpSpPr>
-      <p:cxnSp>
-        <p:nvCxnSpPr>
-          <p:cNvPr id="2" name="Straight Connector 1">
-            <a:extLst>
-              <a:ext uri="{FF2B5EF4-FFF2-40B4-BE49-F238E27FC236}">
-                <a16:creationId xmlns:a16="http://schemas.microsoft.com/office/drawing/2014/main" id="{319904F0-63FC-41A9-A921-EB7EE8478AEE}"/>
-              </a:ext>
-            </a:extLst>
-          </p:cNvPr>
-          <p:cNvCxnSpPr/>
-          <p:nvPr/>
-        </p:nvCxnSpPr>
-        <p:spPr>
-          <a:xfrm flipV="1">
-            <a:off x="40407" y="2496533"/>
-            <a:ext cx="8921303" cy="11532"/>
-          </a:xfrm>
-          <a:prstGeom prst="line">
-            <a:avLst/>
-          </a:prstGeom>
-          <a:ln w="28575">
-            <a:prstDash val="dash"/>
-          </a:ln>
-        </p:spPr>
-        <p:style>
-          <a:lnRef idx="1">
-            <a:schemeClr val="dk1"/>
-          </a:lnRef>
-          <a:fillRef idx="0">
-            <a:schemeClr val="dk1"/>
-          </a:fillRef>
-          <a:effectRef idx="0">
-            <a:schemeClr val="dk1"/>
-          </a:effectRef>
-          <a:fontRef idx="minor">
-            <a:schemeClr val="tx1"/>
-          </a:fontRef>
-        </p:style>
-      </p:cxnSp>
-      <p:pic>
-        <p:nvPicPr>
-          <p:cNvPr id="3074" name="Picture 2">
-            <a:extLst>
-              <a:ext uri="{FF2B5EF4-FFF2-40B4-BE49-F238E27FC236}">
-                <a16:creationId xmlns:a16="http://schemas.microsoft.com/office/drawing/2014/main" id="{4B6F9A24-076A-4721-948F-5784C7D766CD}"/>
-              </a:ext>
-            </a:extLst>
-          </p:cNvPr>
-          <p:cNvPicPr>
-            <a:picLocks noChangeAspect="1" noChangeArrowheads="1"/>
-          </p:cNvPicPr>
-          <p:nvPr/>
-        </p:nvPicPr>
-        <p:blipFill>
-          <a:blip r:embed="rId2">
-            <a:extLst>
-              <a:ext uri="{28A0092B-C50C-407E-A947-70E740481C1C}">
-                <a14:useLocalDpi xmlns:a14="http://schemas.microsoft.com/office/drawing/2010/main" val="0"/>
-              </a:ext>
-            </a:extLst>
-          </a:blip>
-          <a:srcRect/>
-          <a:stretch>
-            <a:fillRect/>
-          </a:stretch>
-        </p:blipFill>
-        <p:spPr bwMode="auto">
-          <a:xfrm>
-            <a:off x="97042" y="39185"/>
-            <a:ext cx="1786197" cy="1234440"/>
-          </a:xfrm>
-          <a:prstGeom prst="rect">
-            <a:avLst/>
-          </a:prstGeom>
-          <a:noFill/>
-          <a:extLst>
-            <a:ext uri="{909E8E84-426E-40DD-AFC4-6F175D3DCCD1}">
-              <a14:hiddenFill xmlns:a14="http://schemas.microsoft.com/office/drawing/2010/main">
-                <a:solidFill>
-                  <a:srgbClr val="FFFFFF"/>
-                </a:solidFill>
-              </a14:hiddenFill>
-            </a:ext>
-          </a:extLst>
-        </p:spPr>
-      </p:pic>
-      <p:pic>
-        <p:nvPicPr>
-          <p:cNvPr id="3076" name="Picture 4">
-            <a:extLst>
-              <a:ext uri="{FF2B5EF4-FFF2-40B4-BE49-F238E27FC236}">
-                <a16:creationId xmlns:a16="http://schemas.microsoft.com/office/drawing/2014/main" id="{C5597E9D-2AD4-4FCE-B261-94291DF85C5E}"/>
-              </a:ext>
-            </a:extLst>
-          </p:cNvPr>
-          <p:cNvPicPr>
-            <a:picLocks noChangeAspect="1" noChangeArrowheads="1"/>
-          </p:cNvPicPr>
-          <p:nvPr/>
-        </p:nvPicPr>
-        <p:blipFill>
-          <a:blip r:embed="rId3">
-            <a:extLst>
-              <a:ext uri="{28A0092B-C50C-407E-A947-70E740481C1C}">
-                <a14:useLocalDpi xmlns:a14="http://schemas.microsoft.com/office/drawing/2010/main" val="0"/>
-              </a:ext>
-            </a:extLst>
-          </a:blip>
-          <a:srcRect/>
-          <a:stretch>
-            <a:fillRect/>
-          </a:stretch>
-        </p:blipFill>
-        <p:spPr bwMode="auto">
-          <a:xfrm>
-            <a:off x="82529" y="1263338"/>
-            <a:ext cx="1696245" cy="1234440"/>
-          </a:xfrm>
-          <a:prstGeom prst="rect">
-            <a:avLst/>
-          </a:prstGeom>
-          <a:noFill/>
-          <a:extLst>
-            <a:ext uri="{909E8E84-426E-40DD-AFC4-6F175D3DCCD1}">
-              <a14:hiddenFill xmlns:a14="http://schemas.microsoft.com/office/drawing/2010/main">
-                <a:solidFill>
-                  <a:srgbClr val="FFFFFF"/>
-                </a:solidFill>
-              </a14:hiddenFill>
-            </a:ext>
-          </a:extLst>
-        </p:spPr>
-      </p:pic>
-      <p:pic>
-        <p:nvPicPr>
-          <p:cNvPr id="3078" name="Picture 6">
-            <a:extLst>
-              <a:ext uri="{FF2B5EF4-FFF2-40B4-BE49-F238E27FC236}">
-                <a16:creationId xmlns:a16="http://schemas.microsoft.com/office/drawing/2014/main" id="{71133079-10BF-4010-9280-50D3D396EB46}"/>
-              </a:ext>
-            </a:extLst>
-          </p:cNvPr>
-          <p:cNvPicPr>
-            <a:picLocks noChangeAspect="1" noChangeArrowheads="1"/>
-          </p:cNvPicPr>
-          <p:nvPr/>
-        </p:nvPicPr>
-        <p:blipFill>
-          <a:blip r:embed="rId4">
-            <a:extLst>
-              <a:ext uri="{28A0092B-C50C-407E-A947-70E740481C1C}">
-                <a14:useLocalDpi xmlns:a14="http://schemas.microsoft.com/office/drawing/2010/main" val="0"/>
-              </a:ext>
-            </a:extLst>
-          </a:blip>
-          <a:srcRect/>
-          <a:stretch>
-            <a:fillRect/>
-          </a:stretch>
-        </p:blipFill>
-        <p:spPr bwMode="auto">
-          <a:xfrm>
-            <a:off x="1907633" y="80822"/>
-            <a:ext cx="1748790" cy="1234440"/>
-          </a:xfrm>
-          <a:prstGeom prst="rect">
-            <a:avLst/>
-          </a:prstGeom>
-          <a:noFill/>
-          <a:extLst>
-            <a:ext uri="{909E8E84-426E-40DD-AFC4-6F175D3DCCD1}">
-              <a14:hiddenFill xmlns:a14="http://schemas.microsoft.com/office/drawing/2010/main">
-                <a:solidFill>
-                  <a:srgbClr val="FFFFFF"/>
-                </a:solidFill>
-              </a14:hiddenFill>
-            </a:ext>
-          </a:extLst>
-        </p:spPr>
-      </p:pic>
-      <p:pic>
-        <p:nvPicPr>
-          <p:cNvPr id="3080" name="Picture 8">
-            <a:extLst>
-              <a:ext uri="{FF2B5EF4-FFF2-40B4-BE49-F238E27FC236}">
-                <a16:creationId xmlns:a16="http://schemas.microsoft.com/office/drawing/2014/main" id="{B9D9867A-9389-42A8-9D43-1D6B54AA6B89}"/>
-              </a:ext>
-            </a:extLst>
-          </p:cNvPr>
-          <p:cNvPicPr>
-            <a:picLocks noChangeAspect="1" noChangeArrowheads="1"/>
-          </p:cNvPicPr>
-          <p:nvPr/>
-        </p:nvPicPr>
-        <p:blipFill>
-          <a:blip r:embed="rId5">
-            <a:extLst>
-              <a:ext uri="{28A0092B-C50C-407E-A947-70E740481C1C}">
-                <a14:useLocalDpi xmlns:a14="http://schemas.microsoft.com/office/drawing/2010/main" val="0"/>
-              </a:ext>
-            </a:extLst>
-          </a:blip>
-          <a:srcRect/>
-          <a:stretch>
-            <a:fillRect/>
-          </a:stretch>
-        </p:blipFill>
-        <p:spPr bwMode="auto">
-          <a:xfrm>
-            <a:off x="1856501" y="1273625"/>
-            <a:ext cx="1696245" cy="1234440"/>
-          </a:xfrm>
-          <a:prstGeom prst="rect">
-            <a:avLst/>
-          </a:prstGeom>
-          <a:noFill/>
-          <a:extLst>
-            <a:ext uri="{909E8E84-426E-40DD-AFC4-6F175D3DCCD1}">
-              <a14:hiddenFill xmlns:a14="http://schemas.microsoft.com/office/drawing/2010/main">
-                <a:solidFill>
-                  <a:srgbClr val="FFFFFF"/>
-                </a:solidFill>
-              </a14:hiddenFill>
-            </a:ext>
-          </a:extLst>
-        </p:spPr>
-      </p:pic>
-      <p:pic>
-        <p:nvPicPr>
-          <p:cNvPr id="3082" name="Picture 10">
-            <a:extLst>
-              <a:ext uri="{FF2B5EF4-FFF2-40B4-BE49-F238E27FC236}">
-                <a16:creationId xmlns:a16="http://schemas.microsoft.com/office/drawing/2014/main" id="{A2EC3276-9B0C-41AF-BD2F-5CFE423A5F24}"/>
-              </a:ext>
-            </a:extLst>
-          </p:cNvPr>
-          <p:cNvPicPr>
-            <a:picLocks noChangeAspect="1" noChangeArrowheads="1"/>
-          </p:cNvPicPr>
-          <p:nvPr/>
-        </p:nvPicPr>
-        <p:blipFill>
-          <a:blip r:embed="rId6">
-            <a:extLst>
-              <a:ext uri="{28A0092B-C50C-407E-A947-70E740481C1C}">
-                <a14:useLocalDpi xmlns:a14="http://schemas.microsoft.com/office/drawing/2010/main" val="0"/>
-              </a:ext>
-            </a:extLst>
-          </a:blip>
-          <a:srcRect/>
-          <a:stretch>
-            <a:fillRect/>
-          </a:stretch>
-        </p:blipFill>
-        <p:spPr bwMode="auto">
-          <a:xfrm>
-            <a:off x="3619532" y="85727"/>
-            <a:ext cx="1786197" cy="1234440"/>
-          </a:xfrm>
-          <a:prstGeom prst="rect">
-            <a:avLst/>
-          </a:prstGeom>
-          <a:noFill/>
-          <a:extLst>
-            <a:ext uri="{909E8E84-426E-40DD-AFC4-6F175D3DCCD1}">
-              <a14:hiddenFill xmlns:a14="http://schemas.microsoft.com/office/drawing/2010/main">
-                <a:solidFill>
-                  <a:srgbClr val="FFFFFF"/>
-                </a:solidFill>
-              </a14:hiddenFill>
-            </a:ext>
-          </a:extLst>
-        </p:spPr>
-      </p:pic>
-      <p:pic>
-        <p:nvPicPr>
-          <p:cNvPr id="3084" name="Picture 12">
-            <a:extLst>
-              <a:ext uri="{FF2B5EF4-FFF2-40B4-BE49-F238E27FC236}">
-                <a16:creationId xmlns:a16="http://schemas.microsoft.com/office/drawing/2014/main" id="{42E95BC4-21E0-4142-9DB0-13E30477C76A}"/>
-              </a:ext>
-            </a:extLst>
-          </p:cNvPr>
-          <p:cNvPicPr>
-            <a:picLocks noChangeAspect="1" noChangeArrowheads="1"/>
-          </p:cNvPicPr>
-          <p:nvPr/>
-        </p:nvPicPr>
-        <p:blipFill>
-          <a:blip r:embed="rId7">
-            <a:extLst>
-              <a:ext uri="{28A0092B-C50C-407E-A947-70E740481C1C}">
-                <a14:useLocalDpi xmlns:a14="http://schemas.microsoft.com/office/drawing/2010/main" val="0"/>
-              </a:ext>
-            </a:extLst>
-          </a:blip>
-          <a:srcRect/>
-          <a:stretch>
-            <a:fillRect/>
-          </a:stretch>
-        </p:blipFill>
-        <p:spPr bwMode="auto">
-          <a:xfrm>
-            <a:off x="3656423" y="1283432"/>
-            <a:ext cx="1696245" cy="1234440"/>
-          </a:xfrm>
-          <a:prstGeom prst="rect">
-            <a:avLst/>
-          </a:prstGeom>
-          <a:noFill/>
-          <a:extLst>
-            <a:ext uri="{909E8E84-426E-40DD-AFC4-6F175D3DCCD1}">
-              <a14:hiddenFill xmlns:a14="http://schemas.microsoft.com/office/drawing/2010/main">
-                <a:solidFill>
-                  <a:srgbClr val="FFFFFF"/>
-                </a:solidFill>
-              </a14:hiddenFill>
-            </a:ext>
-          </a:extLst>
-        </p:spPr>
-      </p:pic>
-      <p:pic>
-        <p:nvPicPr>
-          <p:cNvPr id="3086" name="Picture 14">
-            <a:extLst>
-              <a:ext uri="{FF2B5EF4-FFF2-40B4-BE49-F238E27FC236}">
-                <a16:creationId xmlns:a16="http://schemas.microsoft.com/office/drawing/2014/main" id="{68A684CE-23F5-4F0A-9AD9-02C9A7B8CEC7}"/>
-              </a:ext>
-            </a:extLst>
-          </p:cNvPr>
-          <p:cNvPicPr>
-            <a:picLocks noChangeAspect="1" noChangeArrowheads="1"/>
-          </p:cNvPicPr>
-          <p:nvPr/>
-        </p:nvPicPr>
-        <p:blipFill>
-          <a:blip r:embed="rId8">
-            <a:extLst>
-              <a:ext uri="{28A0092B-C50C-407E-A947-70E740481C1C}">
-                <a14:useLocalDpi xmlns:a14="http://schemas.microsoft.com/office/drawing/2010/main" val="0"/>
-              </a:ext>
-            </a:extLst>
-          </a:blip>
-          <a:srcRect/>
-          <a:stretch>
-            <a:fillRect/>
-          </a:stretch>
-        </p:blipFill>
-        <p:spPr bwMode="auto">
-          <a:xfrm>
-            <a:off x="5368839" y="64907"/>
-            <a:ext cx="1786197" cy="1234440"/>
-          </a:xfrm>
-          <a:prstGeom prst="rect">
-            <a:avLst/>
-          </a:prstGeom>
-          <a:noFill/>
-          <a:extLst>
-            <a:ext uri="{909E8E84-426E-40DD-AFC4-6F175D3DCCD1}">
-              <a14:hiddenFill xmlns:a14="http://schemas.microsoft.com/office/drawing/2010/main">
-                <a:solidFill>
-                  <a:srgbClr val="FFFFFF"/>
-                </a:solidFill>
-              </a14:hiddenFill>
-            </a:ext>
-          </a:extLst>
-        </p:spPr>
-      </p:pic>
-      <p:pic>
-        <p:nvPicPr>
-          <p:cNvPr id="3088" name="Picture 16">
-            <a:extLst>
-              <a:ext uri="{FF2B5EF4-FFF2-40B4-BE49-F238E27FC236}">
-                <a16:creationId xmlns:a16="http://schemas.microsoft.com/office/drawing/2014/main" id="{40BE091E-C78B-4CB4-ADF7-7AF99C429666}"/>
-              </a:ext>
-            </a:extLst>
-          </p:cNvPr>
-          <p:cNvPicPr>
-            <a:picLocks noChangeAspect="1" noChangeArrowheads="1"/>
-          </p:cNvPicPr>
-          <p:nvPr/>
-        </p:nvPicPr>
-        <p:blipFill>
-          <a:blip r:embed="rId9">
-            <a:extLst>
-              <a:ext uri="{28A0092B-C50C-407E-A947-70E740481C1C}">
-                <a14:useLocalDpi xmlns:a14="http://schemas.microsoft.com/office/drawing/2010/main" val="0"/>
-              </a:ext>
-            </a:extLst>
-          </a:blip>
-          <a:srcRect/>
-          <a:stretch>
-            <a:fillRect/>
-          </a:stretch>
-        </p:blipFill>
-        <p:spPr bwMode="auto">
-          <a:xfrm>
-            <a:off x="5437564" y="1270814"/>
-            <a:ext cx="1696245" cy="1234440"/>
-          </a:xfrm>
-          <a:prstGeom prst="rect">
-            <a:avLst/>
-          </a:prstGeom>
-          <a:noFill/>
-          <a:extLst>
-            <a:ext uri="{909E8E84-426E-40DD-AFC4-6F175D3DCCD1}">
-              <a14:hiddenFill xmlns:a14="http://schemas.microsoft.com/office/drawing/2010/main">
-                <a:solidFill>
-                  <a:srgbClr val="FFFFFF"/>
-                </a:solidFill>
-              </a14:hiddenFill>
-            </a:ext>
-          </a:extLst>
-        </p:spPr>
-      </p:pic>
-      <p:pic>
-        <p:nvPicPr>
-          <p:cNvPr id="3090" name="Picture 18">
-            <a:extLst>
-              <a:ext uri="{FF2B5EF4-FFF2-40B4-BE49-F238E27FC236}">
-                <a16:creationId xmlns:a16="http://schemas.microsoft.com/office/drawing/2014/main" id="{65A7F148-E605-4C87-982F-33831406BF5E}"/>
-              </a:ext>
-            </a:extLst>
-          </p:cNvPr>
-          <p:cNvPicPr>
-            <a:picLocks noChangeAspect="1" noChangeArrowheads="1"/>
-          </p:cNvPicPr>
-          <p:nvPr/>
-        </p:nvPicPr>
-        <p:blipFill>
-          <a:blip r:embed="rId10">
-            <a:extLst>
-              <a:ext uri="{28A0092B-C50C-407E-A947-70E740481C1C}">
-                <a14:useLocalDpi xmlns:a14="http://schemas.microsoft.com/office/drawing/2010/main" val="0"/>
-              </a:ext>
-            </a:extLst>
-          </a:blip>
-          <a:srcRect/>
-          <a:stretch>
-            <a:fillRect/>
-          </a:stretch>
-        </p:blipFill>
-        <p:spPr bwMode="auto">
-          <a:xfrm>
-            <a:off x="7128753" y="80822"/>
-            <a:ext cx="1832957" cy="1234440"/>
-          </a:xfrm>
-          <a:prstGeom prst="rect">
-            <a:avLst/>
-          </a:prstGeom>
-          <a:noFill/>
-          <a:extLst>
-            <a:ext uri="{909E8E84-426E-40DD-AFC4-6F175D3DCCD1}">
-              <a14:hiddenFill xmlns:a14="http://schemas.microsoft.com/office/drawing/2010/main">
-                <a:solidFill>
-                  <a:srgbClr val="FFFFFF"/>
-                </a:solidFill>
-              </a14:hiddenFill>
-            </a:ext>
-          </a:extLst>
-        </p:spPr>
-      </p:pic>
-      <p:pic>
-        <p:nvPicPr>
-          <p:cNvPr id="3092" name="Picture 20">
-            <a:extLst>
-              <a:ext uri="{FF2B5EF4-FFF2-40B4-BE49-F238E27FC236}">
-                <a16:creationId xmlns:a16="http://schemas.microsoft.com/office/drawing/2014/main" id="{E9BF0C24-A055-4D0C-8413-F14D839DFA3C}"/>
-              </a:ext>
-            </a:extLst>
-          </p:cNvPr>
-          <p:cNvPicPr>
-            <a:picLocks noChangeAspect="1" noChangeArrowheads="1"/>
-          </p:cNvPicPr>
-          <p:nvPr/>
-        </p:nvPicPr>
-        <p:blipFill>
-          <a:blip r:embed="rId11">
-            <a:extLst>
-              <a:ext uri="{28A0092B-C50C-407E-A947-70E740481C1C}">
-                <a14:useLocalDpi xmlns:a14="http://schemas.microsoft.com/office/drawing/2010/main" val="0"/>
-              </a:ext>
-            </a:extLst>
-          </a:blip>
-          <a:srcRect/>
-          <a:stretch>
-            <a:fillRect/>
-          </a:stretch>
-        </p:blipFill>
-        <p:spPr bwMode="auto">
-          <a:xfrm>
-            <a:off x="14173" y="2571750"/>
-            <a:ext cx="1832957" cy="1234440"/>
-          </a:xfrm>
-          <a:prstGeom prst="rect">
-            <a:avLst/>
-          </a:prstGeom>
-          <a:noFill/>
-          <a:extLst>
-            <a:ext uri="{909E8E84-426E-40DD-AFC4-6F175D3DCCD1}">
-              <a14:hiddenFill xmlns:a14="http://schemas.microsoft.com/office/drawing/2010/main">
-                <a:solidFill>
-                  <a:srgbClr val="FFFFFF"/>
-                </a:solidFill>
-              </a14:hiddenFill>
-            </a:ext>
-          </a:extLst>
-        </p:spPr>
-      </p:pic>
-      <p:pic>
-        <p:nvPicPr>
-          <p:cNvPr id="3094" name="Picture 22">
-            <a:extLst>
-              <a:ext uri="{FF2B5EF4-FFF2-40B4-BE49-F238E27FC236}">
-                <a16:creationId xmlns:a16="http://schemas.microsoft.com/office/drawing/2014/main" id="{935040F8-516F-4093-AE17-E59C92578E03}"/>
-              </a:ext>
-            </a:extLst>
-          </p:cNvPr>
-          <p:cNvPicPr>
-            <a:picLocks noChangeAspect="1" noChangeArrowheads="1"/>
-          </p:cNvPicPr>
-          <p:nvPr/>
-        </p:nvPicPr>
-        <p:blipFill>
-          <a:blip r:embed="rId12">
-            <a:extLst>
-              <a:ext uri="{28A0092B-C50C-407E-A947-70E740481C1C}">
-                <a14:useLocalDpi xmlns:a14="http://schemas.microsoft.com/office/drawing/2010/main" val="0"/>
-              </a:ext>
-            </a:extLst>
-          </a:blip>
-          <a:srcRect/>
-          <a:stretch>
-            <a:fillRect/>
-          </a:stretch>
-        </p:blipFill>
-        <p:spPr bwMode="auto">
-          <a:xfrm>
-            <a:off x="7218705" y="1299347"/>
-            <a:ext cx="1696245" cy="1234440"/>
-          </a:xfrm>
-          <a:prstGeom prst="rect">
-            <a:avLst/>
-          </a:prstGeom>
-          <a:noFill/>
-          <a:extLst>
-            <a:ext uri="{909E8E84-426E-40DD-AFC4-6F175D3DCCD1}">
-              <a14:hiddenFill xmlns:a14="http://schemas.microsoft.com/office/drawing/2010/main">
-                <a:solidFill>
-                  <a:srgbClr val="FFFFFF"/>
-                </a:solidFill>
-              </a14:hiddenFill>
-            </a:ext>
-          </a:extLst>
-        </p:spPr>
-      </p:pic>
-      <p:pic>
-        <p:nvPicPr>
-          <p:cNvPr id="3096" name="Picture 24">
-            <a:extLst>
-              <a:ext uri="{FF2B5EF4-FFF2-40B4-BE49-F238E27FC236}">
-                <a16:creationId xmlns:a16="http://schemas.microsoft.com/office/drawing/2014/main" id="{F5CF228B-FC8D-4B62-8591-D4FAA6D0F897}"/>
-              </a:ext>
-            </a:extLst>
-          </p:cNvPr>
-          <p:cNvPicPr>
-            <a:picLocks noChangeAspect="1" noChangeArrowheads="1"/>
-          </p:cNvPicPr>
-          <p:nvPr/>
-        </p:nvPicPr>
-        <p:blipFill>
-          <a:blip r:embed="rId13">
-            <a:extLst>
-              <a:ext uri="{28A0092B-C50C-407E-A947-70E740481C1C}">
-                <a14:useLocalDpi xmlns:a14="http://schemas.microsoft.com/office/drawing/2010/main" val="0"/>
-              </a:ext>
-            </a:extLst>
-          </a:blip>
-          <a:srcRect/>
-          <a:stretch>
-            <a:fillRect/>
-          </a:stretch>
-        </p:blipFill>
-        <p:spPr bwMode="auto">
-          <a:xfrm>
-            <a:off x="82529" y="3835208"/>
-            <a:ext cx="1696245" cy="1234440"/>
-          </a:xfrm>
-          <a:prstGeom prst="rect">
-            <a:avLst/>
-          </a:prstGeom>
-          <a:noFill/>
-          <a:extLst>
-            <a:ext uri="{909E8E84-426E-40DD-AFC4-6F175D3DCCD1}">
-              <a14:hiddenFill xmlns:a14="http://schemas.microsoft.com/office/drawing/2010/main">
-                <a:solidFill>
-                  <a:srgbClr val="FFFFFF"/>
-                </a:solidFill>
-              </a14:hiddenFill>
-            </a:ext>
-          </a:extLst>
-        </p:spPr>
-      </p:pic>
-      <p:pic>
-        <p:nvPicPr>
-          <p:cNvPr id="3098" name="Picture 26">
-            <a:extLst>
-              <a:ext uri="{FF2B5EF4-FFF2-40B4-BE49-F238E27FC236}">
-                <a16:creationId xmlns:a16="http://schemas.microsoft.com/office/drawing/2014/main" id="{E3001424-AC67-4855-B061-804EB600457D}"/>
-              </a:ext>
-            </a:extLst>
-          </p:cNvPr>
-          <p:cNvPicPr>
-            <a:picLocks noChangeAspect="1" noChangeArrowheads="1"/>
-          </p:cNvPicPr>
-          <p:nvPr/>
-        </p:nvPicPr>
-        <p:blipFill>
-          <a:blip r:embed="rId14">
-            <a:extLst>
-              <a:ext uri="{28A0092B-C50C-407E-A947-70E740481C1C}">
-                <a14:useLocalDpi xmlns:a14="http://schemas.microsoft.com/office/drawing/2010/main" val="0"/>
-              </a:ext>
-            </a:extLst>
-          </a:blip>
-          <a:srcRect/>
-          <a:stretch>
-            <a:fillRect/>
-          </a:stretch>
-        </p:blipFill>
-        <p:spPr bwMode="auto">
-          <a:xfrm>
-            <a:off x="1792863" y="2580931"/>
-            <a:ext cx="1832957" cy="1234440"/>
-          </a:xfrm>
-          <a:prstGeom prst="rect">
-            <a:avLst/>
-          </a:prstGeom>
-          <a:noFill/>
-          <a:extLst>
-            <a:ext uri="{909E8E84-426E-40DD-AFC4-6F175D3DCCD1}">
-              <a14:hiddenFill xmlns:a14="http://schemas.microsoft.com/office/drawing/2010/main">
-                <a:solidFill>
-                  <a:srgbClr val="FFFFFF"/>
-                </a:solidFill>
-              </a14:hiddenFill>
-            </a:ext>
-          </a:extLst>
-        </p:spPr>
-      </p:pic>
-      <p:pic>
-        <p:nvPicPr>
-          <p:cNvPr id="3100" name="Picture 28">
-            <a:extLst>
-              <a:ext uri="{FF2B5EF4-FFF2-40B4-BE49-F238E27FC236}">
-                <a16:creationId xmlns:a16="http://schemas.microsoft.com/office/drawing/2014/main" id="{406AA581-AD5E-4E0A-800A-AE85A9205700}"/>
-              </a:ext>
-            </a:extLst>
-          </p:cNvPr>
-          <p:cNvPicPr>
-            <a:picLocks noChangeAspect="1" noChangeArrowheads="1"/>
-          </p:cNvPicPr>
-          <p:nvPr/>
-        </p:nvPicPr>
-        <p:blipFill>
-          <a:blip r:embed="rId15">
-            <a:extLst>
-              <a:ext uri="{28A0092B-C50C-407E-A947-70E740481C1C}">
-                <a14:useLocalDpi xmlns:a14="http://schemas.microsoft.com/office/drawing/2010/main" val="0"/>
-              </a:ext>
-            </a:extLst>
-          </a:blip>
-          <a:srcRect/>
-          <a:stretch>
-            <a:fillRect/>
-          </a:stretch>
-        </p:blipFill>
-        <p:spPr bwMode="auto">
-          <a:xfrm>
-            <a:off x="1885529" y="3851743"/>
-            <a:ext cx="1696245" cy="1234440"/>
-          </a:xfrm>
-          <a:prstGeom prst="rect">
-            <a:avLst/>
-          </a:prstGeom>
-          <a:noFill/>
-          <a:extLst>
-            <a:ext uri="{909E8E84-426E-40DD-AFC4-6F175D3DCCD1}">
-              <a14:hiddenFill xmlns:a14="http://schemas.microsoft.com/office/drawing/2010/main">
-                <a:solidFill>
-                  <a:srgbClr val="FFFFFF"/>
-                </a:solidFill>
-              </a14:hiddenFill>
-            </a:ext>
-          </a:extLst>
-        </p:spPr>
-      </p:pic>
-      <p:pic>
-        <p:nvPicPr>
-          <p:cNvPr id="3102" name="Picture 30">
-            <a:extLst>
-              <a:ext uri="{FF2B5EF4-FFF2-40B4-BE49-F238E27FC236}">
-                <a16:creationId xmlns:a16="http://schemas.microsoft.com/office/drawing/2014/main" id="{C1310306-E2E9-48EF-B36F-F4FA9082E601}"/>
-              </a:ext>
-            </a:extLst>
-          </p:cNvPr>
-          <p:cNvPicPr>
-            <a:picLocks noChangeAspect="1" noChangeArrowheads="1"/>
-          </p:cNvPicPr>
-          <p:nvPr/>
-        </p:nvPicPr>
-        <p:blipFill>
-          <a:blip r:embed="rId16">
-            <a:extLst>
-              <a:ext uri="{28A0092B-C50C-407E-A947-70E740481C1C}">
-                <a14:useLocalDpi xmlns:a14="http://schemas.microsoft.com/office/drawing/2010/main" val="0"/>
-              </a:ext>
-            </a:extLst>
-          </a:blip>
-          <a:srcRect/>
-          <a:stretch>
-            <a:fillRect/>
-          </a:stretch>
-        </p:blipFill>
-        <p:spPr bwMode="auto">
-          <a:xfrm>
-            <a:off x="3655522" y="2604047"/>
-            <a:ext cx="1832957" cy="1234440"/>
-          </a:xfrm>
-          <a:prstGeom prst="rect">
-            <a:avLst/>
-          </a:prstGeom>
-          <a:noFill/>
-          <a:extLst>
-            <a:ext uri="{909E8E84-426E-40DD-AFC4-6F175D3DCCD1}">
-              <a14:hiddenFill xmlns:a14="http://schemas.microsoft.com/office/drawing/2010/main">
-                <a:solidFill>
-                  <a:srgbClr val="FFFFFF"/>
-                </a:solidFill>
-              </a14:hiddenFill>
-            </a:ext>
-          </a:extLst>
-        </p:spPr>
-      </p:pic>
-      <p:pic>
-        <p:nvPicPr>
-          <p:cNvPr id="3104" name="Picture 32">
-            <a:extLst>
-              <a:ext uri="{FF2B5EF4-FFF2-40B4-BE49-F238E27FC236}">
-                <a16:creationId xmlns:a16="http://schemas.microsoft.com/office/drawing/2014/main" id="{206386FF-86FA-4915-B6EF-60F3CD85EA0C}"/>
-              </a:ext>
-            </a:extLst>
-          </p:cNvPr>
-          <p:cNvPicPr>
-            <a:picLocks noChangeAspect="1" noChangeArrowheads="1"/>
-          </p:cNvPicPr>
-          <p:nvPr/>
-        </p:nvPicPr>
-        <p:blipFill>
-          <a:blip r:embed="rId17">
-            <a:extLst>
-              <a:ext uri="{28A0092B-C50C-407E-A947-70E740481C1C}">
-                <a14:useLocalDpi xmlns:a14="http://schemas.microsoft.com/office/drawing/2010/main" val="0"/>
-              </a:ext>
-            </a:extLst>
-          </a:blip>
-          <a:srcRect/>
-          <a:stretch>
-            <a:fillRect/>
-          </a:stretch>
-        </p:blipFill>
-        <p:spPr bwMode="auto">
-          <a:xfrm>
-            <a:off x="3661460" y="3834345"/>
-            <a:ext cx="1696245" cy="1234440"/>
-          </a:xfrm>
-          <a:prstGeom prst="rect">
-            <a:avLst/>
-          </a:prstGeom>
-          <a:noFill/>
-          <a:extLst>
-            <a:ext uri="{909E8E84-426E-40DD-AFC4-6F175D3DCCD1}">
-              <a14:hiddenFill xmlns:a14="http://schemas.microsoft.com/office/drawing/2010/main">
-                <a:solidFill>
-                  <a:srgbClr val="FFFFFF"/>
-                </a:solidFill>
-              </a14:hiddenFill>
-            </a:ext>
-          </a:extLst>
-        </p:spPr>
-      </p:pic>
-      <p:pic>
-        <p:nvPicPr>
-          <p:cNvPr id="3106" name="Picture 34">
-            <a:extLst>
-              <a:ext uri="{FF2B5EF4-FFF2-40B4-BE49-F238E27FC236}">
-                <a16:creationId xmlns:a16="http://schemas.microsoft.com/office/drawing/2014/main" id="{25F7EE51-B0D1-4D32-BEC6-E04D4D4417E5}"/>
-              </a:ext>
-            </a:extLst>
-          </p:cNvPr>
-          <p:cNvPicPr>
-            <a:picLocks noChangeAspect="1" noChangeArrowheads="1"/>
-          </p:cNvPicPr>
-          <p:nvPr/>
-        </p:nvPicPr>
-        <p:blipFill>
-          <a:blip r:embed="rId18">
-            <a:extLst>
-              <a:ext uri="{28A0092B-C50C-407E-A947-70E740481C1C}">
-                <a14:useLocalDpi xmlns:a14="http://schemas.microsoft.com/office/drawing/2010/main" val="0"/>
-              </a:ext>
-            </a:extLst>
-          </a:blip>
-          <a:srcRect/>
-          <a:stretch>
-            <a:fillRect/>
-          </a:stretch>
-        </p:blipFill>
-        <p:spPr bwMode="auto">
-          <a:xfrm>
-            <a:off x="5447956" y="2609957"/>
-            <a:ext cx="1832957" cy="1234440"/>
-          </a:xfrm>
-          <a:prstGeom prst="rect">
-            <a:avLst/>
-          </a:prstGeom>
-          <a:noFill/>
-          <a:extLst>
-            <a:ext uri="{909E8E84-426E-40DD-AFC4-6F175D3DCCD1}">
-              <a14:hiddenFill xmlns:a14="http://schemas.microsoft.com/office/drawing/2010/main">
-                <a:solidFill>
-                  <a:srgbClr val="FFFFFF"/>
-                </a:solidFill>
-              </a14:hiddenFill>
-            </a:ext>
-          </a:extLst>
-        </p:spPr>
-      </p:pic>
-      <p:pic>
-        <p:nvPicPr>
-          <p:cNvPr id="3108" name="Picture 36">
-            <a:extLst>
-              <a:ext uri="{FF2B5EF4-FFF2-40B4-BE49-F238E27FC236}">
-                <a16:creationId xmlns:a16="http://schemas.microsoft.com/office/drawing/2014/main" id="{34083A4C-9039-422E-AE06-900B20D57498}"/>
-              </a:ext>
-            </a:extLst>
-          </p:cNvPr>
-          <p:cNvPicPr>
-            <a:picLocks noChangeAspect="1" noChangeArrowheads="1"/>
-          </p:cNvPicPr>
-          <p:nvPr/>
-        </p:nvPicPr>
-        <p:blipFill>
-          <a:blip r:embed="rId19">
-            <a:extLst>
-              <a:ext uri="{28A0092B-C50C-407E-A947-70E740481C1C}">
-                <a14:useLocalDpi xmlns:a14="http://schemas.microsoft.com/office/drawing/2010/main" val="0"/>
-              </a:ext>
-            </a:extLst>
-          </a:blip>
-          <a:srcRect/>
-          <a:stretch>
-            <a:fillRect/>
-          </a:stretch>
-        </p:blipFill>
-        <p:spPr bwMode="auto">
-          <a:xfrm>
-            <a:off x="5527147" y="3845608"/>
-            <a:ext cx="1696245" cy="1234440"/>
-          </a:xfrm>
-          <a:prstGeom prst="rect">
-            <a:avLst/>
-          </a:prstGeom>
-          <a:noFill/>
-          <a:extLst>
-            <a:ext uri="{909E8E84-426E-40DD-AFC4-6F175D3DCCD1}">
-              <a14:hiddenFill xmlns:a14="http://schemas.microsoft.com/office/drawing/2010/main">
-                <a:solidFill>
-                  <a:srgbClr val="FFFFFF"/>
-                </a:solidFill>
-              </a14:hiddenFill>
-            </a:ext>
-          </a:extLst>
-        </p:spPr>
-      </p:pic>
-      <p:pic>
-        <p:nvPicPr>
-          <p:cNvPr id="3110" name="Picture 38">
-            <a:extLst>
-              <a:ext uri="{FF2B5EF4-FFF2-40B4-BE49-F238E27FC236}">
-                <a16:creationId xmlns:a16="http://schemas.microsoft.com/office/drawing/2014/main" id="{B58BF91F-CB4C-4CF0-B0F3-841D4E858761}"/>
-              </a:ext>
-            </a:extLst>
-          </p:cNvPr>
-          <p:cNvPicPr>
-            <a:picLocks noChangeAspect="1" noChangeArrowheads="1"/>
-          </p:cNvPicPr>
-          <p:nvPr/>
-        </p:nvPicPr>
-        <p:blipFill>
-          <a:blip r:embed="rId20">
-            <a:extLst>
-              <a:ext uri="{28A0092B-C50C-407E-A947-70E740481C1C}">
-                <a14:useLocalDpi xmlns:a14="http://schemas.microsoft.com/office/drawing/2010/main" val="0"/>
-              </a:ext>
-            </a:extLst>
-          </a:blip>
-          <a:srcRect/>
-          <a:stretch>
-            <a:fillRect/>
-          </a:stretch>
-        </p:blipFill>
-        <p:spPr bwMode="auto">
-          <a:xfrm>
-            <a:off x="7155036" y="2612767"/>
-            <a:ext cx="1832957" cy="1234440"/>
-          </a:xfrm>
-          <a:prstGeom prst="rect">
-            <a:avLst/>
-          </a:prstGeom>
-          <a:noFill/>
-          <a:extLst>
-            <a:ext uri="{909E8E84-426E-40DD-AFC4-6F175D3DCCD1}">
-              <a14:hiddenFill xmlns:a14="http://schemas.microsoft.com/office/drawing/2010/main">
-                <a:solidFill>
-                  <a:srgbClr val="FFFFFF"/>
-                </a:solidFill>
-              </a14:hiddenFill>
-            </a:ext>
-          </a:extLst>
-        </p:spPr>
-      </p:pic>
-      <p:pic>
-        <p:nvPicPr>
-          <p:cNvPr id="3112" name="Picture 40">
-            <a:extLst>
-              <a:ext uri="{FF2B5EF4-FFF2-40B4-BE49-F238E27FC236}">
-                <a16:creationId xmlns:a16="http://schemas.microsoft.com/office/drawing/2014/main" id="{8C082CDD-9E66-4937-94EA-39358097907B}"/>
-              </a:ext>
-            </a:extLst>
-          </p:cNvPr>
-          <p:cNvPicPr>
-            <a:picLocks noChangeAspect="1" noChangeArrowheads="1"/>
-          </p:cNvPicPr>
-          <p:nvPr/>
-        </p:nvPicPr>
-        <p:blipFill>
-          <a:blip r:embed="rId21">
-            <a:extLst>
-              <a:ext uri="{28A0092B-C50C-407E-A947-70E740481C1C}">
-                <a14:useLocalDpi xmlns:a14="http://schemas.microsoft.com/office/drawing/2010/main" val="0"/>
-              </a:ext>
-            </a:extLst>
-          </a:blip>
-          <a:srcRect/>
-          <a:stretch>
-            <a:fillRect/>
-          </a:stretch>
-        </p:blipFill>
-        <p:spPr bwMode="auto">
-          <a:xfrm>
-            <a:off x="7291748" y="3845608"/>
-            <a:ext cx="1696245" cy="1234440"/>
-          </a:xfrm>
-          <a:prstGeom prst="rect">
-            <a:avLst/>
-          </a:prstGeom>
-          <a:noFill/>
-          <a:extLst>
-            <a:ext uri="{909E8E84-426E-40DD-AFC4-6F175D3DCCD1}">
-              <a14:hiddenFill xmlns:a14="http://schemas.microsoft.com/office/drawing/2010/main">
-                <a:solidFill>
-                  <a:srgbClr val="FFFFFF"/>
-                </a:solidFill>
-              </a14:hiddenFill>
-            </a:ext>
-          </a:extLst>
-        </p:spPr>
-      </p:pic>
-    </p:spTree>
-    <p:extLst>
-      <p:ext uri="{BB962C8B-B14F-4D97-AF65-F5344CB8AC3E}">
-        <p14:creationId xmlns:p14="http://schemas.microsoft.com/office/powerpoint/2010/main" val="381281365"/>
       </p:ext>
     </p:extLst>
   </p:cSld>

--- a/Examination of Domestic Economic Impact of the US-China Trade War by Analyzing Stock Market Fluctuations with Unsupervised Machine Learning.pptx
+++ b/Examination of Domestic Economic Impact of the US-China Trade War by Analyzing Stock Market Fluctuations with Unsupervised Machine Learning.pptx
@@ -1821,10 +1821,16 @@
         <a:lstStyle/>
         <a:p>
           <a:r>
-            <a:rPr lang="en-US" b="0" i="0" dirty="0"/>
+            <a:rPr lang="en-US" b="0" i="0" dirty="0">
+              <a:latin typeface="Times New Roman" panose="02020603050405020304" pitchFamily="18" charset="0"/>
+              <a:cs typeface="Times New Roman" panose="02020603050405020304" pitchFamily="18" charset="0"/>
+            </a:rPr>
             <a:t>3 Phases </a:t>
           </a:r>
-          <a:endParaRPr lang="en-US" dirty="0"/>
+          <a:endParaRPr lang="en-US" dirty="0">
+            <a:latin typeface="Times New Roman" panose="02020603050405020304" pitchFamily="18" charset="0"/>
+            <a:cs typeface="Times New Roman" panose="02020603050405020304" pitchFamily="18" charset="0"/>
+          </a:endParaRPr>
         </a:p>
       </dgm:t>
     </dgm:pt>
@@ -1862,10 +1868,16 @@
             <a:buAutoNum type="arabicPeriod"/>
           </a:pPr>
           <a:r>
-            <a:rPr lang="en-US" b="0" i="0" dirty="0"/>
+            <a:rPr lang="en-US" b="0" i="0" dirty="0">
+              <a:latin typeface="Times New Roman" panose="02020603050405020304" pitchFamily="18" charset="0"/>
+              <a:cs typeface="Times New Roman" panose="02020603050405020304" pitchFamily="18" charset="0"/>
+            </a:rPr>
             <a:t>Data collection and cleaning</a:t>
           </a:r>
-          <a:endParaRPr lang="en-US" dirty="0"/>
+          <a:endParaRPr lang="en-US" dirty="0">
+            <a:latin typeface="Times New Roman" panose="02020603050405020304" pitchFamily="18" charset="0"/>
+            <a:cs typeface="Times New Roman" panose="02020603050405020304" pitchFamily="18" charset="0"/>
+          </a:endParaRPr>
         </a:p>
       </dgm:t>
     </dgm:pt>
@@ -1903,10 +1915,16 @@
             <a:buAutoNum type="arabicPeriod"/>
           </a:pPr>
           <a:r>
-            <a:rPr lang="en-US" b="0" i="0" dirty="0"/>
+            <a:rPr lang="en-US" b="0" i="0" dirty="0">
+              <a:latin typeface="Times New Roman" panose="02020603050405020304" pitchFamily="18" charset="0"/>
+              <a:cs typeface="Times New Roman" panose="02020603050405020304" pitchFamily="18" charset="0"/>
+            </a:rPr>
             <a:t>Training data through unsupervised machine learning </a:t>
           </a:r>
-          <a:endParaRPr lang="en-US" dirty="0"/>
+          <a:endParaRPr lang="en-US" dirty="0">
+            <a:latin typeface="Times New Roman" panose="02020603050405020304" pitchFamily="18" charset="0"/>
+            <a:cs typeface="Times New Roman" panose="02020603050405020304" pitchFamily="18" charset="0"/>
+          </a:endParaRPr>
         </a:p>
       </dgm:t>
     </dgm:pt>
@@ -1944,10 +1962,16 @@
             <a:buAutoNum type="arabicPeriod"/>
           </a:pPr>
           <a:r>
-            <a:rPr lang="en-US" b="0" i="0" dirty="0"/>
+            <a:rPr lang="en-US" b="0" i="0" dirty="0">
+              <a:latin typeface="Times New Roman" panose="02020603050405020304" pitchFamily="18" charset="0"/>
+              <a:cs typeface="Times New Roman" panose="02020603050405020304" pitchFamily="18" charset="0"/>
+            </a:rPr>
             <a:t>Analyzing clusters and trend </a:t>
           </a:r>
-          <a:endParaRPr lang="en-US" dirty="0"/>
+          <a:endParaRPr lang="en-US" dirty="0">
+            <a:latin typeface="Times New Roman" panose="02020603050405020304" pitchFamily="18" charset="0"/>
+            <a:cs typeface="Times New Roman" panose="02020603050405020304" pitchFamily="18" charset="0"/>
+          </a:endParaRPr>
         </a:p>
       </dgm:t>
     </dgm:pt>
@@ -2052,10 +2076,16 @@
         <a:lstStyle/>
         <a:p>
           <a:r>
-            <a:rPr lang="en-US" b="0" i="0"/>
+            <a:rPr lang="en-US" b="0" i="0" dirty="0">
+              <a:latin typeface="Times New Roman" panose="02020603050405020304" pitchFamily="18" charset="0"/>
+              <a:cs typeface="Times New Roman" panose="02020603050405020304" pitchFamily="18" charset="0"/>
+            </a:rPr>
             <a:t>Collected historical stock data through Alpha Vantage API</a:t>
           </a:r>
-          <a:endParaRPr lang="en-US"/>
+          <a:endParaRPr lang="en-US" dirty="0">
+            <a:latin typeface="Times New Roman" panose="02020603050405020304" pitchFamily="18" charset="0"/>
+            <a:cs typeface="Times New Roman" panose="02020603050405020304" pitchFamily="18" charset="0"/>
+          </a:endParaRPr>
         </a:p>
       </dgm:t>
     </dgm:pt>
@@ -2089,10 +2119,16 @@
         <a:lstStyle/>
         <a:p>
           <a:r>
-            <a:rPr lang="en-US" b="0" i="0"/>
+            <a:rPr lang="en-US" b="0" i="0" dirty="0">
+              <a:latin typeface="Times New Roman" panose="02020603050405020304" pitchFamily="18" charset="0"/>
+              <a:cs typeface="Times New Roman" panose="02020603050405020304" pitchFamily="18" charset="0"/>
+            </a:rPr>
             <a:t>Sorted out stocks registered before June 28, 2016 and closed after October 7, 2019 </a:t>
           </a:r>
-          <a:endParaRPr lang="en-US"/>
+          <a:endParaRPr lang="en-US" dirty="0">
+            <a:latin typeface="Times New Roman" panose="02020603050405020304" pitchFamily="18" charset="0"/>
+            <a:cs typeface="Times New Roman" panose="02020603050405020304" pitchFamily="18" charset="0"/>
+          </a:endParaRPr>
         </a:p>
       </dgm:t>
     </dgm:pt>
@@ -2126,10 +2162,16 @@
         <a:lstStyle/>
         <a:p>
           <a:r>
-            <a:rPr lang="en-US" b="0" i="0" dirty="0"/>
+            <a:rPr lang="en-US" b="0" i="0" dirty="0">
+              <a:latin typeface="Times New Roman" panose="02020603050405020304" pitchFamily="18" charset="0"/>
+              <a:cs typeface="Times New Roman" panose="02020603050405020304" pitchFamily="18" charset="0"/>
+            </a:rPr>
             <a:t>2555 NYSE stocks + 2524 NASDAQ stocks</a:t>
           </a:r>
-          <a:endParaRPr lang="en-US" dirty="0"/>
+          <a:endParaRPr lang="en-US" dirty="0">
+            <a:latin typeface="Times New Roman" panose="02020603050405020304" pitchFamily="18" charset="0"/>
+            <a:cs typeface="Times New Roman" panose="02020603050405020304" pitchFamily="18" charset="0"/>
+          </a:endParaRPr>
         </a:p>
       </dgm:t>
     </dgm:pt>
@@ -2250,8 +2292,8 @@
       </dsp:nvSpPr>
       <dsp:spPr>
         <a:xfrm>
-          <a:off x="0" y="136432"/>
-          <a:ext cx="7688700" cy="662400"/>
+          <a:off x="0" y="6765"/>
+          <a:ext cx="7688700" cy="748800"/>
         </a:xfrm>
         <a:prstGeom prst="rect">
           <a:avLst/>
@@ -2292,12 +2334,12 @@
         </a:fontRef>
       </dsp:style>
       <dsp:txBody>
-        <a:bodyPr spcFirstLastPara="0" vert="horz" wrap="square" lIns="163576" tIns="93472" rIns="163576" bIns="93472" numCol="1" spcCol="1270" anchor="ctr" anchorCtr="0">
+        <a:bodyPr spcFirstLastPara="0" vert="horz" wrap="square" lIns="184912" tIns="105664" rIns="184912" bIns="105664" numCol="1" spcCol="1270" anchor="ctr" anchorCtr="0">
           <a:noAutofit/>
         </a:bodyPr>
         <a:lstStyle/>
         <a:p>
-          <a:pPr marL="0" lvl="0" indent="0" algn="ctr" defTabSz="1022350">
+          <a:pPr marL="0" lvl="0" indent="0" algn="ctr" defTabSz="1155700">
             <a:lnSpc>
               <a:spcPct val="90000"/>
             </a:lnSpc>
@@ -2310,15 +2352,21 @@
             <a:buNone/>
           </a:pPr>
           <a:r>
-            <a:rPr lang="en-US" sz="2300" b="0" i="0" kern="1200" dirty="0"/>
+            <a:rPr lang="en-US" sz="2600" b="0" i="0" kern="1200" dirty="0">
+              <a:latin typeface="Times New Roman" panose="02020603050405020304" pitchFamily="18" charset="0"/>
+              <a:cs typeface="Times New Roman" panose="02020603050405020304" pitchFamily="18" charset="0"/>
+            </a:rPr>
             <a:t>3 Phases </a:t>
           </a:r>
-          <a:endParaRPr lang="en-US" sz="2300" kern="1200" dirty="0"/>
+          <a:endParaRPr lang="en-US" sz="2600" kern="1200" dirty="0">
+            <a:latin typeface="Times New Roman" panose="02020603050405020304" pitchFamily="18" charset="0"/>
+            <a:cs typeface="Times New Roman" panose="02020603050405020304" pitchFamily="18" charset="0"/>
+          </a:endParaRPr>
         </a:p>
       </dsp:txBody>
       <dsp:txXfrm>
-        <a:off x="0" y="136432"/>
-        <a:ext cx="7688700" cy="662400"/>
+        <a:off x="0" y="6765"/>
+        <a:ext cx="7688700" cy="748800"/>
       </dsp:txXfrm>
     </dsp:sp>
     <dsp:sp modelId="{FF427032-0518-4FF2-BA30-E4C210DAB648}">
@@ -2328,8 +2376,8 @@
       </dsp:nvSpPr>
       <dsp:spPr>
         <a:xfrm>
-          <a:off x="0" y="798832"/>
-          <a:ext cx="7688700" cy="1325835"/>
+          <a:off x="0" y="755565"/>
+          <a:ext cx="7688700" cy="1498769"/>
         </a:xfrm>
         <a:prstGeom prst="rect">
           <a:avLst/>
@@ -2372,12 +2420,12 @@
         <a:fontRef idx="minor"/>
       </dsp:style>
       <dsp:txBody>
-        <a:bodyPr spcFirstLastPara="0" vert="horz" wrap="square" lIns="122682" tIns="122682" rIns="163576" bIns="184023" numCol="1" spcCol="1270" anchor="t" anchorCtr="0">
+        <a:bodyPr spcFirstLastPara="0" vert="horz" wrap="square" lIns="138684" tIns="138684" rIns="184912" bIns="208026" numCol="1" spcCol="1270" anchor="t" anchorCtr="0">
           <a:noAutofit/>
         </a:bodyPr>
         <a:lstStyle/>
         <a:p>
-          <a:pPr marL="228600" lvl="1" indent="-228600" algn="l" defTabSz="1022350">
+          <a:pPr marL="228600" lvl="1" indent="-228600" algn="l" defTabSz="1155700">
             <a:lnSpc>
               <a:spcPct val="90000"/>
             </a:lnSpc>
@@ -2391,13 +2439,19 @@
             <a:buAutoNum type="arabicPeriod"/>
           </a:pPr>
           <a:r>
-            <a:rPr lang="en-US" sz="2300" b="0" i="0" kern="1200" dirty="0"/>
+            <a:rPr lang="en-US" sz="2600" b="0" i="0" kern="1200" dirty="0">
+              <a:latin typeface="Times New Roman" panose="02020603050405020304" pitchFamily="18" charset="0"/>
+              <a:cs typeface="Times New Roman" panose="02020603050405020304" pitchFamily="18" charset="0"/>
+            </a:rPr>
             <a:t>Data collection and cleaning</a:t>
           </a:r>
-          <a:endParaRPr lang="en-US" sz="2300" kern="1200" dirty="0"/>
+          <a:endParaRPr lang="en-US" sz="2600" kern="1200" dirty="0">
+            <a:latin typeface="Times New Roman" panose="02020603050405020304" pitchFamily="18" charset="0"/>
+            <a:cs typeface="Times New Roman" panose="02020603050405020304" pitchFamily="18" charset="0"/>
+          </a:endParaRPr>
         </a:p>
         <a:p>
-          <a:pPr marL="228600" lvl="1" indent="-228600" algn="l" defTabSz="1022350">
+          <a:pPr marL="228600" lvl="1" indent="-228600" algn="l" defTabSz="1155700">
             <a:lnSpc>
               <a:spcPct val="90000"/>
             </a:lnSpc>
@@ -2411,13 +2465,19 @@
             <a:buAutoNum type="arabicPeriod"/>
           </a:pPr>
           <a:r>
-            <a:rPr lang="en-US" sz="2300" b="0" i="0" kern="1200" dirty="0"/>
+            <a:rPr lang="en-US" sz="2600" b="0" i="0" kern="1200" dirty="0">
+              <a:latin typeface="Times New Roman" panose="02020603050405020304" pitchFamily="18" charset="0"/>
+              <a:cs typeface="Times New Roman" panose="02020603050405020304" pitchFamily="18" charset="0"/>
+            </a:rPr>
             <a:t>Training data through unsupervised machine learning </a:t>
           </a:r>
-          <a:endParaRPr lang="en-US" sz="2300" kern="1200" dirty="0"/>
+          <a:endParaRPr lang="en-US" sz="2600" kern="1200" dirty="0">
+            <a:latin typeface="Times New Roman" panose="02020603050405020304" pitchFamily="18" charset="0"/>
+            <a:cs typeface="Times New Roman" panose="02020603050405020304" pitchFamily="18" charset="0"/>
+          </a:endParaRPr>
         </a:p>
         <a:p>
-          <a:pPr marL="228600" lvl="1" indent="-228600" algn="l" defTabSz="1022350">
+          <a:pPr marL="228600" lvl="1" indent="-228600" algn="l" defTabSz="1155700">
             <a:lnSpc>
               <a:spcPct val="90000"/>
             </a:lnSpc>
@@ -2431,15 +2491,21 @@
             <a:buAutoNum type="arabicPeriod"/>
           </a:pPr>
           <a:r>
-            <a:rPr lang="en-US" sz="2300" b="0" i="0" kern="1200" dirty="0"/>
+            <a:rPr lang="en-US" sz="2600" b="0" i="0" kern="1200" dirty="0">
+              <a:latin typeface="Times New Roman" panose="02020603050405020304" pitchFamily="18" charset="0"/>
+              <a:cs typeface="Times New Roman" panose="02020603050405020304" pitchFamily="18" charset="0"/>
+            </a:rPr>
             <a:t>Analyzing clusters and trend </a:t>
           </a:r>
-          <a:endParaRPr lang="en-US" sz="2300" kern="1200" dirty="0"/>
+          <a:endParaRPr lang="en-US" sz="2600" kern="1200" dirty="0">
+            <a:latin typeface="Times New Roman" panose="02020603050405020304" pitchFamily="18" charset="0"/>
+            <a:cs typeface="Times New Roman" panose="02020603050405020304" pitchFamily="18" charset="0"/>
+          </a:endParaRPr>
         </a:p>
       </dsp:txBody>
       <dsp:txXfrm>
-        <a:off x="0" y="798832"/>
-        <a:ext cx="7688700" cy="1325835"/>
+        <a:off x="0" y="755565"/>
+        <a:ext cx="7688700" cy="1498769"/>
       </dsp:txXfrm>
     </dsp:sp>
   </dsp:spTree>
@@ -2461,8 +2527,8 @@
       </dsp:nvSpPr>
       <dsp:spPr>
         <a:xfrm>
-          <a:off x="6757" y="355545"/>
-          <a:ext cx="2019706" cy="1439040"/>
+          <a:off x="6853" y="345322"/>
+          <a:ext cx="2048400" cy="1459485"/>
         </a:xfrm>
         <a:prstGeom prst="roundRect">
           <a:avLst>
@@ -2523,15 +2589,21 @@
             <a:buNone/>
           </a:pPr>
           <a:r>
-            <a:rPr lang="en-US" sz="1800" b="0" i="0" kern="1200"/>
+            <a:rPr lang="en-US" sz="1800" b="0" i="0" kern="1200" dirty="0">
+              <a:latin typeface="Times New Roman" panose="02020603050405020304" pitchFamily="18" charset="0"/>
+              <a:cs typeface="Times New Roman" panose="02020603050405020304" pitchFamily="18" charset="0"/>
+            </a:rPr>
             <a:t>Collected historical stock data through Alpha Vantage API</a:t>
           </a:r>
-          <a:endParaRPr lang="en-US" sz="1800" kern="1200"/>
+          <a:endParaRPr lang="en-US" sz="1800" kern="1200" dirty="0">
+            <a:latin typeface="Times New Roman" panose="02020603050405020304" pitchFamily="18" charset="0"/>
+            <a:cs typeface="Times New Roman" panose="02020603050405020304" pitchFamily="18" charset="0"/>
+          </a:endParaRPr>
         </a:p>
       </dsp:txBody>
       <dsp:txXfrm>
-        <a:off x="48905" y="397693"/>
-        <a:ext cx="1935410" cy="1354744"/>
+        <a:off x="49600" y="388069"/>
+        <a:ext cx="1962906" cy="1373991"/>
       </dsp:txXfrm>
     </dsp:sp>
     <dsp:sp modelId="{36F23F0B-E6EB-47CE-9A3D-E0FD74B1E2E5}">
@@ -2541,8 +2613,8 @@
       </dsp:nvSpPr>
       <dsp:spPr>
         <a:xfrm>
-          <a:off x="2228434" y="824621"/>
-          <a:ext cx="428177" cy="500887"/>
+          <a:off x="2260093" y="821063"/>
+          <a:ext cx="434260" cy="508003"/>
         </a:xfrm>
         <a:prstGeom prst="rightArrow">
           <a:avLst>
@@ -2600,8 +2672,8 @@
         </a:p>
       </dsp:txBody>
       <dsp:txXfrm>
-        <a:off x="2228434" y="924798"/>
-        <a:ext cx="299724" cy="300533"/>
+        <a:off x="2260093" y="922664"/>
+        <a:ext cx="303982" cy="304801"/>
       </dsp:txXfrm>
     </dsp:sp>
     <dsp:sp modelId="{227457B7-C1E1-4A06-A198-F0A0B91C5E77}">
@@ -2611,8 +2683,8 @@
       </dsp:nvSpPr>
       <dsp:spPr>
         <a:xfrm>
-          <a:off x="2834346" y="355545"/>
-          <a:ext cx="2019706" cy="1439040"/>
+          <a:off x="2874613" y="345322"/>
+          <a:ext cx="2048400" cy="1459485"/>
         </a:xfrm>
         <a:prstGeom prst="roundRect">
           <a:avLst>
@@ -2673,15 +2745,21 @@
             <a:buNone/>
           </a:pPr>
           <a:r>
-            <a:rPr lang="en-US" sz="1800" b="0" i="0" kern="1200"/>
+            <a:rPr lang="en-US" sz="1800" b="0" i="0" kern="1200" dirty="0">
+              <a:latin typeface="Times New Roman" panose="02020603050405020304" pitchFamily="18" charset="0"/>
+              <a:cs typeface="Times New Roman" panose="02020603050405020304" pitchFamily="18" charset="0"/>
+            </a:rPr>
             <a:t>Sorted out stocks registered before June 28, 2016 and closed after October 7, 2019 </a:t>
           </a:r>
-          <a:endParaRPr lang="en-US" sz="1800" kern="1200"/>
+          <a:endParaRPr lang="en-US" sz="1800" kern="1200" dirty="0">
+            <a:latin typeface="Times New Roman" panose="02020603050405020304" pitchFamily="18" charset="0"/>
+            <a:cs typeface="Times New Roman" panose="02020603050405020304" pitchFamily="18" charset="0"/>
+          </a:endParaRPr>
         </a:p>
       </dsp:txBody>
       <dsp:txXfrm>
-        <a:off x="2876494" y="397693"/>
-        <a:ext cx="1935410" cy="1354744"/>
+        <a:off x="2917360" y="388069"/>
+        <a:ext cx="1962906" cy="1373991"/>
       </dsp:txXfrm>
     </dsp:sp>
     <dsp:sp modelId="{067CD5D9-6BBD-4E14-B36D-06E45C5230B8}">
@@ -2691,8 +2769,8 @@
       </dsp:nvSpPr>
       <dsp:spPr>
         <a:xfrm>
-          <a:off x="5056023" y="824621"/>
-          <a:ext cx="428177" cy="500887"/>
+          <a:off x="5127853" y="821063"/>
+          <a:ext cx="434260" cy="508003"/>
         </a:xfrm>
         <a:prstGeom prst="rightArrow">
           <a:avLst>
@@ -2750,8 +2828,8 @@
         </a:p>
       </dsp:txBody>
       <dsp:txXfrm>
-        <a:off x="5056023" y="924798"/>
-        <a:ext cx="299724" cy="300533"/>
+        <a:off x="5127853" y="922664"/>
+        <a:ext cx="303982" cy="304801"/>
       </dsp:txXfrm>
     </dsp:sp>
     <dsp:sp modelId="{1AEB5621-AD85-4E34-A6CD-6D40980053FF}">
@@ -2761,8 +2839,8 @@
       </dsp:nvSpPr>
       <dsp:spPr>
         <a:xfrm>
-          <a:off x="5661935" y="355545"/>
-          <a:ext cx="2019706" cy="1439040"/>
+          <a:off x="5742373" y="345322"/>
+          <a:ext cx="2048400" cy="1459485"/>
         </a:xfrm>
         <a:prstGeom prst="roundRect">
           <a:avLst>
@@ -2823,15 +2901,21 @@
             <a:buNone/>
           </a:pPr>
           <a:r>
-            <a:rPr lang="en-US" sz="1800" b="0" i="0" kern="1200" dirty="0"/>
+            <a:rPr lang="en-US" sz="1800" b="0" i="0" kern="1200" dirty="0">
+              <a:latin typeface="Times New Roman" panose="02020603050405020304" pitchFamily="18" charset="0"/>
+              <a:cs typeface="Times New Roman" panose="02020603050405020304" pitchFamily="18" charset="0"/>
+            </a:rPr>
             <a:t>2555 NYSE stocks + 2524 NASDAQ stocks</a:t>
           </a:r>
-          <a:endParaRPr lang="en-US" sz="1800" kern="1200" dirty="0"/>
+          <a:endParaRPr lang="en-US" sz="1800" kern="1200" dirty="0">
+            <a:latin typeface="Times New Roman" panose="02020603050405020304" pitchFamily="18" charset="0"/>
+            <a:cs typeface="Times New Roman" panose="02020603050405020304" pitchFamily="18" charset="0"/>
+          </a:endParaRPr>
         </a:p>
       </dsp:txBody>
       <dsp:txXfrm>
-        <a:off x="5704083" y="397693"/>
-        <a:ext cx="1935410" cy="1354744"/>
+        <a:off x="5785120" y="388069"/>
+        <a:ext cx="1962906" cy="1373991"/>
       </dsp:txXfrm>
     </dsp:sp>
   </dsp:spTree>
@@ -5739,8 +5823,8 @@
         </p:nvSpPr>
         <p:spPr>
           <a:xfrm>
-            <a:off x="381300" y="685800"/>
-            <a:ext cx="6096075" cy="3429000"/>
+            <a:off x="381000" y="685800"/>
+            <a:ext cx="6096000" cy="3429000"/>
           </a:xfrm>
           <a:custGeom>
             <a:avLst/>
@@ -12952,9 +13036,6 @@
           <a:lstStyle/>
           <a:p>
             <a:pPr marL="0" lvl="0" indent="0" algn="l" rtl="0">
-              <a:lnSpc>
-                <a:spcPct val="200000"/>
-              </a:lnSpc>
               <a:spcBef>
                 <a:spcPts val="1200"/>
               </a:spcBef>
@@ -12964,7 +13045,7 @@
               <a:buNone/>
             </a:pPr>
             <a:r>
-              <a:rPr lang="en" sz="1200">
+              <a:rPr lang="en" dirty="0">
                 <a:solidFill>
                   <a:srgbClr val="000000"/>
                 </a:solidFill>
@@ -12975,7 +13056,91 @@
               </a:rPr>
               <a:t>Xiangyang Meng</a:t>
             </a:r>
-            <a:endParaRPr sz="1200">
+            <a:endParaRPr dirty="0">
+              <a:solidFill>
+                <a:srgbClr val="000000"/>
+              </a:solidFill>
+              <a:latin typeface="Times New Roman"/>
+              <a:ea typeface="Times New Roman"/>
+              <a:cs typeface="Times New Roman"/>
+              <a:sym typeface="Times New Roman"/>
+            </a:endParaRPr>
+          </a:p>
+          <a:p>
+            <a:pPr marL="0" lvl="0" indent="0" algn="l" rtl="0">
+              <a:spcBef>
+                <a:spcPts val="1200"/>
+              </a:spcBef>
+              <a:spcAft>
+                <a:spcPts val="0"/>
+              </a:spcAft>
+              <a:buNone/>
+            </a:pPr>
+            <a:r>
+              <a:rPr lang="en" dirty="0">
+                <a:solidFill>
+                  <a:srgbClr val="000000"/>
+                </a:solidFill>
+                <a:latin typeface="Times New Roman"/>
+                <a:ea typeface="Times New Roman"/>
+                <a:cs typeface="Times New Roman"/>
+                <a:sym typeface="Times New Roman"/>
+              </a:rPr>
+              <a:t>M.S. of Information Technology, School of Business and Technology</a:t>
+            </a:r>
+            <a:endParaRPr dirty="0">
+              <a:solidFill>
+                <a:srgbClr val="000000"/>
+              </a:solidFill>
+              <a:latin typeface="Times New Roman"/>
+              <a:ea typeface="Times New Roman"/>
+              <a:cs typeface="Times New Roman"/>
+              <a:sym typeface="Times New Roman"/>
+            </a:endParaRPr>
+          </a:p>
+          <a:p>
+            <a:pPr marL="0" lvl="0" indent="0" algn="l" rtl="0">
+              <a:spcBef>
+                <a:spcPts val="1200"/>
+              </a:spcBef>
+              <a:spcAft>
+                <a:spcPts val="0"/>
+              </a:spcAft>
+              <a:buNone/>
+            </a:pPr>
+            <a:r>
+              <a:rPr lang="en" dirty="0">
+                <a:solidFill>
+                  <a:srgbClr val="000000"/>
+                </a:solidFill>
+                <a:latin typeface="Times New Roman"/>
+                <a:ea typeface="Times New Roman"/>
+                <a:cs typeface="Times New Roman"/>
+                <a:sym typeface="Times New Roman"/>
+              </a:rPr>
+              <a:t>Mentor: Dr. Michelle Liu, School of Business and Technology</a:t>
+            </a:r>
+            <a:endParaRPr dirty="0">
+              <a:solidFill>
+                <a:srgbClr val="000000"/>
+              </a:solidFill>
+              <a:latin typeface="Times New Roman"/>
+              <a:ea typeface="Times New Roman"/>
+              <a:cs typeface="Times New Roman"/>
+              <a:sym typeface="Times New Roman"/>
+            </a:endParaRPr>
+          </a:p>
+          <a:p>
+            <a:pPr marL="0" lvl="0" indent="0" algn="l" rtl="0">
+              <a:spcBef>
+                <a:spcPts val="1200"/>
+              </a:spcBef>
+              <a:spcAft>
+                <a:spcPts val="0"/>
+              </a:spcAft>
+              <a:buNone/>
+            </a:pPr>
+            <a:endParaRPr dirty="0">
               <a:solidFill>
                 <a:srgbClr val="000000"/>
               </a:solidFill>
@@ -12998,100 +13163,7 @@
               </a:spcAft>
               <a:buNone/>
             </a:pPr>
-            <a:r>
-              <a:rPr lang="en" sz="1200">
-                <a:solidFill>
-                  <a:srgbClr val="000000"/>
-                </a:solidFill>
-                <a:latin typeface="Times New Roman"/>
-                <a:ea typeface="Times New Roman"/>
-                <a:cs typeface="Times New Roman"/>
-                <a:sym typeface="Times New Roman"/>
-              </a:rPr>
-              <a:t>M.S. of Information Technology, School of Business and Technology</a:t>
-            </a:r>
-            <a:endParaRPr sz="1200">
-              <a:solidFill>
-                <a:srgbClr val="000000"/>
-              </a:solidFill>
-              <a:latin typeface="Times New Roman"/>
-              <a:ea typeface="Times New Roman"/>
-              <a:cs typeface="Times New Roman"/>
-              <a:sym typeface="Times New Roman"/>
-            </a:endParaRPr>
-          </a:p>
-          <a:p>
-            <a:pPr marL="0" lvl="0" indent="0" algn="l" rtl="0">
-              <a:lnSpc>
-                <a:spcPct val="200000"/>
-              </a:lnSpc>
-              <a:spcBef>
-                <a:spcPts val="1200"/>
-              </a:spcBef>
-              <a:spcAft>
-                <a:spcPts val="0"/>
-              </a:spcAft>
-              <a:buNone/>
-            </a:pPr>
-            <a:r>
-              <a:rPr lang="en" sz="1200">
-                <a:solidFill>
-                  <a:srgbClr val="000000"/>
-                </a:solidFill>
-                <a:latin typeface="Times New Roman"/>
-                <a:ea typeface="Times New Roman"/>
-                <a:cs typeface="Times New Roman"/>
-                <a:sym typeface="Times New Roman"/>
-              </a:rPr>
-              <a:t>Mentor: Dr. Michelle Liu, School of Business and Technology</a:t>
-            </a:r>
-            <a:endParaRPr sz="1200">
-              <a:solidFill>
-                <a:srgbClr val="000000"/>
-              </a:solidFill>
-              <a:latin typeface="Times New Roman"/>
-              <a:ea typeface="Times New Roman"/>
-              <a:cs typeface="Times New Roman"/>
-              <a:sym typeface="Times New Roman"/>
-            </a:endParaRPr>
-          </a:p>
-          <a:p>
-            <a:pPr marL="0" lvl="0" indent="0" algn="l" rtl="0">
-              <a:lnSpc>
-                <a:spcPct val="200000"/>
-              </a:lnSpc>
-              <a:spcBef>
-                <a:spcPts val="1200"/>
-              </a:spcBef>
-              <a:spcAft>
-                <a:spcPts val="0"/>
-              </a:spcAft>
-              <a:buNone/>
-            </a:pPr>
-            <a:endParaRPr sz="1200">
-              <a:solidFill>
-                <a:srgbClr val="000000"/>
-              </a:solidFill>
-              <a:latin typeface="Times New Roman"/>
-              <a:ea typeface="Times New Roman"/>
-              <a:cs typeface="Times New Roman"/>
-              <a:sym typeface="Times New Roman"/>
-            </a:endParaRPr>
-          </a:p>
-          <a:p>
-            <a:pPr marL="0" lvl="0" indent="0" algn="l" rtl="0">
-              <a:lnSpc>
-                <a:spcPct val="200000"/>
-              </a:lnSpc>
-              <a:spcBef>
-                <a:spcPts val="1200"/>
-              </a:spcBef>
-              <a:spcAft>
-                <a:spcPts val="0"/>
-              </a:spcAft>
-              <a:buNone/>
-            </a:pPr>
-            <a:endParaRPr sz="1200">
+            <a:endParaRPr sz="1200" dirty="0">
               <a:solidFill>
                 <a:srgbClr val="000000"/>
               </a:solidFill>
@@ -13111,7 +13183,7 @@
               </a:spcAft>
               <a:buNone/>
             </a:pPr>
-            <a:endParaRPr/>
+            <a:endParaRPr dirty="0"/>
           </a:p>
         </p:txBody>
       </p:sp>
@@ -18982,7 +19054,10 @@
           <a:lstStyle/>
           <a:p>
             <a:r>
-              <a:rPr lang="en-US" dirty="0"/>
+              <a:rPr lang="en-US" dirty="0">
+                <a:latin typeface="Times New Roman" panose="02020603050405020304" pitchFamily="18" charset="0"/>
+                <a:cs typeface="Times New Roman" panose="02020603050405020304" pitchFamily="18" charset="0"/>
+              </a:rPr>
               <a:t>Research scope</a:t>
             </a:r>
           </a:p>
@@ -19015,55 +19090,79 @@
           <a:lstStyle/>
           <a:p>
             <a:r>
-              <a:rPr lang="en-US" dirty="0"/>
+              <a:rPr lang="en-US" dirty="0">
+                <a:latin typeface="Times New Roman" panose="02020603050405020304" pitchFamily="18" charset="0"/>
+                <a:cs typeface="Times New Roman" panose="02020603050405020304" pitchFamily="18" charset="0"/>
+              </a:rPr>
               <a:t>Stock market is "an anchor" to understand the economic impacts. </a:t>
             </a:r>
           </a:p>
           <a:p>
             <a:pPr lvl="1"/>
             <a:r>
-              <a:rPr lang="en-US" dirty="0"/>
+              <a:rPr lang="en-US" dirty="0">
+                <a:latin typeface="Times New Roman" panose="02020603050405020304" pitchFamily="18" charset="0"/>
+                <a:cs typeface="Times New Roman" panose="02020603050405020304" pitchFamily="18" charset="0"/>
+              </a:rPr>
               <a:t>Every known and influential information reflects on stock prices immediately.</a:t>
             </a:r>
           </a:p>
           <a:p>
             <a:pPr lvl="1"/>
             <a:r>
-              <a:rPr lang="en-US" dirty="0"/>
+              <a:rPr lang="en-US" dirty="0">
+                <a:latin typeface="Times New Roman" panose="02020603050405020304" pitchFamily="18" charset="0"/>
+                <a:cs typeface="Times New Roman" panose="02020603050405020304" pitchFamily="18" charset="0"/>
+              </a:rPr>
               <a:t>Most achievable</a:t>
             </a:r>
           </a:p>
           <a:p>
             <a:pPr lvl="1"/>
             <a:r>
-              <a:rPr lang="en-US" dirty="0"/>
+              <a:rPr lang="en-US" dirty="0">
+                <a:latin typeface="Times New Roman" panose="02020603050405020304" pitchFamily="18" charset="0"/>
+                <a:cs typeface="Times New Roman" panose="02020603050405020304" pitchFamily="18" charset="0"/>
+              </a:rPr>
               <a:t>Real-time data </a:t>
             </a:r>
           </a:p>
           <a:p>
             <a:r>
-              <a:rPr lang="en-US" dirty="0"/>
+              <a:rPr lang="en-US" dirty="0">
+                <a:latin typeface="Times New Roman" panose="02020603050405020304" pitchFamily="18" charset="0"/>
+                <a:cs typeface="Times New Roman" panose="02020603050405020304" pitchFamily="18" charset="0"/>
+              </a:rPr>
               <a:t> Objective and quantitative method to categorize and analyze stock market fluctuation.</a:t>
             </a:r>
           </a:p>
           <a:p>
             <a:pPr lvl="1"/>
             <a:r>
-              <a:rPr lang="en-US" dirty="0"/>
+              <a:rPr lang="en-US" dirty="0">
+                <a:latin typeface="Times New Roman" panose="02020603050405020304" pitchFamily="18" charset="0"/>
+                <a:cs typeface="Times New Roman" panose="02020603050405020304" pitchFamily="18" charset="0"/>
+              </a:rPr>
               <a:t>Unsupervised Machine Learning</a:t>
             </a:r>
           </a:p>
           <a:p>
             <a:pPr lvl="1"/>
             <a:r>
-              <a:rPr lang="en-US" dirty="0"/>
+              <a:rPr lang="en-US" dirty="0">
+                <a:latin typeface="Times New Roman" panose="02020603050405020304" pitchFamily="18" charset="0"/>
+                <a:cs typeface="Times New Roman" panose="02020603050405020304" pitchFamily="18" charset="0"/>
+              </a:rPr>
               <a:t>30 essential dates (June 28, 2016 - October 10, 2019)</a:t>
             </a:r>
           </a:p>
           <a:p>
             <a:pPr lvl="1"/>
             <a:r>
-              <a:rPr lang="en-US" dirty="0"/>
+              <a:rPr lang="en-US" dirty="0">
+                <a:latin typeface="Times New Roman" panose="02020603050405020304" pitchFamily="18" charset="0"/>
+                <a:cs typeface="Times New Roman" panose="02020603050405020304" pitchFamily="18" charset="0"/>
+              </a:rPr>
               <a:t>4779 stocks </a:t>
             </a:r>
           </a:p>
@@ -20046,7 +20145,10 @@
           <a:lstStyle/>
           <a:p>
             <a:r>
-              <a:rPr lang="en-US" dirty="0"/>
+              <a:rPr lang="en-US" dirty="0">
+                <a:latin typeface="Times New Roman" panose="02020603050405020304" pitchFamily="18" charset="0"/>
+                <a:cs typeface="Times New Roman" panose="02020603050405020304" pitchFamily="18" charset="0"/>
+              </a:rPr>
               <a:t>30 essential dates </a:t>
             </a:r>
           </a:p>
@@ -20098,7 +20200,10 @@
               <a:buAutoNum type="arabicPeriod"/>
             </a:pPr>
             <a:r>
-              <a:rPr lang="en-US" sz="1300" dirty="0"/>
+              <a:rPr lang="en-US" sz="1300" dirty="0">
+                <a:latin typeface="Times New Roman" panose="02020603050405020304" pitchFamily="18" charset="0"/>
+                <a:cs typeface="Times New Roman" panose="02020603050405020304" pitchFamily="18" charset="0"/>
+              </a:rPr>
               <a:t>June 28th, 2016        S&amp;P 500: +1.78%</a:t>
             </a:r>
           </a:p>
@@ -20112,7 +20217,10 @@
               <a:buAutoNum type="arabicPeriod"/>
             </a:pPr>
             <a:r>
-              <a:rPr lang="en-US" sz="1300" dirty="0"/>
+              <a:rPr lang="en-US" sz="1300" dirty="0">
+                <a:latin typeface="Times New Roman" panose="02020603050405020304" pitchFamily="18" charset="0"/>
+                <a:cs typeface="Times New Roman" panose="02020603050405020304" pitchFamily="18" charset="0"/>
+              </a:rPr>
               <a:t>March 31th, 2017    S&amp;P 500: -0.23%</a:t>
             </a:r>
           </a:p>
@@ -20126,7 +20234,10 @@
               <a:buAutoNum type="arabicPeriod"/>
             </a:pPr>
             <a:r>
-              <a:rPr lang="en-US" sz="1300" dirty="0"/>
+              <a:rPr lang="en-US" sz="1300" dirty="0">
+                <a:latin typeface="Times New Roman" panose="02020603050405020304" pitchFamily="18" charset="0"/>
+                <a:cs typeface="Times New Roman" panose="02020603050405020304" pitchFamily="18" charset="0"/>
+              </a:rPr>
               <a:t>April 7, 2017           S&amp;P 500: -0.08%</a:t>
             </a:r>
           </a:p>
@@ -20140,7 +20251,10 @@
               <a:buAutoNum type="arabicPeriod"/>
             </a:pPr>
             <a:r>
-              <a:rPr lang="en-US" sz="1300" dirty="0"/>
+              <a:rPr lang="en-US" sz="1300" dirty="0">
+                <a:latin typeface="Times New Roman" panose="02020603050405020304" pitchFamily="18" charset="0"/>
+                <a:cs typeface="Times New Roman" panose="02020603050405020304" pitchFamily="18" charset="0"/>
+              </a:rPr>
               <a:t>July 19, 2017          S&amp;P 500: +0.54%</a:t>
             </a:r>
           </a:p>
@@ -20154,7 +20268,10 @@
               <a:buAutoNum type="arabicPeriod"/>
             </a:pPr>
             <a:r>
-              <a:rPr lang="en-US" sz="1300" dirty="0"/>
+              <a:rPr lang="en-US" sz="1300" dirty="0">
+                <a:latin typeface="Times New Roman" panose="02020603050405020304" pitchFamily="18" charset="0"/>
+                <a:cs typeface="Times New Roman" panose="02020603050405020304" pitchFamily="18" charset="0"/>
+              </a:rPr>
               <a:t>Aug. 14, 2017         S&amp;P 500: +1.00%</a:t>
             </a:r>
           </a:p>
@@ -20168,7 +20285,10 @@
               <a:buAutoNum type="arabicPeriod"/>
             </a:pPr>
             <a:r>
-              <a:rPr lang="en-US" sz="1300" dirty="0"/>
+              <a:rPr lang="en-US" sz="1300" dirty="0">
+                <a:latin typeface="Times New Roman" panose="02020603050405020304" pitchFamily="18" charset="0"/>
+                <a:cs typeface="Times New Roman" panose="02020603050405020304" pitchFamily="18" charset="0"/>
+              </a:rPr>
               <a:t>Jan. 17, 2018           S&amp;P 500: +0.94%</a:t>
             </a:r>
           </a:p>
@@ -20182,7 +20302,10 @@
               <a:buAutoNum type="arabicPeriod"/>
             </a:pPr>
             <a:r>
-              <a:rPr lang="en-US" sz="1300" dirty="0"/>
+              <a:rPr lang="en-US" sz="1300" dirty="0">
+                <a:latin typeface="Times New Roman" panose="02020603050405020304" pitchFamily="18" charset="0"/>
+                <a:cs typeface="Times New Roman" panose="02020603050405020304" pitchFamily="18" charset="0"/>
+              </a:rPr>
               <a:t>Jan. 22, 2018          S&amp;P 500: +0.81%</a:t>
             </a:r>
           </a:p>
@@ -20196,7 +20319,10 @@
               <a:buAutoNum type="arabicPeriod"/>
             </a:pPr>
             <a:r>
-              <a:rPr lang="en-US" sz="1300" dirty="0"/>
+              <a:rPr lang="en-US" sz="1300" dirty="0">
+                <a:latin typeface="Times New Roman" panose="02020603050405020304" pitchFamily="18" charset="0"/>
+                <a:cs typeface="Times New Roman" panose="02020603050405020304" pitchFamily="18" charset="0"/>
+              </a:rPr>
               <a:t>March 8, 2018        S&amp;P 500: +0.45%</a:t>
             </a:r>
           </a:p>
@@ -20210,7 +20336,10 @@
               <a:buAutoNum type="arabicPeriod"/>
             </a:pPr>
             <a:r>
-              <a:rPr lang="en-US" sz="1300" dirty="0"/>
+              <a:rPr lang="en-US" sz="1300" dirty="0">
+                <a:latin typeface="Times New Roman" panose="02020603050405020304" pitchFamily="18" charset="0"/>
+                <a:cs typeface="Times New Roman" panose="02020603050405020304" pitchFamily="18" charset="0"/>
+              </a:rPr>
               <a:t>April 2, 2018          S&amp;P 500: -2.23%</a:t>
             </a:r>
           </a:p>
@@ -20224,7 +20353,10 @@
               <a:buAutoNum type="arabicPeriod"/>
             </a:pPr>
             <a:r>
-              <a:rPr lang="en-US" sz="1300" dirty="0"/>
+              <a:rPr lang="en-US" sz="1300" dirty="0">
+                <a:latin typeface="Times New Roman" panose="02020603050405020304" pitchFamily="18" charset="0"/>
+                <a:cs typeface="Times New Roman" panose="02020603050405020304" pitchFamily="18" charset="0"/>
+              </a:rPr>
               <a:t>April 3, 2018          S&amp;P 500: +1.26%</a:t>
             </a:r>
           </a:p>
@@ -20238,7 +20370,10 @@
               <a:buAutoNum type="arabicPeriod"/>
             </a:pPr>
             <a:r>
-              <a:rPr lang="en-US" sz="1300" dirty="0"/>
+              <a:rPr lang="en-US" sz="1300" dirty="0">
+                <a:latin typeface="Times New Roman" panose="02020603050405020304" pitchFamily="18" charset="0"/>
+                <a:cs typeface="Times New Roman" panose="02020603050405020304" pitchFamily="18" charset="0"/>
+              </a:rPr>
               <a:t>April 4, 2018          S&amp;P 500: +1.16%</a:t>
             </a:r>
           </a:p>
@@ -20252,7 +20387,10 @@
               <a:buAutoNum type="arabicPeriod"/>
             </a:pPr>
             <a:r>
-              <a:rPr lang="en-US" sz="1300" dirty="0"/>
+              <a:rPr lang="en-US" sz="1300" dirty="0">
+                <a:latin typeface="Times New Roman" panose="02020603050405020304" pitchFamily="18" charset="0"/>
+                <a:cs typeface="Times New Roman" panose="02020603050405020304" pitchFamily="18" charset="0"/>
+              </a:rPr>
               <a:t>June 15, 2018         S&amp;P 500: -0.10%</a:t>
             </a:r>
           </a:p>
@@ -20266,7 +20404,10 @@
               <a:buAutoNum type="arabicPeriod"/>
             </a:pPr>
             <a:r>
-              <a:rPr lang="en-US" sz="1300" dirty="0"/>
+              <a:rPr lang="en-US" sz="1300" dirty="0">
+                <a:latin typeface="Times New Roman" panose="02020603050405020304" pitchFamily="18" charset="0"/>
+                <a:cs typeface="Times New Roman" panose="02020603050405020304" pitchFamily="18" charset="0"/>
+              </a:rPr>
               <a:t>July 10, 2018         S&amp;P 500: +0.35%</a:t>
             </a:r>
           </a:p>
@@ -20280,7 +20421,10 @@
               <a:buAutoNum type="arabicPeriod"/>
             </a:pPr>
             <a:r>
-              <a:rPr lang="en-US" sz="1300" dirty="0"/>
+              <a:rPr lang="en-US" sz="1300" dirty="0">
+                <a:latin typeface="Times New Roman" panose="02020603050405020304" pitchFamily="18" charset="0"/>
+                <a:cs typeface="Times New Roman" panose="02020603050405020304" pitchFamily="18" charset="0"/>
+              </a:rPr>
               <a:t>Aug. 1, 2018          S&amp;P 500: -0.10%</a:t>
             </a:r>
           </a:p>
@@ -20294,7 +20438,10 @@
               <a:buAutoNum type="arabicPeriod"/>
             </a:pPr>
             <a:r>
-              <a:rPr lang="en-US" sz="1300" dirty="0"/>
+              <a:rPr lang="en-US" sz="1300" dirty="0">
+                <a:latin typeface="Times New Roman" panose="02020603050405020304" pitchFamily="18" charset="0"/>
+                <a:cs typeface="Times New Roman" panose="02020603050405020304" pitchFamily="18" charset="0"/>
+              </a:rPr>
               <a:t>Aug. 7, 2018         S&amp;P 500: +0.28%</a:t>
             </a:r>
           </a:p>
@@ -20307,7 +20454,10 @@
               <a:buFont typeface="+mj-lt"/>
               <a:buAutoNum type="arabicPeriod"/>
             </a:pPr>
-            <a:endParaRPr lang="en-US" sz="1300" dirty="0"/>
+            <a:endParaRPr lang="en-US" sz="1300" dirty="0">
+              <a:latin typeface="Times New Roman" panose="02020603050405020304" pitchFamily="18" charset="0"/>
+              <a:cs typeface="Times New Roman" panose="02020603050405020304" pitchFamily="18" charset="0"/>
+            </a:endParaRPr>
           </a:p>
           <a:p>
             <a:pPr marL="488950" lvl="1" indent="-342900">
@@ -20318,7 +20468,10 @@
               <a:buFont typeface="+mj-lt"/>
               <a:buAutoNum type="arabicPeriod"/>
             </a:pPr>
-            <a:endParaRPr lang="en-US" sz="1300" dirty="0"/>
+            <a:endParaRPr lang="en-US" sz="1300" dirty="0">
+              <a:latin typeface="Times New Roman" panose="02020603050405020304" pitchFamily="18" charset="0"/>
+              <a:cs typeface="Times New Roman" panose="02020603050405020304" pitchFamily="18" charset="0"/>
+            </a:endParaRPr>
           </a:p>
           <a:p>
             <a:pPr marL="488950" lvl="1" indent="-342900">
@@ -20329,7 +20482,10 @@
               <a:buFont typeface="+mj-lt"/>
               <a:buAutoNum type="arabicPeriod"/>
             </a:pPr>
-            <a:endParaRPr lang="en-US" sz="1300" dirty="0"/>
+            <a:endParaRPr lang="en-US" sz="1300" dirty="0">
+              <a:latin typeface="Times New Roman" panose="02020603050405020304" pitchFamily="18" charset="0"/>
+              <a:cs typeface="Times New Roman" panose="02020603050405020304" pitchFamily="18" charset="0"/>
+            </a:endParaRPr>
           </a:p>
           <a:p>
             <a:pPr marL="488950" lvl="1" indent="-342900">
@@ -20341,7 +20497,10 @@
               <a:buAutoNum type="arabicPeriod"/>
             </a:pPr>
             <a:r>
-              <a:rPr lang="en-US" sz="1300" dirty="0"/>
+              <a:rPr lang="en-US" sz="1300" dirty="0">
+                <a:latin typeface="Times New Roman" panose="02020603050405020304" pitchFamily="18" charset="0"/>
+                <a:cs typeface="Times New Roman" panose="02020603050405020304" pitchFamily="18" charset="0"/>
+              </a:rPr>
               <a:t>Aug. 23, 2018       S&amp;P 500: -0.17%</a:t>
             </a:r>
           </a:p>
@@ -20355,7 +20514,10 @@
               <a:buAutoNum type="arabicPeriod"/>
             </a:pPr>
             <a:r>
-              <a:rPr lang="en-US" sz="1300" dirty="0"/>
+              <a:rPr lang="en-US" sz="1300" dirty="0">
+                <a:latin typeface="Times New Roman" panose="02020603050405020304" pitchFamily="18" charset="0"/>
+                <a:cs typeface="Times New Roman" panose="02020603050405020304" pitchFamily="18" charset="0"/>
+              </a:rPr>
               <a:t>Sept. 7, 2018         S&amp;P 500: -0.22%</a:t>
             </a:r>
           </a:p>
@@ -20369,7 +20531,10 @@
               <a:buAutoNum type="arabicPeriod"/>
             </a:pPr>
             <a:r>
-              <a:rPr lang="en-US" sz="1300" dirty="0"/>
+              <a:rPr lang="en-US" sz="1300" dirty="0">
+                <a:latin typeface="Times New Roman" panose="02020603050405020304" pitchFamily="18" charset="0"/>
+                <a:cs typeface="Times New Roman" panose="02020603050405020304" pitchFamily="18" charset="0"/>
+              </a:rPr>
               <a:t>Sept. 24, 2018      S&amp;P 500: -0.35%</a:t>
             </a:r>
           </a:p>
@@ -20383,7 +20548,10 @@
               <a:buAutoNum type="arabicPeriod"/>
             </a:pPr>
             <a:r>
-              <a:rPr lang="en-US" sz="1300" dirty="0"/>
+              <a:rPr lang="en-US" sz="1300" dirty="0">
+                <a:latin typeface="Times New Roman" panose="02020603050405020304" pitchFamily="18" charset="0"/>
+                <a:cs typeface="Times New Roman" panose="02020603050405020304" pitchFamily="18" charset="0"/>
+              </a:rPr>
               <a:t>Dec. 1, 2018         S&amp;P 500: +1.09% </a:t>
             </a:r>
           </a:p>
@@ -20397,7 +20565,10 @@
               <a:buAutoNum type="arabicPeriod"/>
             </a:pPr>
             <a:r>
-              <a:rPr lang="en-US" sz="1300" dirty="0"/>
+              <a:rPr lang="en-US" sz="1300" dirty="0">
+                <a:latin typeface="Times New Roman" panose="02020603050405020304" pitchFamily="18" charset="0"/>
+                <a:cs typeface="Times New Roman" panose="02020603050405020304" pitchFamily="18" charset="0"/>
+              </a:rPr>
               <a:t>Feb. 24, 2019       S&amp;P 500: +0.12% </a:t>
             </a:r>
           </a:p>
@@ -20411,7 +20582,10 @@
               <a:buAutoNum type="arabicPeriod"/>
             </a:pPr>
             <a:r>
-              <a:rPr lang="en-US" sz="1300" dirty="0"/>
+              <a:rPr lang="en-US" sz="1300" dirty="0">
+                <a:latin typeface="Times New Roman" panose="02020603050405020304" pitchFamily="18" charset="0"/>
+                <a:cs typeface="Times New Roman" panose="02020603050405020304" pitchFamily="18" charset="0"/>
+              </a:rPr>
               <a:t>May 5, 2019         S&amp;P 500: -0.45% </a:t>
             </a:r>
           </a:p>
@@ -20425,7 +20599,10 @@
               <a:buAutoNum type="arabicPeriod"/>
             </a:pPr>
             <a:r>
-              <a:rPr lang="en-US" sz="1300" dirty="0"/>
+              <a:rPr lang="en-US" sz="1300" dirty="0">
+                <a:latin typeface="Times New Roman" panose="02020603050405020304" pitchFamily="18" charset="0"/>
+                <a:cs typeface="Times New Roman" panose="02020603050405020304" pitchFamily="18" charset="0"/>
+              </a:rPr>
               <a:t>May 8, 2019         S&amp;P 500: -0.16%</a:t>
             </a:r>
           </a:p>
@@ -20439,7 +20616,10 @@
               <a:buAutoNum type="arabicPeriod"/>
             </a:pPr>
             <a:r>
-              <a:rPr lang="en-US" sz="1300" dirty="0"/>
+              <a:rPr lang="en-US" sz="1300" dirty="0">
+                <a:latin typeface="Times New Roman" panose="02020603050405020304" pitchFamily="18" charset="0"/>
+                <a:cs typeface="Times New Roman" panose="02020603050405020304" pitchFamily="18" charset="0"/>
+              </a:rPr>
               <a:t>June 18, 2019       S&amp;P 500: +0.97%</a:t>
             </a:r>
           </a:p>
@@ -20453,7 +20633,10 @@
               <a:buAutoNum type="arabicPeriod"/>
             </a:pPr>
             <a:r>
-              <a:rPr lang="en-US" sz="1300" dirty="0"/>
+              <a:rPr lang="en-US" sz="1300" dirty="0">
+                <a:latin typeface="Times New Roman" panose="02020603050405020304" pitchFamily="18" charset="0"/>
+                <a:cs typeface="Times New Roman" panose="02020603050405020304" pitchFamily="18" charset="0"/>
+              </a:rPr>
               <a:t>June 29, 2019       S&amp;P 500: +0.77% </a:t>
             </a:r>
           </a:p>
@@ -20467,7 +20650,10 @@
               <a:buAutoNum type="arabicPeriod"/>
             </a:pPr>
             <a:r>
-              <a:rPr lang="en-US" sz="1300" dirty="0"/>
+              <a:rPr lang="en-US" sz="1300" dirty="0">
+                <a:latin typeface="Times New Roman" panose="02020603050405020304" pitchFamily="18" charset="0"/>
+                <a:cs typeface="Times New Roman" panose="02020603050405020304" pitchFamily="18" charset="0"/>
+              </a:rPr>
               <a:t>Aug. 1, 2019        S&amp;P 500: -0.90%</a:t>
             </a:r>
           </a:p>
@@ -20481,7 +20667,10 @@
               <a:buAutoNum type="arabicPeriod"/>
             </a:pPr>
             <a:r>
-              <a:rPr lang="en-US" sz="1300" dirty="0"/>
+              <a:rPr lang="en-US" sz="1300" dirty="0">
+                <a:latin typeface="Times New Roman" panose="02020603050405020304" pitchFamily="18" charset="0"/>
+                <a:cs typeface="Times New Roman" panose="02020603050405020304" pitchFamily="18" charset="0"/>
+              </a:rPr>
               <a:t>Aug. 13, 2019      S&amp;P500:   +1.5%</a:t>
             </a:r>
           </a:p>
@@ -20495,7 +20684,10 @@
               <a:buAutoNum type="arabicPeriod"/>
             </a:pPr>
             <a:r>
-              <a:rPr lang="en-US" sz="1300" dirty="0"/>
+              <a:rPr lang="en-US" sz="1300" dirty="0">
+                <a:latin typeface="Times New Roman" panose="02020603050405020304" pitchFamily="18" charset="0"/>
+                <a:cs typeface="Times New Roman" panose="02020603050405020304" pitchFamily="18" charset="0"/>
+              </a:rPr>
               <a:t>Aug. 23, 2019      S&amp;P 500: -0.1%</a:t>
             </a:r>
           </a:p>
@@ -20509,7 +20701,10 @@
               <a:buAutoNum type="arabicPeriod"/>
             </a:pPr>
             <a:r>
-              <a:rPr lang="en-US" sz="1300" dirty="0"/>
+              <a:rPr lang="en-US" sz="1300" dirty="0">
+                <a:latin typeface="Times New Roman" panose="02020603050405020304" pitchFamily="18" charset="0"/>
+                <a:cs typeface="Times New Roman" panose="02020603050405020304" pitchFamily="18" charset="0"/>
+              </a:rPr>
               <a:t>Sept. 20, 2019      S&amp;P 500: -0.53%</a:t>
             </a:r>
           </a:p>
@@ -20523,7 +20718,10 @@
               <a:buAutoNum type="arabicPeriod"/>
             </a:pPr>
             <a:r>
-              <a:rPr lang="en-US" sz="1300" dirty="0"/>
+              <a:rPr lang="en-US" sz="1300" dirty="0">
+                <a:latin typeface="Times New Roman" panose="02020603050405020304" pitchFamily="18" charset="0"/>
+                <a:cs typeface="Times New Roman" panose="02020603050405020304" pitchFamily="18" charset="0"/>
+              </a:rPr>
               <a:t>Sept. 23, 2019      S&amp;P 500: -0.01%</a:t>
             </a:r>
           </a:p>
@@ -20537,7 +20735,10 @@
               <a:buAutoNum type="arabicPeriod"/>
             </a:pPr>
             <a:r>
-              <a:rPr lang="en-US" sz="1300" dirty="0"/>
+              <a:rPr lang="en-US" sz="1300" dirty="0">
+                <a:latin typeface="Times New Roman" panose="02020603050405020304" pitchFamily="18" charset="0"/>
+                <a:cs typeface="Times New Roman" panose="02020603050405020304" pitchFamily="18" charset="0"/>
+              </a:rPr>
               <a:t>Oct. 7, 2019         S&amp;P 500: -0.46%</a:t>
             </a:r>
           </a:p>
@@ -20550,7 +20751,10 @@
               <a:buFont typeface="Arial" panose="020B0604020202020204" pitchFamily="34" charset="0"/>
               <a:buChar char="•"/>
             </a:pPr>
-            <a:endParaRPr lang="en-US" sz="1300" dirty="0"/>
+            <a:endParaRPr lang="en-US" sz="1300" dirty="0">
+              <a:latin typeface="Times New Roman" panose="02020603050405020304" pitchFamily="18" charset="0"/>
+              <a:cs typeface="Times New Roman" panose="02020603050405020304" pitchFamily="18" charset="0"/>
+            </a:endParaRPr>
           </a:p>
           <a:p>
             <a:pPr lvl="1"/>
@@ -20650,10 +20854,16 @@
           <a:p>
             <a:pPr lvl="0"/>
             <a:r>
-              <a:rPr lang="en-US" dirty="0"/>
+              <a:rPr lang="en-US" dirty="0">
+                <a:latin typeface="Times New Roman" panose="02020603050405020304" pitchFamily="18" charset="0"/>
+                <a:cs typeface="Times New Roman" panose="02020603050405020304" pitchFamily="18" charset="0"/>
+              </a:rPr>
               <a:t>Discipline-appropriate methods used</a:t>
             </a:r>
-            <a:endParaRPr dirty="0"/>
+            <a:endParaRPr dirty="0">
+              <a:latin typeface="Times New Roman" panose="02020603050405020304" pitchFamily="18" charset="0"/>
+              <a:cs typeface="Times New Roman" panose="02020603050405020304" pitchFamily="18" charset="0"/>
+            </a:endParaRPr>
           </a:p>
         </p:txBody>
       </p:sp>
@@ -20670,7 +20880,7 @@
           <p:nvPr>
             <p:extLst>
               <p:ext uri="{D42A27DB-BD31-4B8C-83A1-F6EECF244321}">
-                <p14:modId xmlns:p14="http://schemas.microsoft.com/office/powerpoint/2010/main" val="698558604"/>
+                <p14:modId xmlns:p14="http://schemas.microsoft.com/office/powerpoint/2010/main" val="1183492214"/>
               </p:ext>
             </p:extLst>
           </p:nvPr>
@@ -20739,25 +20949,22 @@
             </a:pPr>
             <a:r>
               <a:rPr lang="en-US" sz="2800" b="1" i="0" u="none" strike="noStrike" cap="none" dirty="0">
-                <a:latin typeface="Raleway"/>
-                <a:ea typeface="Raleway"/>
-                <a:cs typeface="Raleway"/>
+                <a:latin typeface="Times New Roman" panose="02020603050405020304" pitchFamily="18" charset="0"/>
+                <a:cs typeface="Times New Roman" panose="02020603050405020304" pitchFamily="18" charset="0"/>
                 <a:sym typeface="Raleway"/>
               </a:rPr>
               <a:t>Phase 1: Data collection and cleaning</a:t>
             </a:r>
             <a:br>
               <a:rPr lang="en-US" sz="2800" b="1" i="0" u="none" strike="noStrike" cap="none" dirty="0">
-                <a:latin typeface="Raleway"/>
-                <a:ea typeface="Raleway"/>
-                <a:cs typeface="Raleway"/>
+                <a:latin typeface="Times New Roman" panose="02020603050405020304" pitchFamily="18" charset="0"/>
+                <a:cs typeface="Times New Roman" panose="02020603050405020304" pitchFamily="18" charset="0"/>
                 <a:sym typeface="Raleway"/>
               </a:rPr>
             </a:br>
             <a:endParaRPr lang="en-US" sz="2800" b="1" i="0" u="none" strike="noStrike" cap="none" dirty="0">
-              <a:latin typeface="Raleway"/>
-              <a:ea typeface="Raleway"/>
-              <a:cs typeface="Raleway"/>
+              <a:latin typeface="Times New Roman" panose="02020603050405020304" pitchFamily="18" charset="0"/>
+              <a:cs typeface="Times New Roman" panose="02020603050405020304" pitchFamily="18" charset="0"/>
               <a:sym typeface="Raleway"/>
             </a:endParaRPr>
           </a:p>
@@ -20776,14 +20983,14 @@
           <p:nvPr>
             <p:extLst>
               <p:ext uri="{D42A27DB-BD31-4B8C-83A1-F6EECF244321}">
-                <p14:modId xmlns:p14="http://schemas.microsoft.com/office/powerpoint/2010/main" val="2489651395"/>
+                <p14:modId xmlns:p14="http://schemas.microsoft.com/office/powerpoint/2010/main" val="4281176564"/>
               </p:ext>
             </p:extLst>
           </p:nvPr>
         </p:nvGraphicFramePr>
         <p:xfrm>
-          <a:off x="727800" y="1703157"/>
-          <a:ext cx="7688400" cy="2150131"/>
+          <a:off x="727799" y="1703157"/>
+          <a:ext cx="7797627" cy="2150131"/>
         </p:xfrm>
         <a:graphic>
           <a:graphicData uri="http://schemas.openxmlformats.org/drawingml/2006/diagram">
@@ -20850,13 +21057,22 @@
               </a:lnSpc>
             </a:pPr>
             <a:r>
-              <a:rPr lang="en-US" sz="2800" dirty="0"/>
+              <a:rPr lang="en-US" sz="2800" dirty="0">
+                <a:latin typeface="Times New Roman" panose="02020603050405020304" pitchFamily="18" charset="0"/>
+                <a:cs typeface="Times New Roman" panose="02020603050405020304" pitchFamily="18" charset="0"/>
+              </a:rPr>
               <a:t>Phase 2: Training data through unsupervised machine learning </a:t>
             </a:r>
             <a:br>
-              <a:rPr lang="en-US" sz="2800" dirty="0"/>
+              <a:rPr lang="en-US" sz="2800" dirty="0">
+                <a:latin typeface="Times New Roman" panose="02020603050405020304" pitchFamily="18" charset="0"/>
+                <a:cs typeface="Times New Roman" panose="02020603050405020304" pitchFamily="18" charset="0"/>
+              </a:rPr>
             </a:br>
-            <a:endParaRPr lang="en-US" sz="2800" dirty="0"/>
+            <a:endParaRPr lang="en-US" sz="2800" dirty="0">
+              <a:latin typeface="Times New Roman" panose="02020603050405020304" pitchFamily="18" charset="0"/>
+              <a:cs typeface="Times New Roman" panose="02020603050405020304" pitchFamily="18" charset="0"/>
+            </a:endParaRPr>
           </a:p>
         </p:txBody>
       </p:sp>
@@ -20878,7 +21094,7 @@
         </p:nvSpPr>
         <p:spPr>
           <a:xfrm>
-            <a:off x="729450" y="1647316"/>
+            <a:off x="727800" y="1468764"/>
             <a:ext cx="7688400" cy="2205972"/>
           </a:xfrm>
         </p:spPr>
@@ -20887,13 +21103,28 @@
           <a:lstStyle/>
           <a:p>
             <a:r>
-              <a:rPr lang="en-US" dirty="0"/>
-              <a:t>Used K-Means Algorithm and Elbow method to do unsupervised machine learning</a:t>
+              <a:rPr lang="en-US" dirty="0">
+                <a:latin typeface="Times New Roman" panose="02020603050405020304" pitchFamily="18" charset="0"/>
+                <a:cs typeface="Times New Roman" panose="02020603050405020304" pitchFamily="18" charset="0"/>
+              </a:rPr>
+              <a:t>K-Means Algorithm </a:t>
             </a:r>
           </a:p>
           <a:p>
             <a:r>
-              <a:rPr lang="en-US" dirty="0"/>
+              <a:rPr lang="en-US" dirty="0">
+                <a:latin typeface="Times New Roman" panose="02020603050405020304" pitchFamily="18" charset="0"/>
+                <a:cs typeface="Times New Roman" panose="02020603050405020304" pitchFamily="18" charset="0"/>
+              </a:rPr>
+              <a:t>Elbow method </a:t>
+            </a:r>
+          </a:p>
+          <a:p>
+            <a:r>
+              <a:rPr lang="en-US" dirty="0">
+                <a:latin typeface="Times New Roman" panose="02020603050405020304" pitchFamily="18" charset="0"/>
+                <a:cs typeface="Times New Roman" panose="02020603050405020304" pitchFamily="18" charset="0"/>
+              </a:rPr>
               <a:t>Unsupervised machine learning on each essential date </a:t>
             </a:r>
           </a:p>
@@ -20995,6 +21226,8 @@
                 <a:solidFill>
                   <a:schemeClr val="bg1"/>
                 </a:solidFill>
+                <a:latin typeface="Times New Roman" panose="02020603050405020304" pitchFamily="18" charset="0"/>
+                <a:cs typeface="Times New Roman" panose="02020603050405020304" pitchFamily="18" charset="0"/>
               </a:rPr>
               <a:t>Stock price fluctuation on June 28, 2016</a:t>
             </a:r>
@@ -21034,6 +21267,8 @@
                 <a:solidFill>
                   <a:schemeClr val="bg1"/>
                 </a:solidFill>
+                <a:latin typeface="Times New Roman" panose="02020603050405020304" pitchFamily="18" charset="0"/>
+                <a:cs typeface="Times New Roman" panose="02020603050405020304" pitchFamily="18" charset="0"/>
               </a:rPr>
               <a:t>Elbow Method finds out the optimal number of clusters</a:t>
             </a:r>
